--- a/commun/Réunion 10/PPDiFalcoHuygebaert.pptx
+++ b/commun/Réunion 10/PPDiFalcoHuygebaert.pptx
@@ -824,7 +824,7 @@
           <a:p>
             <a:fld id="{2B26BA7F-0D4E-4FF5-943E-E601AE8A9A05}" type="datetimeFigureOut">
               <a:rPr lang="fr-BE" smtClean="0"/>
-              <a:t>22-05-21</a:t>
+              <a:t>23-05-21</a:t>
             </a:fld>
             <a:endParaRPr lang="fr-BE"/>
           </a:p>
@@ -1685,7 +1685,7 @@
             <a:fld id="{4EC743F4-8769-40B4-85DF-6CB8DE9F66AA}" type="datetimeFigureOut">
               <a:rPr lang="en-US" smtClean="0"/>
               <a:pPr/>
-              <a:t>5/22/2021</a:t>
+              <a:t>5/23/2021</a:t>
             </a:fld>
             <a:endParaRPr lang="en-US" dirty="0"/>
           </a:p>
@@ -2669,7 +2669,7 @@
             <a:fld id="{4EC743F4-8769-40B4-85DF-6CB8DE9F66AA}" type="datetimeFigureOut">
               <a:rPr lang="en-US" smtClean="0"/>
               <a:pPr/>
-              <a:t>5/22/2021</a:t>
+              <a:t>5/23/2021</a:t>
             </a:fld>
             <a:endParaRPr lang="en-US" dirty="0"/>
           </a:p>
@@ -3541,7 +3541,7 @@
             <a:fld id="{4EC743F4-8769-40B4-85DF-6CB8DE9F66AA}" type="datetimeFigureOut">
               <a:rPr lang="en-US" smtClean="0"/>
               <a:pPr/>
-              <a:t>5/22/2021</a:t>
+              <a:t>5/23/2021</a:t>
             </a:fld>
             <a:endParaRPr lang="en-US" dirty="0"/>
           </a:p>
@@ -4564,7 +4564,7 @@
             <a:fld id="{4EC743F4-8769-40B4-85DF-6CB8DE9F66AA}" type="datetimeFigureOut">
               <a:rPr lang="en-US" smtClean="0"/>
               <a:pPr/>
-              <a:t>5/22/2021</a:t>
+              <a:t>5/23/2021</a:t>
             </a:fld>
             <a:endParaRPr lang="en-US" dirty="0"/>
           </a:p>
@@ -5486,7 +5486,7 @@
             <a:fld id="{4EC743F4-8769-40B4-85DF-6CB8DE9F66AA}" type="datetimeFigureOut">
               <a:rPr lang="en-US" smtClean="0"/>
               <a:pPr/>
-              <a:t>5/22/2021</a:t>
+              <a:t>5/23/2021</a:t>
             </a:fld>
             <a:endParaRPr lang="en-US" dirty="0"/>
           </a:p>
@@ -6144,7 +6144,7 @@
             <a:fld id="{4EC743F4-8769-40B4-85DF-6CB8DE9F66AA}" type="datetimeFigureOut">
               <a:rPr lang="en-US" smtClean="0"/>
               <a:pPr/>
-              <a:t>5/22/2021</a:t>
+              <a:t>5/23/2021</a:t>
             </a:fld>
             <a:endParaRPr lang="en-US" dirty="0"/>
           </a:p>
@@ -7003,7 +7003,7 @@
             <a:fld id="{4EC743F4-8769-40B4-85DF-6CB8DE9F66AA}" type="datetimeFigureOut">
               <a:rPr lang="en-US" smtClean="0"/>
               <a:pPr/>
-              <a:t>5/22/2021</a:t>
+              <a:t>5/23/2021</a:t>
             </a:fld>
             <a:endParaRPr lang="en-US" dirty="0"/>
           </a:p>
@@ -7188,7 +7188,7 @@
             <a:fld id="{4EC743F4-8769-40B4-85DF-6CB8DE9F66AA}" type="datetimeFigureOut">
               <a:rPr lang="en-US" smtClean="0"/>
               <a:pPr/>
-              <a:t>5/22/2021</a:t>
+              <a:t>5/23/2021</a:t>
             </a:fld>
             <a:endParaRPr lang="en-US" dirty="0"/>
           </a:p>
@@ -8047,7 +8047,7 @@
             <a:fld id="{4EC743F4-8769-40B4-85DF-6CB8DE9F66AA}" type="datetimeFigureOut">
               <a:rPr lang="en-US" smtClean="0"/>
               <a:pPr/>
-              <a:t>5/22/2021</a:t>
+              <a:t>5/23/2021</a:t>
             </a:fld>
             <a:endParaRPr lang="en-US" dirty="0"/>
           </a:p>
@@ -8268,7 +8268,7 @@
             <a:fld id="{4EC743F4-8769-40B4-85DF-6CB8DE9F66AA}" type="datetimeFigureOut">
               <a:rPr lang="en-US" smtClean="0"/>
               <a:pPr/>
-              <a:t>5/22/2021</a:t>
+              <a:t>5/23/2021</a:t>
             </a:fld>
             <a:endParaRPr lang="en-US" dirty="0"/>
           </a:p>
@@ -9195,7 +9195,7 @@
             <a:fld id="{4EC743F4-8769-40B4-85DF-6CB8DE9F66AA}" type="datetimeFigureOut">
               <a:rPr lang="en-US" smtClean="0"/>
               <a:pPr/>
-              <a:t>5/22/2021</a:t>
+              <a:t>5/23/2021</a:t>
             </a:fld>
             <a:endParaRPr lang="en-US" dirty="0"/>
           </a:p>
@@ -9481,7 +9481,7 @@
             <a:fld id="{4EC743F4-8769-40B4-85DF-6CB8DE9F66AA}" type="datetimeFigureOut">
               <a:rPr lang="en-US" smtClean="0"/>
               <a:pPr/>
-              <a:t>5/22/2021</a:t>
+              <a:t>5/23/2021</a:t>
             </a:fld>
             <a:endParaRPr lang="en-US" dirty="0"/>
           </a:p>
@@ -9873,7 +9873,7 @@
             <a:fld id="{4EC743F4-8769-40B4-85DF-6CB8DE9F66AA}" type="datetimeFigureOut">
               <a:rPr lang="en-US" smtClean="0"/>
               <a:pPr/>
-              <a:t>5/22/2021</a:t>
+              <a:t>5/23/2021</a:t>
             </a:fld>
             <a:endParaRPr lang="en-US" dirty="0"/>
           </a:p>
@@ -10001,7 +10001,7 @@
             <a:fld id="{4EC743F4-8769-40B4-85DF-6CB8DE9F66AA}" type="datetimeFigureOut">
               <a:rPr lang="en-US" smtClean="0"/>
               <a:pPr/>
-              <a:t>5/22/2021</a:t>
+              <a:t>5/23/2021</a:t>
             </a:fld>
             <a:endParaRPr lang="en-US" dirty="0"/>
           </a:p>
@@ -10098,7 +10098,7 @@
             <a:fld id="{4EC743F4-8769-40B4-85DF-6CB8DE9F66AA}" type="datetimeFigureOut">
               <a:rPr lang="en-US" smtClean="0"/>
               <a:pPr/>
-              <a:t>5/22/2021</a:t>
+              <a:t>5/23/2021</a:t>
             </a:fld>
             <a:endParaRPr lang="en-US" dirty="0"/>
           </a:p>
@@ -11071,7 +11071,7 @@
             <a:fld id="{4EC743F4-8769-40B4-85DF-6CB8DE9F66AA}" type="datetimeFigureOut">
               <a:rPr lang="en-US" smtClean="0"/>
               <a:pPr/>
-              <a:t>5/22/2021</a:t>
+              <a:t>5/23/2021</a:t>
             </a:fld>
             <a:endParaRPr lang="en-US" dirty="0"/>
           </a:p>
@@ -12068,7 +12068,7 @@
             <a:fld id="{4EC743F4-8769-40B4-85DF-6CB8DE9F66AA}" type="datetimeFigureOut">
               <a:rPr lang="en-US" smtClean="0"/>
               <a:pPr/>
-              <a:t>5/22/2021</a:t>
+              <a:t>5/23/2021</a:t>
             </a:fld>
             <a:endParaRPr lang="en-US" dirty="0"/>
           </a:p>
@@ -12954,7 +12954,7 @@
             <a:fld id="{4EC743F4-8769-40B4-85DF-6CB8DE9F66AA}" type="datetimeFigureOut">
               <a:rPr lang="en-US" smtClean="0"/>
               <a:pPr/>
-              <a:t>5/22/2021</a:t>
+              <a:t>5/23/2021</a:t>
             </a:fld>
             <a:endParaRPr lang="en-US" dirty="0"/>
           </a:p>
@@ -15950,6 +15950,40 @@
           <a:chExt cx="0" cy="0"/>
         </a:xfrm>
       </p:grpSpPr>
+      <p:pic>
+        <p:nvPicPr>
+          <p:cNvPr id="11" name="Image 10">
+            <a:extLst>
+              <a:ext uri="{FF2B5EF4-FFF2-40B4-BE49-F238E27FC236}">
+                <a16:creationId xmlns:a16="http://schemas.microsoft.com/office/drawing/2014/main" id="{8653CB18-87BA-4DEF-B80F-FA965817DBF5}"/>
+              </a:ext>
+            </a:extLst>
+          </p:cNvPr>
+          <p:cNvPicPr/>
+          <p:nvPr/>
+        </p:nvPicPr>
+        <p:blipFill>
+          <a:blip r:embed="rId2">
+            <a:extLst>
+              <a:ext uri="{28A0092B-C50C-407E-A947-70E740481C1C}">
+                <a14:useLocalDpi xmlns:a14="http://schemas.microsoft.com/office/drawing/2010/main" val="0"/>
+              </a:ext>
+            </a:extLst>
+          </a:blip>
+          <a:stretch>
+            <a:fillRect/>
+          </a:stretch>
+        </p:blipFill>
+        <p:spPr>
+          <a:xfrm>
+            <a:off x="0" y="909308"/>
+            <a:ext cx="12192000" cy="5948692"/>
+          </a:xfrm>
+          <a:prstGeom prst="rect">
+            <a:avLst/>
+          </a:prstGeom>
+        </p:spPr>
+      </p:pic>
       <p:sp>
         <p:nvSpPr>
           <p:cNvPr id="2" name="Titre 1">
@@ -15998,70 +16032,6 @@
       </p:sp>
       <p:sp>
         <p:nvSpPr>
-          <p:cNvPr id="3" name="Espace réservé du contenu 2">
-            <a:extLst>
-              <a:ext uri="{FF2B5EF4-FFF2-40B4-BE49-F238E27FC236}">
-                <a16:creationId xmlns:a16="http://schemas.microsoft.com/office/drawing/2014/main" id="{FD71FA27-989C-4BF7-B1FF-35D9C3FB95C8}"/>
-              </a:ext>
-            </a:extLst>
-          </p:cNvPr>
-          <p:cNvSpPr>
-            <a:spLocks noGrp="1"/>
-          </p:cNvSpPr>
-          <p:nvPr>
-            <p:ph idx="1"/>
-          </p:nvPr>
-        </p:nvSpPr>
-        <p:spPr/>
-        <p:txBody>
-          <a:bodyPr/>
-          <a:lstStyle/>
-          <a:p>
-            <a:endParaRPr lang="fr-BE" dirty="0"/>
-          </a:p>
-        </p:txBody>
-      </p:sp>
-      <p:pic>
-        <p:nvPicPr>
-          <p:cNvPr id="4" name="Image 3">
-            <a:extLst>
-              <a:ext uri="{FF2B5EF4-FFF2-40B4-BE49-F238E27FC236}">
-                <a16:creationId xmlns:a16="http://schemas.microsoft.com/office/drawing/2014/main" id="{4C674DAD-FF5A-43F2-82C7-99BEF5E9AB31}"/>
-              </a:ext>
-            </a:extLst>
-          </p:cNvPr>
-          <p:cNvPicPr/>
-          <p:nvPr/>
-        </p:nvPicPr>
-        <p:blipFill>
-          <a:blip r:embed="rId2" cstate="print">
-            <a:extLst>
-              <a:ext uri="{28A0092B-C50C-407E-A947-70E740481C1C}">
-                <a14:useLocalDpi xmlns:a14="http://schemas.microsoft.com/office/drawing/2010/main" val="0"/>
-              </a:ext>
-            </a:extLst>
-          </a:blip>
-          <a:srcRect/>
-          <a:stretch>
-            <a:fillRect/>
-          </a:stretch>
-        </p:blipFill>
-        <p:spPr bwMode="auto">
-          <a:xfrm>
-            <a:off x="0" y="941033"/>
-            <a:ext cx="11647504" cy="5916967"/>
-          </a:xfrm>
-          <a:prstGeom prst="rect">
-            <a:avLst/>
-          </a:prstGeom>
-          <a:noFill/>
-          <a:ln>
-            <a:noFill/>
-          </a:ln>
-        </p:spPr>
-      </p:pic>
-      <p:sp>
-        <p:nvSpPr>
           <p:cNvPr id="8" name="ZoneTexte 7">
             <a:extLst>
               <a:ext uri="{FF2B5EF4-FFF2-40B4-BE49-F238E27FC236}">
@@ -16074,7 +16044,7 @@
         </p:nvSpPr>
         <p:spPr>
           <a:xfrm>
-            <a:off x="3506679" y="2168384"/>
+            <a:off x="7160025" y="1128141"/>
             <a:ext cx="3640740" cy="553998"/>
           </a:xfrm>
           <a:prstGeom prst="rect">
@@ -16172,7 +16142,7 @@
         </p:nvSpPr>
         <p:spPr>
           <a:xfrm>
-            <a:off x="7980178" y="4438834"/>
+            <a:off x="7583567" y="3770382"/>
             <a:ext cx="2000435" cy="323165"/>
           </a:xfrm>
           <a:prstGeom prst="rect">
@@ -16222,7 +16192,7 @@
         </p:nvSpPr>
         <p:spPr>
           <a:xfrm>
-            <a:off x="7631836" y="4761999"/>
+            <a:off x="7543059" y="3983343"/>
             <a:ext cx="2040943" cy="307777"/>
           </a:xfrm>
           <a:prstGeom prst="rect">
@@ -16274,7 +16244,7 @@
         </p:nvSpPr>
         <p:spPr>
           <a:xfrm>
-            <a:off x="2270245" y="3990443"/>
+            <a:off x="2798462" y="2945070"/>
             <a:ext cx="6595075" cy="553998"/>
           </a:xfrm>
           <a:prstGeom prst="rect">

--- a/commun/Réunion 10/PPDiFalcoHuygebaert.pptx
+++ b/commun/Réunion 10/PPDiFalcoHuygebaert.pptx
@@ -824,7 +824,7 @@
           <a:p>
             <a:fld id="{2B26BA7F-0D4E-4FF5-943E-E601AE8A9A05}" type="datetimeFigureOut">
               <a:rPr lang="fr-BE" smtClean="0"/>
-              <a:t>23-05-21</a:t>
+              <a:t>24-05-21</a:t>
             </a:fld>
             <a:endParaRPr lang="fr-BE"/>
           </a:p>
@@ -1167,6 +1167,90 @@
     <p:extLst>
       <p:ext uri="{BB962C8B-B14F-4D97-AF65-F5344CB8AC3E}">
         <p14:creationId xmlns:p14="http://schemas.microsoft.com/office/powerpoint/2010/main" val="1703663372"/>
+      </p:ext>
+    </p:extLst>
+  </p:cSld>
+  <p:clrMapOvr>
+    <a:masterClrMapping/>
+  </p:clrMapOvr>
+</p:notes>
+</file>
+
+<file path=ppt/notesSlides/notesSlide2.xml><?xml version="1.0" encoding="utf-8"?>
+<p:notes xmlns:a="http://schemas.openxmlformats.org/drawingml/2006/main" xmlns:r="http://schemas.openxmlformats.org/officeDocument/2006/relationships" xmlns:p="http://schemas.openxmlformats.org/presentationml/2006/main">
+  <p:cSld>
+    <p:spTree>
+      <p:nvGrpSpPr>
+        <p:cNvPr id="1" name=""/>
+        <p:cNvGrpSpPr/>
+        <p:nvPr/>
+      </p:nvGrpSpPr>
+      <p:grpSpPr>
+        <a:xfrm>
+          <a:off x="0" y="0"/>
+          <a:ext cx="0" cy="0"/>
+          <a:chOff x="0" y="0"/>
+          <a:chExt cx="0" cy="0"/>
+        </a:xfrm>
+      </p:grpSpPr>
+      <p:sp>
+        <p:nvSpPr>
+          <p:cNvPr id="2" name="Espace réservé de l'image des diapositives 1"/>
+          <p:cNvSpPr>
+            <a:spLocks noGrp="1" noRot="1" noChangeAspect="1"/>
+          </p:cNvSpPr>
+          <p:nvPr>
+            <p:ph type="sldImg"/>
+          </p:nvPr>
+        </p:nvSpPr>
+        <p:spPr/>
+      </p:sp>
+      <p:sp>
+        <p:nvSpPr>
+          <p:cNvPr id="3" name="Espace réservé des notes 2"/>
+          <p:cNvSpPr>
+            <a:spLocks noGrp="1"/>
+          </p:cNvSpPr>
+          <p:nvPr>
+            <p:ph type="body" idx="1"/>
+          </p:nvPr>
+        </p:nvSpPr>
+        <p:spPr/>
+        <p:txBody>
+          <a:bodyPr/>
+          <a:lstStyle/>
+          <a:p>
+            <a:endParaRPr lang="fr-BE"/>
+          </a:p>
+        </p:txBody>
+      </p:sp>
+      <p:sp>
+        <p:nvSpPr>
+          <p:cNvPr id="4" name="Espace réservé du numéro de diapositive 3"/>
+          <p:cNvSpPr>
+            <a:spLocks noGrp="1"/>
+          </p:cNvSpPr>
+          <p:nvPr>
+            <p:ph type="sldNum" sz="quarter" idx="5"/>
+          </p:nvPr>
+        </p:nvSpPr>
+        <p:spPr/>
+        <p:txBody>
+          <a:bodyPr/>
+          <a:lstStyle/>
+          <a:p>
+            <a:fld id="{D82D10B0-B780-49BE-9C39-8138D167CC05}" type="slidenum">
+              <a:rPr lang="fr-BE" smtClean="0"/>
+              <a:t>7</a:t>
+            </a:fld>
+            <a:endParaRPr lang="fr-BE"/>
+          </a:p>
+        </p:txBody>
+      </p:sp>
+    </p:spTree>
+    <p:extLst>
+      <p:ext uri="{BB962C8B-B14F-4D97-AF65-F5344CB8AC3E}">
+        <p14:creationId xmlns:p14="http://schemas.microsoft.com/office/powerpoint/2010/main" val="2407172515"/>
       </p:ext>
     </p:extLst>
   </p:cSld>
@@ -1685,7 +1769,7 @@
             <a:fld id="{4EC743F4-8769-40B4-85DF-6CB8DE9F66AA}" type="datetimeFigureOut">
               <a:rPr lang="en-US" smtClean="0"/>
               <a:pPr/>
-              <a:t>5/23/2021</a:t>
+              <a:t>5/24/2021</a:t>
             </a:fld>
             <a:endParaRPr lang="en-US" dirty="0"/>
           </a:p>
@@ -2669,7 +2753,7 @@
             <a:fld id="{4EC743F4-8769-40B4-85DF-6CB8DE9F66AA}" type="datetimeFigureOut">
               <a:rPr lang="en-US" smtClean="0"/>
               <a:pPr/>
-              <a:t>5/23/2021</a:t>
+              <a:t>5/24/2021</a:t>
             </a:fld>
             <a:endParaRPr lang="en-US" dirty="0"/>
           </a:p>
@@ -3541,7 +3625,7 @@
             <a:fld id="{4EC743F4-8769-40B4-85DF-6CB8DE9F66AA}" type="datetimeFigureOut">
               <a:rPr lang="en-US" smtClean="0"/>
               <a:pPr/>
-              <a:t>5/23/2021</a:t>
+              <a:t>5/24/2021</a:t>
             </a:fld>
             <a:endParaRPr lang="en-US" dirty="0"/>
           </a:p>
@@ -4564,7 +4648,7 @@
             <a:fld id="{4EC743F4-8769-40B4-85DF-6CB8DE9F66AA}" type="datetimeFigureOut">
               <a:rPr lang="en-US" smtClean="0"/>
               <a:pPr/>
-              <a:t>5/23/2021</a:t>
+              <a:t>5/24/2021</a:t>
             </a:fld>
             <a:endParaRPr lang="en-US" dirty="0"/>
           </a:p>
@@ -5486,7 +5570,7 @@
             <a:fld id="{4EC743F4-8769-40B4-85DF-6CB8DE9F66AA}" type="datetimeFigureOut">
               <a:rPr lang="en-US" smtClean="0"/>
               <a:pPr/>
-              <a:t>5/23/2021</a:t>
+              <a:t>5/24/2021</a:t>
             </a:fld>
             <a:endParaRPr lang="en-US" dirty="0"/>
           </a:p>
@@ -6144,7 +6228,7 @@
             <a:fld id="{4EC743F4-8769-40B4-85DF-6CB8DE9F66AA}" type="datetimeFigureOut">
               <a:rPr lang="en-US" smtClean="0"/>
               <a:pPr/>
-              <a:t>5/23/2021</a:t>
+              <a:t>5/24/2021</a:t>
             </a:fld>
             <a:endParaRPr lang="en-US" dirty="0"/>
           </a:p>
@@ -7003,7 +7087,7 @@
             <a:fld id="{4EC743F4-8769-40B4-85DF-6CB8DE9F66AA}" type="datetimeFigureOut">
               <a:rPr lang="en-US" smtClean="0"/>
               <a:pPr/>
-              <a:t>5/23/2021</a:t>
+              <a:t>5/24/2021</a:t>
             </a:fld>
             <a:endParaRPr lang="en-US" dirty="0"/>
           </a:p>
@@ -7188,7 +7272,7 @@
             <a:fld id="{4EC743F4-8769-40B4-85DF-6CB8DE9F66AA}" type="datetimeFigureOut">
               <a:rPr lang="en-US" smtClean="0"/>
               <a:pPr/>
-              <a:t>5/23/2021</a:t>
+              <a:t>5/24/2021</a:t>
             </a:fld>
             <a:endParaRPr lang="en-US" dirty="0"/>
           </a:p>
@@ -8047,7 +8131,7 @@
             <a:fld id="{4EC743F4-8769-40B4-85DF-6CB8DE9F66AA}" type="datetimeFigureOut">
               <a:rPr lang="en-US" smtClean="0"/>
               <a:pPr/>
-              <a:t>5/23/2021</a:t>
+              <a:t>5/24/2021</a:t>
             </a:fld>
             <a:endParaRPr lang="en-US" dirty="0"/>
           </a:p>
@@ -8268,7 +8352,7 @@
             <a:fld id="{4EC743F4-8769-40B4-85DF-6CB8DE9F66AA}" type="datetimeFigureOut">
               <a:rPr lang="en-US" smtClean="0"/>
               <a:pPr/>
-              <a:t>5/23/2021</a:t>
+              <a:t>5/24/2021</a:t>
             </a:fld>
             <a:endParaRPr lang="en-US" dirty="0"/>
           </a:p>
@@ -9195,7 +9279,7 @@
             <a:fld id="{4EC743F4-8769-40B4-85DF-6CB8DE9F66AA}" type="datetimeFigureOut">
               <a:rPr lang="en-US" smtClean="0"/>
               <a:pPr/>
-              <a:t>5/23/2021</a:t>
+              <a:t>5/24/2021</a:t>
             </a:fld>
             <a:endParaRPr lang="en-US" dirty="0"/>
           </a:p>
@@ -9481,7 +9565,7 @@
             <a:fld id="{4EC743F4-8769-40B4-85DF-6CB8DE9F66AA}" type="datetimeFigureOut">
               <a:rPr lang="en-US" smtClean="0"/>
               <a:pPr/>
-              <a:t>5/23/2021</a:t>
+              <a:t>5/24/2021</a:t>
             </a:fld>
             <a:endParaRPr lang="en-US" dirty="0"/>
           </a:p>
@@ -9873,7 +9957,7 @@
             <a:fld id="{4EC743F4-8769-40B4-85DF-6CB8DE9F66AA}" type="datetimeFigureOut">
               <a:rPr lang="en-US" smtClean="0"/>
               <a:pPr/>
-              <a:t>5/23/2021</a:t>
+              <a:t>5/24/2021</a:t>
             </a:fld>
             <a:endParaRPr lang="en-US" dirty="0"/>
           </a:p>
@@ -10001,7 +10085,7 @@
             <a:fld id="{4EC743F4-8769-40B4-85DF-6CB8DE9F66AA}" type="datetimeFigureOut">
               <a:rPr lang="en-US" smtClean="0"/>
               <a:pPr/>
-              <a:t>5/23/2021</a:t>
+              <a:t>5/24/2021</a:t>
             </a:fld>
             <a:endParaRPr lang="en-US" dirty="0"/>
           </a:p>
@@ -10098,7 +10182,7 @@
             <a:fld id="{4EC743F4-8769-40B4-85DF-6CB8DE9F66AA}" type="datetimeFigureOut">
               <a:rPr lang="en-US" smtClean="0"/>
               <a:pPr/>
-              <a:t>5/23/2021</a:t>
+              <a:t>5/24/2021</a:t>
             </a:fld>
             <a:endParaRPr lang="en-US" dirty="0"/>
           </a:p>
@@ -11071,7 +11155,7 @@
             <a:fld id="{4EC743F4-8769-40B4-85DF-6CB8DE9F66AA}" type="datetimeFigureOut">
               <a:rPr lang="en-US" smtClean="0"/>
               <a:pPr/>
-              <a:t>5/23/2021</a:t>
+              <a:t>5/24/2021</a:t>
             </a:fld>
             <a:endParaRPr lang="en-US" dirty="0"/>
           </a:p>
@@ -12068,7 +12152,7 @@
             <a:fld id="{4EC743F4-8769-40B4-85DF-6CB8DE9F66AA}" type="datetimeFigureOut">
               <a:rPr lang="en-US" smtClean="0"/>
               <a:pPr/>
-              <a:t>5/23/2021</a:t>
+              <a:t>5/24/2021</a:t>
             </a:fld>
             <a:endParaRPr lang="en-US" dirty="0"/>
           </a:p>
@@ -12954,7 +13038,7 @@
             <a:fld id="{4EC743F4-8769-40B4-85DF-6CB8DE9F66AA}" type="datetimeFigureOut">
               <a:rPr lang="en-US" smtClean="0"/>
               <a:pPr/>
-              <a:t>5/23/2021</a:t>
+              <a:t>5/24/2021</a:t>
             </a:fld>
             <a:endParaRPr lang="en-US" dirty="0"/>
           </a:p>
@@ -15952,10 +16036,10 @@
       </p:grpSpPr>
       <p:pic>
         <p:nvPicPr>
-          <p:cNvPr id="11" name="Image 10">
+          <p:cNvPr id="13" name="Image 12">
             <a:extLst>
               <a:ext uri="{FF2B5EF4-FFF2-40B4-BE49-F238E27FC236}">
-                <a16:creationId xmlns:a16="http://schemas.microsoft.com/office/drawing/2014/main" id="{8653CB18-87BA-4DEF-B80F-FA965817DBF5}"/>
+                <a16:creationId xmlns:a16="http://schemas.microsoft.com/office/drawing/2014/main" id="{6CD1F3B7-B461-455D-8091-15B4A08F8D61}"/>
               </a:ext>
             </a:extLst>
           </p:cNvPr>
@@ -15963,7 +16047,7 @@
           <p:nvPr/>
         </p:nvPicPr>
         <p:blipFill>
-          <a:blip r:embed="rId2">
+          <a:blip r:embed="rId3">
             <a:extLst>
               <a:ext uri="{28A0092B-C50C-407E-A947-70E740481C1C}">
                 <a14:useLocalDpi xmlns:a14="http://schemas.microsoft.com/office/drawing/2010/main" val="0"/>
@@ -15976,8 +16060,8 @@
         </p:blipFill>
         <p:spPr>
           <a:xfrm>
-            <a:off x="0" y="909308"/>
-            <a:ext cx="12192000" cy="5948692"/>
+            <a:off x="0" y="1128140"/>
+            <a:ext cx="12191999" cy="5729859"/>
           </a:xfrm>
           <a:prstGeom prst="rect">
             <a:avLst/>

--- a/commun/Réunion 10/PPDiFalcoHuygebaert.pptx
+++ b/commun/Réunion 10/PPDiFalcoHuygebaert.pptx
@@ -5,7 +5,7 @@
     <p:sldMasterId id="2147484170" r:id="rId1"/>
   </p:sldMasterIdLst>
   <p:notesMasterIdLst>
-    <p:notesMasterId r:id="rId13"/>
+    <p:notesMasterId r:id="rId14"/>
   </p:notesMasterIdLst>
   <p:sldIdLst>
     <p:sldId id="256" r:id="rId2"/>
@@ -17,8 +17,9 @@
     <p:sldId id="262" r:id="rId8"/>
     <p:sldId id="263" r:id="rId9"/>
     <p:sldId id="264" r:id="rId10"/>
-    <p:sldId id="265" r:id="rId11"/>
-    <p:sldId id="266" r:id="rId12"/>
+    <p:sldId id="267" r:id="rId11"/>
+    <p:sldId id="265" r:id="rId12"/>
+    <p:sldId id="266" r:id="rId13"/>
   </p:sldIdLst>
   <p:sldSz cx="12192000" cy="6858000"/>
   <p:notesSz cx="6858000" cy="9144000"/>
@@ -13743,6 +13744,41 @@
           </a:p>
         </p:txBody>
       </p:sp>
+      <p:sp>
+        <p:nvSpPr>
+          <p:cNvPr id="4" name="ZoneTexte 3">
+            <a:extLst>
+              <a:ext uri="{FF2B5EF4-FFF2-40B4-BE49-F238E27FC236}">
+                <a16:creationId xmlns:a16="http://schemas.microsoft.com/office/drawing/2014/main" id="{3B027960-D34F-48EB-8393-9AA010ECCA23}"/>
+              </a:ext>
+            </a:extLst>
+          </p:cNvPr>
+          <p:cNvSpPr txBox="1"/>
+          <p:nvPr/>
+        </p:nvSpPr>
+        <p:spPr>
+          <a:xfrm>
+            <a:off x="10484528" y="719091"/>
+            <a:ext cx="572593" cy="369332"/>
+          </a:xfrm>
+          <a:prstGeom prst="rect">
+            <a:avLst/>
+          </a:prstGeom>
+          <a:noFill/>
+        </p:spPr>
+        <p:txBody>
+          <a:bodyPr wrap="none" rtlCol="0">
+            <a:spAutoFit/>
+          </a:bodyPr>
+          <a:lstStyle/>
+          <a:p>
+            <a:r>
+              <a:rPr lang="fr-BE" dirty="0"/>
+              <a:t>S/A</a:t>
+            </a:r>
+          </a:p>
+        </p:txBody>
+      </p:sp>
     </p:spTree>
     <p:extLst>
       <p:ext uri="{BB962C8B-B14F-4D97-AF65-F5344CB8AC3E}">
@@ -13778,7 +13814,7 @@
           <p:cNvPr id="2" name="Titre 1">
             <a:extLst>
               <a:ext uri="{FF2B5EF4-FFF2-40B4-BE49-F238E27FC236}">
-                <a16:creationId xmlns:a16="http://schemas.microsoft.com/office/drawing/2014/main" id="{2C7B627A-25C4-40AB-9596-061CD6D86698}"/>
+                <a16:creationId xmlns:a16="http://schemas.microsoft.com/office/drawing/2014/main" id="{C679060A-ACEF-4364-95C0-3BEEED1DD843}"/>
               </a:ext>
             </a:extLst>
           </p:cNvPr>
@@ -13796,43 +13832,68 @@
           <a:p>
             <a:r>
               <a:rPr lang="fr-BE" dirty="0" err="1"/>
-              <a:t>Demo</a:t>
+              <a:t>Sequence</a:t>
+            </a:r>
+            <a:r>
+              <a:rPr lang="fr-BE" dirty="0"/>
+              <a:t> </a:t>
+            </a:r>
+            <a:r>
+              <a:rPr lang="fr-BE" dirty="0" err="1"/>
+              <a:t>diagram</a:t>
+            </a:r>
+            <a:r>
+              <a:rPr lang="fr-BE" dirty="0"/>
+              <a:t> : 2 / 2 of </a:t>
+            </a:r>
+            <a:r>
+              <a:rPr lang="fr-BE" dirty="0" err="1"/>
+              <a:t>own</a:t>
             </a:r>
             <a:endParaRPr lang="fr-BE" dirty="0"/>
           </a:p>
         </p:txBody>
       </p:sp>
-      <p:sp>
-        <p:nvSpPr>
-          <p:cNvPr id="3" name="Espace réservé du contenu 2">
+      <p:pic>
+        <p:nvPicPr>
+          <p:cNvPr id="4" name="Image 3">
             <a:extLst>
               <a:ext uri="{FF2B5EF4-FFF2-40B4-BE49-F238E27FC236}">
-                <a16:creationId xmlns:a16="http://schemas.microsoft.com/office/drawing/2014/main" id="{6CD679E6-490C-4354-B575-1025E3B12DBE}"/>
+                <a16:creationId xmlns:a16="http://schemas.microsoft.com/office/drawing/2014/main" id="{CF451D0E-D649-481E-90C4-0CD156A65625}"/>
               </a:ext>
             </a:extLst>
           </p:cNvPr>
-          <p:cNvSpPr>
-            <a:spLocks noGrp="1"/>
-          </p:cNvSpPr>
-          <p:nvPr>
-            <p:ph idx="1"/>
-          </p:nvPr>
-        </p:nvSpPr>
-        <p:spPr/>
-        <p:txBody>
-          <a:bodyPr/>
-          <a:lstStyle/>
-          <a:p>
-            <a:endParaRPr lang="fr-BE" dirty="0"/>
-          </a:p>
-        </p:txBody>
-      </p:sp>
-      <p:sp>
-        <p:nvSpPr>
-          <p:cNvPr id="4" name="ZoneTexte 3">
+          <p:cNvPicPr/>
+          <p:nvPr/>
+        </p:nvPicPr>
+        <p:blipFill>
+          <a:blip r:embed="rId2">
+            <a:extLst>
+              <a:ext uri="{28A0092B-C50C-407E-A947-70E740481C1C}">
+                <a14:useLocalDpi xmlns:a14="http://schemas.microsoft.com/office/drawing/2010/main" val="0"/>
+              </a:ext>
+            </a:extLst>
+          </a:blip>
+          <a:stretch>
+            <a:fillRect/>
+          </a:stretch>
+        </p:blipFill>
+        <p:spPr>
+          <a:xfrm>
+            <a:off x="195309" y="2130641"/>
+            <a:ext cx="11754035" cy="4793941"/>
+          </a:xfrm>
+          <a:prstGeom prst="rect">
+            <a:avLst/>
+          </a:prstGeom>
+        </p:spPr>
+      </p:pic>
+      <p:sp>
+        <p:nvSpPr>
+          <p:cNvPr id="5" name="ZoneTexte 4">
             <a:extLst>
               <a:ext uri="{FF2B5EF4-FFF2-40B4-BE49-F238E27FC236}">
-                <a16:creationId xmlns:a16="http://schemas.microsoft.com/office/drawing/2014/main" id="{595FF135-A94F-4B1F-98DC-7D2C758C8D24}"/>
+                <a16:creationId xmlns:a16="http://schemas.microsoft.com/office/drawing/2014/main" id="{20521FC0-7753-4D7C-85CD-16E10AF567BA}"/>
               </a:ext>
             </a:extLst>
           </p:cNvPr>
@@ -13841,8 +13902,8 @@
         </p:nvSpPr>
         <p:spPr>
           <a:xfrm>
-            <a:off x="3817398" y="3429000"/>
-            <a:ext cx="2204450" cy="369332"/>
+            <a:off x="1438183" y="1720971"/>
+            <a:ext cx="482824" cy="369332"/>
           </a:xfrm>
           <a:prstGeom prst="rect">
             <a:avLst/>
@@ -13857,15 +13918,53 @@
           <a:p>
             <a:r>
               <a:rPr lang="fr-BE" dirty="0"/>
-              <a:t>Run ASP_PROJECT</a:t>
-            </a:r>
+              <a:t>(2)</a:t>
+            </a:r>
+          </a:p>
+        </p:txBody>
+      </p:sp>
+      <p:sp>
+        <p:nvSpPr>
+          <p:cNvPr id="6" name="ZoneTexte 5">
+            <a:extLst>
+              <a:ext uri="{FF2B5EF4-FFF2-40B4-BE49-F238E27FC236}">
+                <a16:creationId xmlns:a16="http://schemas.microsoft.com/office/drawing/2014/main" id="{7AD33E6F-0E05-4A70-889D-B4EAD6E35EAF}"/>
+              </a:ext>
+            </a:extLst>
+          </p:cNvPr>
+          <p:cNvSpPr txBox="1"/>
+          <p:nvPr/>
+        </p:nvSpPr>
+        <p:spPr>
+          <a:xfrm>
+            <a:off x="10617693" y="798990"/>
+            <a:ext cx="356188" cy="646331"/>
+          </a:xfrm>
+          <a:prstGeom prst="rect">
+            <a:avLst/>
+          </a:prstGeom>
+          <a:noFill/>
+        </p:spPr>
+        <p:txBody>
+          <a:bodyPr wrap="none" rtlCol="0">
+            <a:spAutoFit/>
+          </a:bodyPr>
+          <a:lstStyle/>
+          <a:p>
+            <a:r>
+              <a:rPr lang="fr-BE" dirty="0"/>
+              <a:t>A</a:t>
+            </a:r>
+          </a:p>
+          <a:p>
+            <a:endParaRPr lang="fr-BE" dirty="0"/>
           </a:p>
         </p:txBody>
       </p:sp>
     </p:spTree>
     <p:extLst>
       <p:ext uri="{BB962C8B-B14F-4D97-AF65-F5344CB8AC3E}">
-        <p14:creationId xmlns:p14="http://schemas.microsoft.com/office/powerpoint/2010/main" val="935520540"/>
+        <p14:creationId xmlns:p14="http://schemas.microsoft.com/office/powerpoint/2010/main" val="4256167585"/>
       </p:ext>
     </p:extLst>
   </p:cSld>
@@ -13897,6 +13996,135 @@
           <p:cNvPr id="2" name="Titre 1">
             <a:extLst>
               <a:ext uri="{FF2B5EF4-FFF2-40B4-BE49-F238E27FC236}">
+                <a16:creationId xmlns:a16="http://schemas.microsoft.com/office/drawing/2014/main" id="{2C7B627A-25C4-40AB-9596-061CD6D86698}"/>
+              </a:ext>
+            </a:extLst>
+          </p:cNvPr>
+          <p:cNvSpPr>
+            <a:spLocks noGrp="1"/>
+          </p:cNvSpPr>
+          <p:nvPr>
+            <p:ph type="title"/>
+          </p:nvPr>
+        </p:nvSpPr>
+        <p:spPr/>
+        <p:txBody>
+          <a:bodyPr/>
+          <a:lstStyle/>
+          <a:p>
+            <a:r>
+              <a:rPr lang="fr-BE" dirty="0" err="1"/>
+              <a:t>Demo</a:t>
+            </a:r>
+            <a:endParaRPr lang="fr-BE" dirty="0"/>
+          </a:p>
+        </p:txBody>
+      </p:sp>
+      <p:sp>
+        <p:nvSpPr>
+          <p:cNvPr id="4" name="ZoneTexte 3">
+            <a:extLst>
+              <a:ext uri="{FF2B5EF4-FFF2-40B4-BE49-F238E27FC236}">
+                <a16:creationId xmlns:a16="http://schemas.microsoft.com/office/drawing/2014/main" id="{595FF135-A94F-4B1F-98DC-7D2C758C8D24}"/>
+              </a:ext>
+            </a:extLst>
+          </p:cNvPr>
+          <p:cNvSpPr txBox="1"/>
+          <p:nvPr/>
+        </p:nvSpPr>
+        <p:spPr>
+          <a:xfrm>
+            <a:off x="4660776" y="3429000"/>
+            <a:ext cx="2204450" cy="369332"/>
+          </a:xfrm>
+          <a:prstGeom prst="rect">
+            <a:avLst/>
+          </a:prstGeom>
+          <a:noFill/>
+        </p:spPr>
+        <p:txBody>
+          <a:bodyPr wrap="none" rtlCol="0">
+            <a:spAutoFit/>
+          </a:bodyPr>
+          <a:lstStyle/>
+          <a:p>
+            <a:r>
+              <a:rPr lang="fr-BE" dirty="0"/>
+              <a:t>Run ASP_PROJECT</a:t>
+            </a:r>
+          </a:p>
+        </p:txBody>
+      </p:sp>
+      <p:sp>
+        <p:nvSpPr>
+          <p:cNvPr id="5" name="ZoneTexte 4">
+            <a:extLst>
+              <a:ext uri="{FF2B5EF4-FFF2-40B4-BE49-F238E27FC236}">
+                <a16:creationId xmlns:a16="http://schemas.microsoft.com/office/drawing/2014/main" id="{FE2EB265-1B31-47B6-A8EA-75E3B567BBA4}"/>
+              </a:ext>
+            </a:extLst>
+          </p:cNvPr>
+          <p:cNvSpPr txBox="1"/>
+          <p:nvPr/>
+        </p:nvSpPr>
+        <p:spPr>
+          <a:xfrm>
+            <a:off x="10573305" y="834501"/>
+            <a:ext cx="45719" cy="369332"/>
+          </a:xfrm>
+          <a:prstGeom prst="rect">
+            <a:avLst/>
+          </a:prstGeom>
+          <a:noFill/>
+        </p:spPr>
+        <p:txBody>
+          <a:bodyPr wrap="square" rtlCol="0">
+            <a:spAutoFit/>
+          </a:bodyPr>
+          <a:lstStyle/>
+          <a:p>
+            <a:r>
+              <a:rPr lang="fr-BE" dirty="0"/>
+              <a:t>S</a:t>
+            </a:r>
+          </a:p>
+        </p:txBody>
+      </p:sp>
+    </p:spTree>
+    <p:extLst>
+      <p:ext uri="{BB962C8B-B14F-4D97-AF65-F5344CB8AC3E}">
+        <p14:creationId xmlns:p14="http://schemas.microsoft.com/office/powerpoint/2010/main" val="935520540"/>
+      </p:ext>
+    </p:extLst>
+  </p:cSld>
+  <p:clrMapOvr>
+    <a:masterClrMapping/>
+  </p:clrMapOvr>
+</p:sld>
+</file>
+
+<file path=ppt/slides/slide12.xml><?xml version="1.0" encoding="utf-8"?>
+<p:sld xmlns:a="http://schemas.openxmlformats.org/drawingml/2006/main" xmlns:r="http://schemas.openxmlformats.org/officeDocument/2006/relationships" xmlns:p="http://schemas.openxmlformats.org/presentationml/2006/main">
+  <p:cSld>
+    <p:spTree>
+      <p:nvGrpSpPr>
+        <p:cNvPr id="1" name=""/>
+        <p:cNvGrpSpPr/>
+        <p:nvPr/>
+      </p:nvGrpSpPr>
+      <p:grpSpPr>
+        <a:xfrm>
+          <a:off x="0" y="0"/>
+          <a:ext cx="0" cy="0"/>
+          <a:chOff x="0" y="0"/>
+          <a:chExt cx="0" cy="0"/>
+        </a:xfrm>
+      </p:grpSpPr>
+      <p:sp>
+        <p:nvSpPr>
+          <p:cNvPr id="2" name="Titre 1">
+            <a:extLst>
+              <a:ext uri="{FF2B5EF4-FFF2-40B4-BE49-F238E27FC236}">
                 <a16:creationId xmlns:a16="http://schemas.microsoft.com/office/drawing/2014/main" id="{8A5B5AAE-794D-4903-AAB1-57951FC28D08}"/>
               </a:ext>
             </a:extLst>
@@ -14022,6 +14250,44 @@
               <a:rPr lang="fr-BE" dirty="0"/>
               <a:t>	</a:t>
             </a:r>
+          </a:p>
+        </p:txBody>
+      </p:sp>
+      <p:sp>
+        <p:nvSpPr>
+          <p:cNvPr id="4" name="ZoneTexte 3">
+            <a:extLst>
+              <a:ext uri="{FF2B5EF4-FFF2-40B4-BE49-F238E27FC236}">
+                <a16:creationId xmlns:a16="http://schemas.microsoft.com/office/drawing/2014/main" id="{F2F00C46-39CF-4C3D-A44C-4C8AB9120CD9}"/>
+              </a:ext>
+            </a:extLst>
+          </p:cNvPr>
+          <p:cNvSpPr txBox="1"/>
+          <p:nvPr/>
+        </p:nvSpPr>
+        <p:spPr>
+          <a:xfrm>
+            <a:off x="10502283" y="736847"/>
+            <a:ext cx="572593" cy="646331"/>
+          </a:xfrm>
+          <a:prstGeom prst="rect">
+            <a:avLst/>
+          </a:prstGeom>
+          <a:noFill/>
+        </p:spPr>
+        <p:txBody>
+          <a:bodyPr wrap="none" rtlCol="0">
+            <a:spAutoFit/>
+          </a:bodyPr>
+          <a:lstStyle/>
+          <a:p>
+            <a:r>
+              <a:rPr lang="fr-BE" dirty="0"/>
+              <a:t>S/A</a:t>
+            </a:r>
+          </a:p>
+          <a:p>
+            <a:endParaRPr lang="fr-BE" dirty="0"/>
           </a:p>
         </p:txBody>
       </p:sp>
@@ -14180,6 +14446,41 @@
           </a:p>
         </p:txBody>
       </p:sp>
+      <p:sp>
+        <p:nvSpPr>
+          <p:cNvPr id="5" name="ZoneTexte 4">
+            <a:extLst>
+              <a:ext uri="{FF2B5EF4-FFF2-40B4-BE49-F238E27FC236}">
+                <a16:creationId xmlns:a16="http://schemas.microsoft.com/office/drawing/2014/main" id="{18B1E351-BFA4-4CB1-B7B0-44DDDD56594D}"/>
+              </a:ext>
+            </a:extLst>
+          </p:cNvPr>
+          <p:cNvSpPr txBox="1"/>
+          <p:nvPr/>
+        </p:nvSpPr>
+        <p:spPr>
+          <a:xfrm>
+            <a:off x="10635449" y="781235"/>
+            <a:ext cx="356188" cy="369332"/>
+          </a:xfrm>
+          <a:prstGeom prst="rect">
+            <a:avLst/>
+          </a:prstGeom>
+          <a:noFill/>
+        </p:spPr>
+        <p:txBody>
+          <a:bodyPr wrap="none" rtlCol="0">
+            <a:spAutoFit/>
+          </a:bodyPr>
+          <a:lstStyle/>
+          <a:p>
+            <a:r>
+              <a:rPr lang="fr-BE" dirty="0"/>
+              <a:t>A</a:t>
+            </a:r>
+          </a:p>
+        </p:txBody>
+      </p:sp>
     </p:spTree>
     <p:extLst>
       <p:ext uri="{BB962C8B-B14F-4D97-AF65-F5344CB8AC3E}">
@@ -14513,6 +14814,41 @@
           </a:p>
         </p:txBody>
       </p:sp>
+      <p:sp>
+        <p:nvSpPr>
+          <p:cNvPr id="4" name="ZoneTexte 3">
+            <a:extLst>
+              <a:ext uri="{FF2B5EF4-FFF2-40B4-BE49-F238E27FC236}">
+                <a16:creationId xmlns:a16="http://schemas.microsoft.com/office/drawing/2014/main" id="{2B2B9D61-21D1-4F29-9CC9-DF3F16ED3493}"/>
+              </a:ext>
+            </a:extLst>
+          </p:cNvPr>
+          <p:cNvSpPr txBox="1"/>
+          <p:nvPr/>
+        </p:nvSpPr>
+        <p:spPr>
+          <a:xfrm>
+            <a:off x="10635449" y="656948"/>
+            <a:ext cx="356188" cy="369332"/>
+          </a:xfrm>
+          <a:prstGeom prst="rect">
+            <a:avLst/>
+          </a:prstGeom>
+          <a:noFill/>
+        </p:spPr>
+        <p:txBody>
+          <a:bodyPr wrap="none" rtlCol="0">
+            <a:spAutoFit/>
+          </a:bodyPr>
+          <a:lstStyle/>
+          <a:p>
+            <a:r>
+              <a:rPr lang="fr-BE" dirty="0"/>
+              <a:t>A</a:t>
+            </a:r>
+          </a:p>
+        </p:txBody>
+      </p:sp>
     </p:spTree>
     <p:extLst>
       <p:ext uri="{BB962C8B-B14F-4D97-AF65-F5344CB8AC3E}">
@@ -15136,6 +15472,41 @@
             <a:r>
               <a:rPr lang="fr-BE" dirty="0"/>
               <a:t> case</a:t>
+            </a:r>
+          </a:p>
+        </p:txBody>
+      </p:sp>
+      <p:sp>
+        <p:nvSpPr>
+          <p:cNvPr id="4" name="ZoneTexte 3">
+            <a:extLst>
+              <a:ext uri="{FF2B5EF4-FFF2-40B4-BE49-F238E27FC236}">
+                <a16:creationId xmlns:a16="http://schemas.microsoft.com/office/drawing/2014/main" id="{AC00CCF0-795D-4389-B3CD-9F0A22B6B542}"/>
+              </a:ext>
+            </a:extLst>
+          </p:cNvPr>
+          <p:cNvSpPr txBox="1"/>
+          <p:nvPr/>
+        </p:nvSpPr>
+        <p:spPr>
+          <a:xfrm>
+            <a:off x="10599938" y="594804"/>
+            <a:ext cx="300082" cy="369332"/>
+          </a:xfrm>
+          <a:prstGeom prst="rect">
+            <a:avLst/>
+          </a:prstGeom>
+          <a:noFill/>
+        </p:spPr>
+        <p:txBody>
+          <a:bodyPr wrap="none" rtlCol="0">
+            <a:spAutoFit/>
+          </a:bodyPr>
+          <a:lstStyle/>
+          <a:p>
+            <a:r>
+              <a:rPr lang="fr-BE" dirty="0"/>
+              <a:t>S</a:t>
             </a:r>
           </a:p>
         </p:txBody>
@@ -15471,6 +15842,44 @@
           </a:p>
         </p:txBody>
       </p:sp>
+      <p:sp>
+        <p:nvSpPr>
+          <p:cNvPr id="3" name="ZoneTexte 2">
+            <a:extLst>
+              <a:ext uri="{FF2B5EF4-FFF2-40B4-BE49-F238E27FC236}">
+                <a16:creationId xmlns:a16="http://schemas.microsoft.com/office/drawing/2014/main" id="{87899D91-91A1-443E-B336-888CC3ABA421}"/>
+              </a:ext>
+            </a:extLst>
+          </p:cNvPr>
+          <p:cNvSpPr txBox="1"/>
+          <p:nvPr/>
+        </p:nvSpPr>
+        <p:spPr>
+          <a:xfrm>
+            <a:off x="10642996" y="568171"/>
+            <a:ext cx="45719" cy="646331"/>
+          </a:xfrm>
+          <a:prstGeom prst="rect">
+            <a:avLst/>
+          </a:prstGeom>
+          <a:noFill/>
+        </p:spPr>
+        <p:txBody>
+          <a:bodyPr wrap="square" rtlCol="0">
+            <a:spAutoFit/>
+          </a:bodyPr>
+          <a:lstStyle/>
+          <a:p>
+            <a:r>
+              <a:rPr lang="fr-BE" dirty="0"/>
+              <a:t>S</a:t>
+            </a:r>
+          </a:p>
+          <a:p>
+            <a:endParaRPr lang="fr-BE" dirty="0"/>
+          </a:p>
+        </p:txBody>
+      </p:sp>
     </p:spTree>
     <p:extLst>
       <p:ext uri="{BB962C8B-B14F-4D97-AF65-F5344CB8AC3E}">
@@ -16004,6 +16413,41 @@
           </a:p>
         </p:txBody>
       </p:sp>
+      <p:sp>
+        <p:nvSpPr>
+          <p:cNvPr id="4" name="ZoneTexte 3">
+            <a:extLst>
+              <a:ext uri="{FF2B5EF4-FFF2-40B4-BE49-F238E27FC236}">
+                <a16:creationId xmlns:a16="http://schemas.microsoft.com/office/drawing/2014/main" id="{F3A363B1-A8A5-41F4-AFF8-7760AFD50934}"/>
+              </a:ext>
+            </a:extLst>
+          </p:cNvPr>
+          <p:cNvSpPr txBox="1"/>
+          <p:nvPr/>
+        </p:nvSpPr>
+        <p:spPr>
+          <a:xfrm>
+            <a:off x="10582183" y="665825"/>
+            <a:ext cx="356188" cy="369332"/>
+          </a:xfrm>
+          <a:prstGeom prst="rect">
+            <a:avLst/>
+          </a:prstGeom>
+          <a:noFill/>
+        </p:spPr>
+        <p:txBody>
+          <a:bodyPr wrap="none" rtlCol="0">
+            <a:spAutoFit/>
+          </a:bodyPr>
+          <a:lstStyle/>
+          <a:p>
+            <a:r>
+              <a:rPr lang="fr-BE" dirty="0"/>
+              <a:t>A</a:t>
+            </a:r>
+          </a:p>
+        </p:txBody>
+      </p:sp>
     </p:spTree>
     <p:extLst>
       <p:ext uri="{BB962C8B-B14F-4D97-AF65-F5344CB8AC3E}">
@@ -16360,6 +16804,41 @@
               <a:t>The meals belong to the restaurant and if it is destroyed they are also</a:t>
             </a:r>
             <a:endParaRPr lang="fr-BE" sz="1500" dirty="0"/>
+          </a:p>
+        </p:txBody>
+      </p:sp>
+      <p:sp>
+        <p:nvSpPr>
+          <p:cNvPr id="3" name="ZoneTexte 2">
+            <a:extLst>
+              <a:ext uri="{FF2B5EF4-FFF2-40B4-BE49-F238E27FC236}">
+                <a16:creationId xmlns:a16="http://schemas.microsoft.com/office/drawing/2014/main" id="{4939D4E8-1B8C-4E61-A1C6-96D8D2E81108}"/>
+              </a:ext>
+            </a:extLst>
+          </p:cNvPr>
+          <p:cNvSpPr txBox="1"/>
+          <p:nvPr/>
+        </p:nvSpPr>
+        <p:spPr>
+          <a:xfrm>
+            <a:off x="10679837" y="772357"/>
+            <a:ext cx="356188" cy="369332"/>
+          </a:xfrm>
+          <a:prstGeom prst="rect">
+            <a:avLst/>
+          </a:prstGeom>
+          <a:noFill/>
+        </p:spPr>
+        <p:txBody>
+          <a:bodyPr wrap="none" rtlCol="0">
+            <a:spAutoFit/>
+          </a:bodyPr>
+          <a:lstStyle/>
+          <a:p>
+            <a:r>
+              <a:rPr lang="fr-BE" dirty="0"/>
+              <a:t>A</a:t>
+            </a:r>
           </a:p>
         </p:txBody>
       </p:sp>
@@ -16717,6 +17196,41 @@
           </a:p>
         </p:txBody>
       </p:sp>
+      <p:sp>
+        <p:nvSpPr>
+          <p:cNvPr id="10" name="ZoneTexte 9">
+            <a:extLst>
+              <a:ext uri="{FF2B5EF4-FFF2-40B4-BE49-F238E27FC236}">
+                <a16:creationId xmlns:a16="http://schemas.microsoft.com/office/drawing/2014/main" id="{D84A5E0A-A52D-4BE9-85CB-051DFA75E64D}"/>
+              </a:ext>
+            </a:extLst>
+          </p:cNvPr>
+          <p:cNvSpPr txBox="1"/>
+          <p:nvPr/>
+        </p:nvSpPr>
+        <p:spPr>
+          <a:xfrm>
+            <a:off x="10564427" y="781235"/>
+            <a:ext cx="356188" cy="369332"/>
+          </a:xfrm>
+          <a:prstGeom prst="rect">
+            <a:avLst/>
+          </a:prstGeom>
+          <a:noFill/>
+        </p:spPr>
+        <p:txBody>
+          <a:bodyPr wrap="none" rtlCol="0">
+            <a:spAutoFit/>
+          </a:bodyPr>
+          <a:lstStyle/>
+          <a:p>
+            <a:r>
+              <a:rPr lang="fr-BE" dirty="0"/>
+              <a:t>A</a:t>
+            </a:r>
+          </a:p>
+        </p:txBody>
+      </p:sp>
     </p:spTree>
     <p:extLst>
       <p:ext uri="{BB962C8B-B14F-4D97-AF65-F5344CB8AC3E}">
@@ -16782,93 +17296,13 @@
             </a:r>
             <a:r>
               <a:rPr lang="fr-BE" dirty="0"/>
-              <a:t> : </a:t>
-            </a:r>
-            <a:r>
-              <a:rPr lang="fr-BE" dirty="0" err="1"/>
-              <a:t>two</a:t>
-            </a:r>
-            <a:r>
-              <a:rPr lang="fr-BE" dirty="0"/>
-              <a:t> of </a:t>
-            </a:r>
-            <a:r>
-              <a:rPr lang="fr-BE" dirty="0" err="1"/>
-              <a:t>our</a:t>
-            </a:r>
-            <a:r>
-              <a:rPr lang="fr-BE" dirty="0"/>
-              <a:t> </a:t>
+              <a:t> : 1 / 2 of </a:t>
             </a:r>
             <a:r>
               <a:rPr lang="fr-BE" dirty="0" err="1"/>
               <a:t>own</a:t>
             </a:r>
             <a:endParaRPr lang="fr-BE" dirty="0"/>
-          </a:p>
-        </p:txBody>
-      </p:sp>
-      <p:pic>
-        <p:nvPicPr>
-          <p:cNvPr id="5" name="Image 4">
-            <a:extLst>
-              <a:ext uri="{FF2B5EF4-FFF2-40B4-BE49-F238E27FC236}">
-                <a16:creationId xmlns:a16="http://schemas.microsoft.com/office/drawing/2014/main" id="{32C1F40A-2EA8-4FE4-A503-B1888A1BCE68}"/>
-              </a:ext>
-            </a:extLst>
-          </p:cNvPr>
-          <p:cNvPicPr>
-            <a:picLocks noChangeAspect="1"/>
-          </p:cNvPicPr>
-          <p:nvPr/>
-        </p:nvPicPr>
-        <p:blipFill rotWithShape="1">
-          <a:blip r:embed="rId2"/>
-          <a:srcRect r="2344" b="1720"/>
-          <a:stretch/>
-        </p:blipFill>
-        <p:spPr>
-          <a:xfrm>
-            <a:off x="6643456" y="2037425"/>
-            <a:ext cx="5548544" cy="4820575"/>
-          </a:xfrm>
-          <a:prstGeom prst="rect">
-            <a:avLst/>
-          </a:prstGeom>
-        </p:spPr>
-      </p:pic>
-      <p:sp>
-        <p:nvSpPr>
-          <p:cNvPr id="3" name="ZoneTexte 2">
-            <a:extLst>
-              <a:ext uri="{FF2B5EF4-FFF2-40B4-BE49-F238E27FC236}">
-                <a16:creationId xmlns:a16="http://schemas.microsoft.com/office/drawing/2014/main" id="{C08A9042-9870-40F1-84FE-207E3954811B}"/>
-              </a:ext>
-            </a:extLst>
-          </p:cNvPr>
-          <p:cNvSpPr txBox="1"/>
-          <p:nvPr/>
-        </p:nvSpPr>
-        <p:spPr>
-          <a:xfrm>
-            <a:off x="8282867" y="1757779"/>
-            <a:ext cx="482824" cy="369332"/>
-          </a:xfrm>
-          <a:prstGeom prst="rect">
-            <a:avLst/>
-          </a:prstGeom>
-          <a:noFill/>
-        </p:spPr>
-        <p:txBody>
-          <a:bodyPr wrap="none" rtlCol="0">
-            <a:spAutoFit/>
-          </a:bodyPr>
-          <a:lstStyle/>
-          <a:p>
-            <a:r>
-              <a:rPr lang="fr-BE" dirty="0"/>
-              <a:t>(2)</a:t>
-            </a:r>
           </a:p>
         </p:txBody>
       </p:sp>
@@ -16903,6 +17337,41 @@
             <a:r>
               <a:rPr lang="fr-BE" dirty="0"/>
               <a:t>(1)</a:t>
+            </a:r>
+          </a:p>
+        </p:txBody>
+      </p:sp>
+      <p:sp>
+        <p:nvSpPr>
+          <p:cNvPr id="7" name="ZoneTexte 6">
+            <a:extLst>
+              <a:ext uri="{FF2B5EF4-FFF2-40B4-BE49-F238E27FC236}">
+                <a16:creationId xmlns:a16="http://schemas.microsoft.com/office/drawing/2014/main" id="{7D9D5C4D-6B54-42CB-A646-5AEEE94A876E}"/>
+              </a:ext>
+            </a:extLst>
+          </p:cNvPr>
+          <p:cNvSpPr txBox="1"/>
+          <p:nvPr/>
+        </p:nvSpPr>
+        <p:spPr>
+          <a:xfrm>
+            <a:off x="10644326" y="807868"/>
+            <a:ext cx="300082" cy="369332"/>
+          </a:xfrm>
+          <a:prstGeom prst="rect">
+            <a:avLst/>
+          </a:prstGeom>
+          <a:noFill/>
+        </p:spPr>
+        <p:txBody>
+          <a:bodyPr wrap="none" rtlCol="0">
+            <a:spAutoFit/>
+          </a:bodyPr>
+          <a:lstStyle/>
+          <a:p>
+            <a:r>
+              <a:rPr lang="fr-BE" dirty="0"/>
+              <a:t>S</a:t>
             </a:r>
           </a:p>
         </p:txBody>

--- a/commun/Réunion 10/PPDiFalcoHuygebaert.pptx
+++ b/commun/Réunion 10/PPDiFalcoHuygebaert.pptx
@@ -13854,12 +13854,85 @@
           </a:p>
         </p:txBody>
       </p:sp>
+      <p:sp>
+        <p:nvSpPr>
+          <p:cNvPr id="5" name="ZoneTexte 4">
+            <a:extLst>
+              <a:ext uri="{FF2B5EF4-FFF2-40B4-BE49-F238E27FC236}">
+                <a16:creationId xmlns:a16="http://schemas.microsoft.com/office/drawing/2014/main" id="{20521FC0-7753-4D7C-85CD-16E10AF567BA}"/>
+              </a:ext>
+            </a:extLst>
+          </p:cNvPr>
+          <p:cNvSpPr txBox="1"/>
+          <p:nvPr/>
+        </p:nvSpPr>
+        <p:spPr>
+          <a:xfrm>
+            <a:off x="0" y="1070363"/>
+            <a:ext cx="482824" cy="369332"/>
+          </a:xfrm>
+          <a:prstGeom prst="rect">
+            <a:avLst/>
+          </a:prstGeom>
+          <a:noFill/>
+        </p:spPr>
+        <p:txBody>
+          <a:bodyPr wrap="none" rtlCol="0">
+            <a:spAutoFit/>
+          </a:bodyPr>
+          <a:lstStyle/>
+          <a:p>
+            <a:r>
+              <a:rPr lang="fr-BE" dirty="0"/>
+              <a:t>(2)</a:t>
+            </a:r>
+          </a:p>
+        </p:txBody>
+      </p:sp>
+      <p:sp>
+        <p:nvSpPr>
+          <p:cNvPr id="6" name="ZoneTexte 5">
+            <a:extLst>
+              <a:ext uri="{FF2B5EF4-FFF2-40B4-BE49-F238E27FC236}">
+                <a16:creationId xmlns:a16="http://schemas.microsoft.com/office/drawing/2014/main" id="{7AD33E6F-0E05-4A70-889D-B4EAD6E35EAF}"/>
+              </a:ext>
+            </a:extLst>
+          </p:cNvPr>
+          <p:cNvSpPr txBox="1"/>
+          <p:nvPr/>
+        </p:nvSpPr>
+        <p:spPr>
+          <a:xfrm>
+            <a:off x="10617693" y="798990"/>
+            <a:ext cx="356188" cy="646331"/>
+          </a:xfrm>
+          <a:prstGeom prst="rect">
+            <a:avLst/>
+          </a:prstGeom>
+          <a:noFill/>
+        </p:spPr>
+        <p:txBody>
+          <a:bodyPr wrap="none" rtlCol="0">
+            <a:spAutoFit/>
+          </a:bodyPr>
+          <a:lstStyle/>
+          <a:p>
+            <a:r>
+              <a:rPr lang="fr-BE" dirty="0"/>
+              <a:t>A</a:t>
+            </a:r>
+          </a:p>
+          <a:p>
+            <a:endParaRPr lang="fr-BE" dirty="0"/>
+          </a:p>
+        </p:txBody>
+      </p:sp>
       <p:pic>
         <p:nvPicPr>
-          <p:cNvPr id="4" name="Image 3">
+          <p:cNvPr id="7" name="Image 6">
             <a:extLst>
               <a:ext uri="{FF2B5EF4-FFF2-40B4-BE49-F238E27FC236}">
-                <a16:creationId xmlns:a16="http://schemas.microsoft.com/office/drawing/2014/main" id="{CF451D0E-D649-481E-90C4-0CD156A65625}"/>
+                <a16:creationId xmlns:a16="http://schemas.microsoft.com/office/drawing/2014/main" id="{52135E6F-17C2-45C0-9219-F48E456BE6C9}"/>
               </a:ext>
             </a:extLst>
           </p:cNvPr>
@@ -13880,87 +13953,14 @@
         </p:blipFill>
         <p:spPr>
           <a:xfrm>
-            <a:off x="195309" y="2130641"/>
-            <a:ext cx="11754035" cy="4793941"/>
+            <a:off x="0" y="1680634"/>
+            <a:ext cx="12191999" cy="5177368"/>
           </a:xfrm>
           <a:prstGeom prst="rect">
             <a:avLst/>
           </a:prstGeom>
         </p:spPr>
       </p:pic>
-      <p:sp>
-        <p:nvSpPr>
-          <p:cNvPr id="5" name="ZoneTexte 4">
-            <a:extLst>
-              <a:ext uri="{FF2B5EF4-FFF2-40B4-BE49-F238E27FC236}">
-                <a16:creationId xmlns:a16="http://schemas.microsoft.com/office/drawing/2014/main" id="{20521FC0-7753-4D7C-85CD-16E10AF567BA}"/>
-              </a:ext>
-            </a:extLst>
-          </p:cNvPr>
-          <p:cNvSpPr txBox="1"/>
-          <p:nvPr/>
-        </p:nvSpPr>
-        <p:spPr>
-          <a:xfrm>
-            <a:off x="1438183" y="1720971"/>
-            <a:ext cx="482824" cy="369332"/>
-          </a:xfrm>
-          <a:prstGeom prst="rect">
-            <a:avLst/>
-          </a:prstGeom>
-          <a:noFill/>
-        </p:spPr>
-        <p:txBody>
-          <a:bodyPr wrap="none" rtlCol="0">
-            <a:spAutoFit/>
-          </a:bodyPr>
-          <a:lstStyle/>
-          <a:p>
-            <a:r>
-              <a:rPr lang="fr-BE" dirty="0"/>
-              <a:t>(2)</a:t>
-            </a:r>
-          </a:p>
-        </p:txBody>
-      </p:sp>
-      <p:sp>
-        <p:nvSpPr>
-          <p:cNvPr id="6" name="ZoneTexte 5">
-            <a:extLst>
-              <a:ext uri="{FF2B5EF4-FFF2-40B4-BE49-F238E27FC236}">
-                <a16:creationId xmlns:a16="http://schemas.microsoft.com/office/drawing/2014/main" id="{7AD33E6F-0E05-4A70-889D-B4EAD6E35EAF}"/>
-              </a:ext>
-            </a:extLst>
-          </p:cNvPr>
-          <p:cNvSpPr txBox="1"/>
-          <p:nvPr/>
-        </p:nvSpPr>
-        <p:spPr>
-          <a:xfrm>
-            <a:off x="10617693" y="798990"/>
-            <a:ext cx="356188" cy="646331"/>
-          </a:xfrm>
-          <a:prstGeom prst="rect">
-            <a:avLst/>
-          </a:prstGeom>
-          <a:noFill/>
-        </p:spPr>
-        <p:txBody>
-          <a:bodyPr wrap="none" rtlCol="0">
-            <a:spAutoFit/>
-          </a:bodyPr>
-          <a:lstStyle/>
-          <a:p>
-            <a:r>
-              <a:rPr lang="fr-BE" dirty="0"/>
-              <a:t>A</a:t>
-            </a:r>
-          </a:p>
-          <a:p>
-            <a:endParaRPr lang="fr-BE" dirty="0"/>
-          </a:p>
-        </p:txBody>
-      </p:sp>
     </p:spTree>
     <p:extLst>
       <p:ext uri="{BB962C8B-B14F-4D97-AF65-F5344CB8AC3E}">

--- a/commun/Réunion 10/PPDiFalcoHuygebaert.pptx
+++ b/commun/Réunion 10/PPDiFalcoHuygebaert.pptx
@@ -5,7 +5,7 @@
     <p:sldMasterId id="2147484170" r:id="rId1"/>
   </p:sldMasterIdLst>
   <p:notesMasterIdLst>
-    <p:notesMasterId r:id="rId14"/>
+    <p:notesMasterId r:id="rId17"/>
   </p:notesMasterIdLst>
   <p:sldIdLst>
     <p:sldId id="256" r:id="rId2"/>
@@ -13,13 +13,16 @@
     <p:sldId id="258" r:id="rId4"/>
     <p:sldId id="259" r:id="rId5"/>
     <p:sldId id="260" r:id="rId6"/>
-    <p:sldId id="261" r:id="rId7"/>
-    <p:sldId id="262" r:id="rId8"/>
-    <p:sldId id="263" r:id="rId9"/>
-    <p:sldId id="264" r:id="rId10"/>
-    <p:sldId id="267" r:id="rId11"/>
-    <p:sldId id="265" r:id="rId12"/>
-    <p:sldId id="266" r:id="rId13"/>
+    <p:sldId id="270" r:id="rId7"/>
+    <p:sldId id="268" r:id="rId8"/>
+    <p:sldId id="269" r:id="rId9"/>
+    <p:sldId id="261" r:id="rId10"/>
+    <p:sldId id="262" r:id="rId11"/>
+    <p:sldId id="263" r:id="rId12"/>
+    <p:sldId id="264" r:id="rId13"/>
+    <p:sldId id="267" r:id="rId14"/>
+    <p:sldId id="265" r:id="rId15"/>
+    <p:sldId id="266" r:id="rId16"/>
   </p:sldIdLst>
   <p:sldSz cx="12192000" cy="6858000"/>
   <p:notesSz cx="6858000" cy="9144000"/>
@@ -1242,7 +1245,7 @@
           <a:p>
             <a:fld id="{D82D10B0-B780-49BE-9C39-8138D167CC05}" type="slidenum">
               <a:rPr lang="fr-BE" smtClean="0"/>
-              <a:t>7</a:t>
+              <a:t>10</a:t>
             </a:fld>
             <a:endParaRPr lang="fr-BE"/>
           </a:p>
@@ -13809,2675 +13812,6 @@
           <a:chExt cx="0" cy="0"/>
         </a:xfrm>
       </p:grpSpPr>
-      <p:sp>
-        <p:nvSpPr>
-          <p:cNvPr id="2" name="Titre 1">
-            <a:extLst>
-              <a:ext uri="{FF2B5EF4-FFF2-40B4-BE49-F238E27FC236}">
-                <a16:creationId xmlns:a16="http://schemas.microsoft.com/office/drawing/2014/main" id="{C679060A-ACEF-4364-95C0-3BEEED1DD843}"/>
-              </a:ext>
-            </a:extLst>
-          </p:cNvPr>
-          <p:cNvSpPr>
-            <a:spLocks noGrp="1"/>
-          </p:cNvSpPr>
-          <p:nvPr>
-            <p:ph type="title"/>
-          </p:nvPr>
-        </p:nvSpPr>
-        <p:spPr/>
-        <p:txBody>
-          <a:bodyPr/>
-          <a:lstStyle/>
-          <a:p>
-            <a:r>
-              <a:rPr lang="fr-BE" dirty="0" err="1"/>
-              <a:t>Sequence</a:t>
-            </a:r>
-            <a:r>
-              <a:rPr lang="fr-BE" dirty="0"/>
-              <a:t> </a:t>
-            </a:r>
-            <a:r>
-              <a:rPr lang="fr-BE" dirty="0" err="1"/>
-              <a:t>diagram</a:t>
-            </a:r>
-            <a:r>
-              <a:rPr lang="fr-BE" dirty="0"/>
-              <a:t> : 2 / 2 of </a:t>
-            </a:r>
-            <a:r>
-              <a:rPr lang="fr-BE" dirty="0" err="1"/>
-              <a:t>own</a:t>
-            </a:r>
-            <a:endParaRPr lang="fr-BE" dirty="0"/>
-          </a:p>
-        </p:txBody>
-      </p:sp>
-      <p:sp>
-        <p:nvSpPr>
-          <p:cNvPr id="5" name="ZoneTexte 4">
-            <a:extLst>
-              <a:ext uri="{FF2B5EF4-FFF2-40B4-BE49-F238E27FC236}">
-                <a16:creationId xmlns:a16="http://schemas.microsoft.com/office/drawing/2014/main" id="{20521FC0-7753-4D7C-85CD-16E10AF567BA}"/>
-              </a:ext>
-            </a:extLst>
-          </p:cNvPr>
-          <p:cNvSpPr txBox="1"/>
-          <p:nvPr/>
-        </p:nvSpPr>
-        <p:spPr>
-          <a:xfrm>
-            <a:off x="0" y="1070363"/>
-            <a:ext cx="482824" cy="369332"/>
-          </a:xfrm>
-          <a:prstGeom prst="rect">
-            <a:avLst/>
-          </a:prstGeom>
-          <a:noFill/>
-        </p:spPr>
-        <p:txBody>
-          <a:bodyPr wrap="none" rtlCol="0">
-            <a:spAutoFit/>
-          </a:bodyPr>
-          <a:lstStyle/>
-          <a:p>
-            <a:r>
-              <a:rPr lang="fr-BE" dirty="0"/>
-              <a:t>(2)</a:t>
-            </a:r>
-          </a:p>
-        </p:txBody>
-      </p:sp>
-      <p:sp>
-        <p:nvSpPr>
-          <p:cNvPr id="6" name="ZoneTexte 5">
-            <a:extLst>
-              <a:ext uri="{FF2B5EF4-FFF2-40B4-BE49-F238E27FC236}">
-                <a16:creationId xmlns:a16="http://schemas.microsoft.com/office/drawing/2014/main" id="{7AD33E6F-0E05-4A70-889D-B4EAD6E35EAF}"/>
-              </a:ext>
-            </a:extLst>
-          </p:cNvPr>
-          <p:cNvSpPr txBox="1"/>
-          <p:nvPr/>
-        </p:nvSpPr>
-        <p:spPr>
-          <a:xfrm>
-            <a:off x="10617693" y="798990"/>
-            <a:ext cx="356188" cy="646331"/>
-          </a:xfrm>
-          <a:prstGeom prst="rect">
-            <a:avLst/>
-          </a:prstGeom>
-          <a:noFill/>
-        </p:spPr>
-        <p:txBody>
-          <a:bodyPr wrap="none" rtlCol="0">
-            <a:spAutoFit/>
-          </a:bodyPr>
-          <a:lstStyle/>
-          <a:p>
-            <a:r>
-              <a:rPr lang="fr-BE" dirty="0"/>
-              <a:t>A</a:t>
-            </a:r>
-          </a:p>
-          <a:p>
-            <a:endParaRPr lang="fr-BE" dirty="0"/>
-          </a:p>
-        </p:txBody>
-      </p:sp>
-      <p:pic>
-        <p:nvPicPr>
-          <p:cNvPr id="7" name="Image 6">
-            <a:extLst>
-              <a:ext uri="{FF2B5EF4-FFF2-40B4-BE49-F238E27FC236}">
-                <a16:creationId xmlns:a16="http://schemas.microsoft.com/office/drawing/2014/main" id="{52135E6F-17C2-45C0-9219-F48E456BE6C9}"/>
-              </a:ext>
-            </a:extLst>
-          </p:cNvPr>
-          <p:cNvPicPr/>
-          <p:nvPr/>
-        </p:nvPicPr>
-        <p:blipFill>
-          <a:blip r:embed="rId2">
-            <a:extLst>
-              <a:ext uri="{28A0092B-C50C-407E-A947-70E740481C1C}">
-                <a14:useLocalDpi xmlns:a14="http://schemas.microsoft.com/office/drawing/2010/main" val="0"/>
-              </a:ext>
-            </a:extLst>
-          </a:blip>
-          <a:stretch>
-            <a:fillRect/>
-          </a:stretch>
-        </p:blipFill>
-        <p:spPr>
-          <a:xfrm>
-            <a:off x="0" y="1680634"/>
-            <a:ext cx="12191999" cy="5177368"/>
-          </a:xfrm>
-          <a:prstGeom prst="rect">
-            <a:avLst/>
-          </a:prstGeom>
-        </p:spPr>
-      </p:pic>
-    </p:spTree>
-    <p:extLst>
-      <p:ext uri="{BB962C8B-B14F-4D97-AF65-F5344CB8AC3E}">
-        <p14:creationId xmlns:p14="http://schemas.microsoft.com/office/powerpoint/2010/main" val="4256167585"/>
-      </p:ext>
-    </p:extLst>
-  </p:cSld>
-  <p:clrMapOvr>
-    <a:masterClrMapping/>
-  </p:clrMapOvr>
-</p:sld>
-</file>
-
-<file path=ppt/slides/slide11.xml><?xml version="1.0" encoding="utf-8"?>
-<p:sld xmlns:a="http://schemas.openxmlformats.org/drawingml/2006/main" xmlns:r="http://schemas.openxmlformats.org/officeDocument/2006/relationships" xmlns:p="http://schemas.openxmlformats.org/presentationml/2006/main">
-  <p:cSld>
-    <p:spTree>
-      <p:nvGrpSpPr>
-        <p:cNvPr id="1" name=""/>
-        <p:cNvGrpSpPr/>
-        <p:nvPr/>
-      </p:nvGrpSpPr>
-      <p:grpSpPr>
-        <a:xfrm>
-          <a:off x="0" y="0"/>
-          <a:ext cx="0" cy="0"/>
-          <a:chOff x="0" y="0"/>
-          <a:chExt cx="0" cy="0"/>
-        </a:xfrm>
-      </p:grpSpPr>
-      <p:sp>
-        <p:nvSpPr>
-          <p:cNvPr id="2" name="Titre 1">
-            <a:extLst>
-              <a:ext uri="{FF2B5EF4-FFF2-40B4-BE49-F238E27FC236}">
-                <a16:creationId xmlns:a16="http://schemas.microsoft.com/office/drawing/2014/main" id="{2C7B627A-25C4-40AB-9596-061CD6D86698}"/>
-              </a:ext>
-            </a:extLst>
-          </p:cNvPr>
-          <p:cNvSpPr>
-            <a:spLocks noGrp="1"/>
-          </p:cNvSpPr>
-          <p:nvPr>
-            <p:ph type="title"/>
-          </p:nvPr>
-        </p:nvSpPr>
-        <p:spPr/>
-        <p:txBody>
-          <a:bodyPr/>
-          <a:lstStyle/>
-          <a:p>
-            <a:r>
-              <a:rPr lang="fr-BE" dirty="0" err="1"/>
-              <a:t>Demo</a:t>
-            </a:r>
-            <a:endParaRPr lang="fr-BE" dirty="0"/>
-          </a:p>
-        </p:txBody>
-      </p:sp>
-      <p:sp>
-        <p:nvSpPr>
-          <p:cNvPr id="4" name="ZoneTexte 3">
-            <a:extLst>
-              <a:ext uri="{FF2B5EF4-FFF2-40B4-BE49-F238E27FC236}">
-                <a16:creationId xmlns:a16="http://schemas.microsoft.com/office/drawing/2014/main" id="{595FF135-A94F-4B1F-98DC-7D2C758C8D24}"/>
-              </a:ext>
-            </a:extLst>
-          </p:cNvPr>
-          <p:cNvSpPr txBox="1"/>
-          <p:nvPr/>
-        </p:nvSpPr>
-        <p:spPr>
-          <a:xfrm>
-            <a:off x="4660776" y="3429000"/>
-            <a:ext cx="2204450" cy="369332"/>
-          </a:xfrm>
-          <a:prstGeom prst="rect">
-            <a:avLst/>
-          </a:prstGeom>
-          <a:noFill/>
-        </p:spPr>
-        <p:txBody>
-          <a:bodyPr wrap="none" rtlCol="0">
-            <a:spAutoFit/>
-          </a:bodyPr>
-          <a:lstStyle/>
-          <a:p>
-            <a:r>
-              <a:rPr lang="fr-BE" dirty="0"/>
-              <a:t>Run ASP_PROJECT</a:t>
-            </a:r>
-          </a:p>
-        </p:txBody>
-      </p:sp>
-      <p:sp>
-        <p:nvSpPr>
-          <p:cNvPr id="5" name="ZoneTexte 4">
-            <a:extLst>
-              <a:ext uri="{FF2B5EF4-FFF2-40B4-BE49-F238E27FC236}">
-                <a16:creationId xmlns:a16="http://schemas.microsoft.com/office/drawing/2014/main" id="{FE2EB265-1B31-47B6-A8EA-75E3B567BBA4}"/>
-              </a:ext>
-            </a:extLst>
-          </p:cNvPr>
-          <p:cNvSpPr txBox="1"/>
-          <p:nvPr/>
-        </p:nvSpPr>
-        <p:spPr>
-          <a:xfrm>
-            <a:off x="10573305" y="834501"/>
-            <a:ext cx="45719" cy="369332"/>
-          </a:xfrm>
-          <a:prstGeom prst="rect">
-            <a:avLst/>
-          </a:prstGeom>
-          <a:noFill/>
-        </p:spPr>
-        <p:txBody>
-          <a:bodyPr wrap="square" rtlCol="0">
-            <a:spAutoFit/>
-          </a:bodyPr>
-          <a:lstStyle/>
-          <a:p>
-            <a:r>
-              <a:rPr lang="fr-BE" dirty="0"/>
-              <a:t>S</a:t>
-            </a:r>
-          </a:p>
-        </p:txBody>
-      </p:sp>
-    </p:spTree>
-    <p:extLst>
-      <p:ext uri="{BB962C8B-B14F-4D97-AF65-F5344CB8AC3E}">
-        <p14:creationId xmlns:p14="http://schemas.microsoft.com/office/powerpoint/2010/main" val="935520540"/>
-      </p:ext>
-    </p:extLst>
-  </p:cSld>
-  <p:clrMapOvr>
-    <a:masterClrMapping/>
-  </p:clrMapOvr>
-</p:sld>
-</file>
-
-<file path=ppt/slides/slide12.xml><?xml version="1.0" encoding="utf-8"?>
-<p:sld xmlns:a="http://schemas.openxmlformats.org/drawingml/2006/main" xmlns:r="http://schemas.openxmlformats.org/officeDocument/2006/relationships" xmlns:p="http://schemas.openxmlformats.org/presentationml/2006/main">
-  <p:cSld>
-    <p:spTree>
-      <p:nvGrpSpPr>
-        <p:cNvPr id="1" name=""/>
-        <p:cNvGrpSpPr/>
-        <p:nvPr/>
-      </p:nvGrpSpPr>
-      <p:grpSpPr>
-        <a:xfrm>
-          <a:off x="0" y="0"/>
-          <a:ext cx="0" cy="0"/>
-          <a:chOff x="0" y="0"/>
-          <a:chExt cx="0" cy="0"/>
-        </a:xfrm>
-      </p:grpSpPr>
-      <p:sp>
-        <p:nvSpPr>
-          <p:cNvPr id="2" name="Titre 1">
-            <a:extLst>
-              <a:ext uri="{FF2B5EF4-FFF2-40B4-BE49-F238E27FC236}">
-                <a16:creationId xmlns:a16="http://schemas.microsoft.com/office/drawing/2014/main" id="{8A5B5AAE-794D-4903-AAB1-57951FC28D08}"/>
-              </a:ext>
-            </a:extLst>
-          </p:cNvPr>
-          <p:cNvSpPr>
-            <a:spLocks noGrp="1"/>
-          </p:cNvSpPr>
-          <p:nvPr>
-            <p:ph type="title"/>
-          </p:nvPr>
-        </p:nvSpPr>
-        <p:spPr/>
-        <p:txBody>
-          <a:bodyPr/>
-          <a:lstStyle/>
-          <a:p>
-            <a:r>
-              <a:rPr lang="fr-BE" dirty="0"/>
-              <a:t>Conclusion</a:t>
-            </a:r>
-          </a:p>
-        </p:txBody>
-      </p:sp>
-      <p:sp>
-        <p:nvSpPr>
-          <p:cNvPr id="3" name="Espace réservé du contenu 2">
-            <a:extLst>
-              <a:ext uri="{FF2B5EF4-FFF2-40B4-BE49-F238E27FC236}">
-                <a16:creationId xmlns:a16="http://schemas.microsoft.com/office/drawing/2014/main" id="{E4AC0365-2313-487D-A629-FC2C8B0B9355}"/>
-              </a:ext>
-            </a:extLst>
-          </p:cNvPr>
-          <p:cNvSpPr>
-            <a:spLocks noGrp="1"/>
-          </p:cNvSpPr>
-          <p:nvPr>
-            <p:ph idx="1"/>
-          </p:nvPr>
-        </p:nvSpPr>
-        <p:spPr/>
-        <p:txBody>
-          <a:bodyPr>
-            <a:normAutofit fontScale="85000" lnSpcReduction="20000"/>
-          </a:bodyPr>
-          <a:lstStyle/>
-          <a:p>
-            <a:r>
-              <a:rPr lang="fr-BE" dirty="0"/>
-              <a:t>Simon</a:t>
-            </a:r>
-          </a:p>
-          <a:p>
-            <a:endParaRPr lang="fr-BE" dirty="0"/>
-          </a:p>
-          <a:p>
-            <a:endParaRPr lang="fr-BE" dirty="0"/>
-          </a:p>
-          <a:p>
-            <a:pPr marL="0" indent="0">
-              <a:buNone/>
-            </a:pPr>
-            <a:endParaRPr lang="fr-BE" dirty="0"/>
-          </a:p>
-          <a:p>
-            <a:pPr marL="0" indent="0">
-              <a:buNone/>
-            </a:pPr>
-            <a:endParaRPr lang="fr-BE" dirty="0"/>
-          </a:p>
-          <a:p>
-            <a:r>
-              <a:rPr lang="fr-BE" dirty="0"/>
-              <a:t>Amandine</a:t>
-            </a:r>
-          </a:p>
-          <a:p>
-            <a:pPr lvl="1"/>
-            <a:r>
-              <a:rPr lang="en-US" dirty="0"/>
-              <a:t>Difficult to grasp the object concepts;</a:t>
-            </a:r>
-            <a:endParaRPr lang="fr-BE" dirty="0"/>
-          </a:p>
-          <a:p>
-            <a:pPr lvl="1"/>
-            <a:r>
-              <a:rPr lang="fr-BE" dirty="0" err="1"/>
-              <a:t>Handles</a:t>
-            </a:r>
-            <a:r>
-              <a:rPr lang="fr-BE" dirty="0"/>
-              <a:t> pressure </a:t>
-            </a:r>
-            <a:r>
-              <a:rPr lang="fr-BE" dirty="0" err="1"/>
-              <a:t>badly</a:t>
-            </a:r>
-            <a:r>
-              <a:rPr lang="fr-BE" dirty="0"/>
-              <a:t>;</a:t>
-            </a:r>
-          </a:p>
-          <a:p>
-            <a:pPr lvl="1"/>
-            <a:r>
-              <a:rPr lang="en-US" dirty="0"/>
-              <a:t>we had a good communication;</a:t>
-            </a:r>
-          </a:p>
-          <a:p>
-            <a:pPr lvl="1"/>
-            <a:r>
-              <a:rPr lang="en-US" dirty="0"/>
-              <a:t>I wanted to pass the project for August =&gt; discouraged</a:t>
-            </a:r>
-            <a:endParaRPr lang="fr-BE" dirty="0"/>
-          </a:p>
-          <a:p>
-            <a:pPr marL="0" indent="0">
-              <a:buNone/>
-            </a:pPr>
-            <a:r>
-              <a:rPr lang="fr-BE" dirty="0"/>
-              <a:t>	</a:t>
-            </a:r>
-          </a:p>
-        </p:txBody>
-      </p:sp>
-      <p:sp>
-        <p:nvSpPr>
-          <p:cNvPr id="4" name="ZoneTexte 3">
-            <a:extLst>
-              <a:ext uri="{FF2B5EF4-FFF2-40B4-BE49-F238E27FC236}">
-                <a16:creationId xmlns:a16="http://schemas.microsoft.com/office/drawing/2014/main" id="{F2F00C46-39CF-4C3D-A44C-4C8AB9120CD9}"/>
-              </a:ext>
-            </a:extLst>
-          </p:cNvPr>
-          <p:cNvSpPr txBox="1"/>
-          <p:nvPr/>
-        </p:nvSpPr>
-        <p:spPr>
-          <a:xfrm>
-            <a:off x="10502283" y="736847"/>
-            <a:ext cx="572593" cy="646331"/>
-          </a:xfrm>
-          <a:prstGeom prst="rect">
-            <a:avLst/>
-          </a:prstGeom>
-          <a:noFill/>
-        </p:spPr>
-        <p:txBody>
-          <a:bodyPr wrap="none" rtlCol="0">
-            <a:spAutoFit/>
-          </a:bodyPr>
-          <a:lstStyle/>
-          <a:p>
-            <a:r>
-              <a:rPr lang="fr-BE" dirty="0"/>
-              <a:t>S/A</a:t>
-            </a:r>
-          </a:p>
-          <a:p>
-            <a:endParaRPr lang="fr-BE" dirty="0"/>
-          </a:p>
-        </p:txBody>
-      </p:sp>
-    </p:spTree>
-    <p:extLst>
-      <p:ext uri="{BB962C8B-B14F-4D97-AF65-F5344CB8AC3E}">
-        <p14:creationId xmlns:p14="http://schemas.microsoft.com/office/powerpoint/2010/main" val="1445802074"/>
-      </p:ext>
-    </p:extLst>
-  </p:cSld>
-  <p:clrMapOvr>
-    <a:masterClrMapping/>
-  </p:clrMapOvr>
-</p:sld>
-</file>
-
-<file path=ppt/slides/slide2.xml><?xml version="1.0" encoding="utf-8"?>
-<p:sld xmlns:a="http://schemas.openxmlformats.org/drawingml/2006/main" xmlns:r="http://schemas.openxmlformats.org/officeDocument/2006/relationships" xmlns:p="http://schemas.openxmlformats.org/presentationml/2006/main">
-  <p:cSld>
-    <p:spTree>
-      <p:nvGrpSpPr>
-        <p:cNvPr id="1" name=""/>
-        <p:cNvGrpSpPr/>
-        <p:nvPr/>
-      </p:nvGrpSpPr>
-      <p:grpSpPr>
-        <a:xfrm>
-          <a:off x="0" y="0"/>
-          <a:ext cx="0" cy="0"/>
-          <a:chOff x="0" y="0"/>
-          <a:chExt cx="0" cy="0"/>
-        </a:xfrm>
-      </p:grpSpPr>
-      <p:sp>
-        <p:nvSpPr>
-          <p:cNvPr id="2" name="Titre 1">
-            <a:extLst>
-              <a:ext uri="{FF2B5EF4-FFF2-40B4-BE49-F238E27FC236}">
-                <a16:creationId xmlns:a16="http://schemas.microsoft.com/office/drawing/2014/main" id="{2205B415-AACF-45EC-9129-7B44C1C9971F}"/>
-              </a:ext>
-            </a:extLst>
-          </p:cNvPr>
-          <p:cNvSpPr>
-            <a:spLocks noGrp="1"/>
-          </p:cNvSpPr>
-          <p:nvPr>
-            <p:ph type="title"/>
-          </p:nvPr>
-        </p:nvSpPr>
-        <p:spPr/>
-        <p:txBody>
-          <a:bodyPr/>
-          <a:lstStyle/>
-          <a:p>
-            <a:r>
-              <a:rPr lang="fr-BE" dirty="0"/>
-              <a:t>							</a:t>
-            </a:r>
-            <a:r>
-              <a:rPr lang="fr-BE" dirty="0" err="1"/>
-              <a:t>Statement</a:t>
-            </a:r>
-            <a:endParaRPr lang="fr-BE" dirty="0"/>
-          </a:p>
-        </p:txBody>
-      </p:sp>
-      <p:sp>
-        <p:nvSpPr>
-          <p:cNvPr id="3" name="Espace réservé du contenu 2">
-            <a:extLst>
-              <a:ext uri="{FF2B5EF4-FFF2-40B4-BE49-F238E27FC236}">
-                <a16:creationId xmlns:a16="http://schemas.microsoft.com/office/drawing/2014/main" id="{BFB58BB0-1408-4FCE-85A6-DB8C76A4BE47}"/>
-              </a:ext>
-            </a:extLst>
-          </p:cNvPr>
-          <p:cNvSpPr>
-            <a:spLocks noGrp="1"/>
-          </p:cNvSpPr>
-          <p:nvPr>
-            <p:ph idx="1"/>
-          </p:nvPr>
-        </p:nvSpPr>
-        <p:spPr/>
-        <p:txBody>
-          <a:bodyPr/>
-          <a:lstStyle/>
-          <a:p>
-            <a:r>
-              <a:rPr lang="en-US" dirty="0"/>
-              <a:t>Create a web platform to enable a take-away system</a:t>
-            </a:r>
-          </a:p>
-          <a:p>
-            <a:pPr lvl="1"/>
-            <a:r>
-              <a:rPr lang="fr-BE" dirty="0" err="1"/>
-              <a:t>Concerns</a:t>
-            </a:r>
-            <a:r>
-              <a:rPr lang="fr-BE" dirty="0"/>
-              <a:t> </a:t>
-            </a:r>
-            <a:r>
-              <a:rPr lang="fr-BE" dirty="0" err="1"/>
-              <a:t>several</a:t>
-            </a:r>
-            <a:r>
-              <a:rPr lang="fr-BE" dirty="0"/>
-              <a:t> restaurants;</a:t>
-            </a:r>
-            <a:endParaRPr lang="en-US" dirty="0"/>
-          </a:p>
-          <a:p>
-            <a:pPr lvl="1"/>
-            <a:r>
-              <a:rPr lang="en-US" dirty="0"/>
-              <a:t>A restaurant owner lists his restaurant menus and dishes;</a:t>
-            </a:r>
-          </a:p>
-          <a:p>
-            <a:pPr lvl="1"/>
-            <a:r>
-              <a:rPr lang="fr-BE" dirty="0"/>
-              <a:t>Home </a:t>
-            </a:r>
-            <a:r>
-              <a:rPr lang="fr-BE" dirty="0" err="1"/>
-              <a:t>delivery</a:t>
-            </a:r>
-            <a:r>
-              <a:rPr lang="fr-BE" dirty="0"/>
-              <a:t> possible;</a:t>
-            </a:r>
-          </a:p>
-          <a:p>
-            <a:pPr lvl="1"/>
-            <a:r>
-              <a:rPr lang="en-US" dirty="0"/>
-              <a:t>The customer can create an account</a:t>
-            </a:r>
-          </a:p>
-          <a:p>
-            <a:pPr lvl="1"/>
-            <a:r>
-              <a:rPr lang="en-US" dirty="0"/>
-              <a:t>The connected customer can order</a:t>
-            </a:r>
-          </a:p>
-          <a:p>
-            <a:pPr lvl="1"/>
-            <a:r>
-              <a:rPr lang="en-US" dirty="0"/>
-              <a:t>A visitor can consult the menus without authenticating himself</a:t>
-            </a:r>
-            <a:endParaRPr lang="fr-BE" dirty="0"/>
-          </a:p>
-        </p:txBody>
-      </p:sp>
-      <p:sp>
-        <p:nvSpPr>
-          <p:cNvPr id="5" name="ZoneTexte 4">
-            <a:extLst>
-              <a:ext uri="{FF2B5EF4-FFF2-40B4-BE49-F238E27FC236}">
-                <a16:creationId xmlns:a16="http://schemas.microsoft.com/office/drawing/2014/main" id="{18B1E351-BFA4-4CB1-B7B0-44DDDD56594D}"/>
-              </a:ext>
-            </a:extLst>
-          </p:cNvPr>
-          <p:cNvSpPr txBox="1"/>
-          <p:nvPr/>
-        </p:nvSpPr>
-        <p:spPr>
-          <a:xfrm>
-            <a:off x="10635449" y="781235"/>
-            <a:ext cx="356188" cy="369332"/>
-          </a:xfrm>
-          <a:prstGeom prst="rect">
-            <a:avLst/>
-          </a:prstGeom>
-          <a:noFill/>
-        </p:spPr>
-        <p:txBody>
-          <a:bodyPr wrap="none" rtlCol="0">
-            <a:spAutoFit/>
-          </a:bodyPr>
-          <a:lstStyle/>
-          <a:p>
-            <a:r>
-              <a:rPr lang="fr-BE" dirty="0"/>
-              <a:t>A</a:t>
-            </a:r>
-          </a:p>
-        </p:txBody>
-      </p:sp>
-    </p:spTree>
-    <p:extLst>
-      <p:ext uri="{BB962C8B-B14F-4D97-AF65-F5344CB8AC3E}">
-        <p14:creationId xmlns:p14="http://schemas.microsoft.com/office/powerpoint/2010/main" val="1815994280"/>
-      </p:ext>
-    </p:extLst>
-  </p:cSld>
-  <p:clrMapOvr>
-    <a:masterClrMapping/>
-  </p:clrMapOvr>
-</p:sld>
-</file>
-
-<file path=ppt/slides/slide3.xml><?xml version="1.0" encoding="utf-8"?>
-<p:sld xmlns:a="http://schemas.openxmlformats.org/drawingml/2006/main" xmlns:r="http://schemas.openxmlformats.org/officeDocument/2006/relationships" xmlns:p="http://schemas.openxmlformats.org/presentationml/2006/main">
-  <p:cSld>
-    <p:spTree>
-      <p:nvGrpSpPr>
-        <p:cNvPr id="1" name=""/>
-        <p:cNvGrpSpPr/>
-        <p:nvPr/>
-      </p:nvGrpSpPr>
-      <p:grpSpPr>
-        <a:xfrm>
-          <a:off x="0" y="0"/>
-          <a:ext cx="0" cy="0"/>
-          <a:chOff x="0" y="0"/>
-          <a:chExt cx="0" cy="0"/>
-        </a:xfrm>
-      </p:grpSpPr>
-      <p:sp>
-        <p:nvSpPr>
-          <p:cNvPr id="2" name="Titre 1">
-            <a:extLst>
-              <a:ext uri="{FF2B5EF4-FFF2-40B4-BE49-F238E27FC236}">
-                <a16:creationId xmlns:a16="http://schemas.microsoft.com/office/drawing/2014/main" id="{CEC09813-BE34-41F0-AEE3-9F9B869CF88D}"/>
-              </a:ext>
-            </a:extLst>
-          </p:cNvPr>
-          <p:cNvSpPr>
-            <a:spLocks noGrp="1"/>
-          </p:cNvSpPr>
-          <p:nvPr>
-            <p:ph type="title"/>
-          </p:nvPr>
-        </p:nvSpPr>
-        <p:spPr/>
-        <p:txBody>
-          <a:bodyPr/>
-          <a:lstStyle/>
-          <a:p>
-            <a:r>
-              <a:rPr lang="fr-BE" dirty="0"/>
-              <a:t>							</a:t>
-            </a:r>
-            <a:r>
-              <a:rPr lang="fr-BE" dirty="0" err="1"/>
-              <a:t>Analysis</a:t>
-            </a:r>
-            <a:endParaRPr lang="fr-BE" dirty="0"/>
-          </a:p>
-        </p:txBody>
-      </p:sp>
-      <p:sp>
-        <p:nvSpPr>
-          <p:cNvPr id="3" name="Espace réservé du contenu 2">
-            <a:extLst>
-              <a:ext uri="{FF2B5EF4-FFF2-40B4-BE49-F238E27FC236}">
-                <a16:creationId xmlns:a16="http://schemas.microsoft.com/office/drawing/2014/main" id="{2917C86A-B79D-46D8-817D-58913449C373}"/>
-              </a:ext>
-            </a:extLst>
-          </p:cNvPr>
-          <p:cNvSpPr>
-            <a:spLocks noGrp="1"/>
-          </p:cNvSpPr>
-          <p:nvPr>
-            <p:ph idx="1"/>
-          </p:nvPr>
-        </p:nvSpPr>
-        <p:spPr>
-          <a:xfrm>
-            <a:off x="1154954" y="2674521"/>
-            <a:ext cx="8825659" cy="3416300"/>
-          </a:xfrm>
-        </p:spPr>
-        <p:txBody>
-          <a:bodyPr>
-            <a:normAutofit fontScale="70000" lnSpcReduction="20000"/>
-          </a:bodyPr>
-          <a:lstStyle/>
-          <a:p>
-            <a:r>
-              <a:rPr lang="fr-BE" dirty="0" err="1"/>
-              <a:t>Thinking</a:t>
-            </a:r>
-            <a:r>
-              <a:rPr lang="fr-BE" dirty="0"/>
-              <a:t> </a:t>
-            </a:r>
-            <a:r>
-              <a:rPr lang="fr-BE" dirty="0" err="1"/>
-              <a:t>before</a:t>
-            </a:r>
-            <a:r>
-              <a:rPr lang="fr-BE" dirty="0"/>
-              <a:t> </a:t>
-            </a:r>
-            <a:r>
-              <a:rPr lang="fr-BE" dirty="0" err="1"/>
-              <a:t>you</a:t>
-            </a:r>
-            <a:r>
-              <a:rPr lang="fr-BE" dirty="0"/>
-              <a:t> program</a:t>
-            </a:r>
-          </a:p>
-          <a:p>
-            <a:pPr lvl="1"/>
-            <a:r>
-              <a:rPr lang="fr-BE" dirty="0" err="1"/>
-              <a:t>object-oriented</a:t>
-            </a:r>
-            <a:r>
-              <a:rPr lang="fr-BE" dirty="0"/>
-              <a:t> </a:t>
-            </a:r>
-            <a:r>
-              <a:rPr lang="fr-BE" dirty="0" err="1"/>
-              <a:t>language</a:t>
-            </a:r>
-            <a:r>
-              <a:rPr lang="fr-BE" dirty="0"/>
-              <a:t> </a:t>
-            </a:r>
-            <a:r>
-              <a:rPr lang="fr-BE" dirty="0" err="1"/>
-              <a:t>is</a:t>
-            </a:r>
-            <a:r>
-              <a:rPr lang="fr-BE" dirty="0"/>
-              <a:t> </a:t>
-            </a:r>
-            <a:r>
-              <a:rPr lang="fr-BE" dirty="0" err="1"/>
-              <a:t>complex</a:t>
-            </a:r>
-            <a:endParaRPr lang="fr-BE" dirty="0"/>
-          </a:p>
-          <a:p>
-            <a:endParaRPr lang="fr-BE" dirty="0"/>
-          </a:p>
-          <a:p>
-            <a:r>
-              <a:rPr lang="fr-BE" dirty="0" err="1"/>
-              <a:t>Define</a:t>
-            </a:r>
-            <a:r>
-              <a:rPr lang="fr-BE" dirty="0"/>
-              <a:t> the scope of </a:t>
-            </a:r>
-            <a:r>
-              <a:rPr lang="fr-BE" dirty="0" err="1"/>
-              <a:t>work</a:t>
-            </a:r>
-            <a:r>
-              <a:rPr lang="fr-BE" dirty="0"/>
-              <a:t> </a:t>
-            </a:r>
-            <a:r>
-              <a:rPr lang="fr-BE" dirty="0" err="1"/>
-              <a:t>with</a:t>
-            </a:r>
-            <a:r>
-              <a:rPr lang="fr-BE" dirty="0"/>
-              <a:t> the client </a:t>
-            </a:r>
-            <a:endParaRPr lang="fr-BE" dirty="0">
-              <a:sym typeface="Wingdings" panose="05000000000000000000" pitchFamily="2" charset="2"/>
-            </a:endParaRPr>
-          </a:p>
-          <a:p>
-            <a:pPr lvl="1"/>
-            <a:r>
-              <a:rPr lang="fr-BE" dirty="0">
-                <a:sym typeface="Wingdings" panose="05000000000000000000" pitchFamily="2" charset="2"/>
-              </a:rPr>
-              <a:t>COMMUNICATION ! </a:t>
-            </a:r>
-            <a:endParaRPr lang="fr-BE" dirty="0"/>
-          </a:p>
-          <a:p>
-            <a:endParaRPr lang="fr-BE" dirty="0"/>
-          </a:p>
-          <a:p>
-            <a:r>
-              <a:rPr lang="fr-BE" dirty="0" err="1"/>
-              <a:t>Whit</a:t>
-            </a:r>
-            <a:r>
-              <a:rPr lang="fr-BE" dirty="0"/>
-              <a:t> </a:t>
-            </a:r>
-            <a:r>
-              <a:rPr lang="fr-BE" dirty="0" err="1"/>
-              <a:t>what</a:t>
-            </a:r>
-            <a:r>
-              <a:rPr lang="fr-BE" dirty="0"/>
-              <a:t>?</a:t>
-            </a:r>
-          </a:p>
-          <a:p>
-            <a:pPr lvl="1"/>
-            <a:r>
-              <a:rPr lang="fr-BE" dirty="0"/>
-              <a:t>UML </a:t>
-            </a:r>
-            <a:r>
-              <a:rPr lang="fr-BE" dirty="0" err="1"/>
-              <a:t>language</a:t>
-            </a:r>
-            <a:endParaRPr lang="fr-BE" dirty="0"/>
-          </a:p>
-          <a:p>
-            <a:pPr lvl="2"/>
-            <a:r>
-              <a:rPr lang="fr-BE" dirty="0"/>
-              <a:t>Standard modeling </a:t>
-            </a:r>
-            <a:r>
-              <a:rPr lang="fr-BE" dirty="0" err="1"/>
-              <a:t>language</a:t>
-            </a:r>
-            <a:endParaRPr lang="fr-BE" dirty="0"/>
-          </a:p>
-          <a:p>
-            <a:pPr lvl="1"/>
-            <a:r>
-              <a:rPr lang="fr-BE" dirty="0"/>
-              <a:t>Diagram</a:t>
-            </a:r>
-          </a:p>
-          <a:p>
-            <a:pPr lvl="3"/>
-            <a:r>
-              <a:rPr lang="fr-BE" dirty="0"/>
-              <a:t>It </a:t>
-            </a:r>
-            <a:r>
-              <a:rPr lang="fr-BE" dirty="0" err="1"/>
-              <a:t>exists</a:t>
-            </a:r>
-            <a:r>
-              <a:rPr lang="fr-BE" dirty="0"/>
-              <a:t> </a:t>
-            </a:r>
-            <a:r>
-              <a:rPr lang="fr-BE" dirty="0" err="1"/>
-              <a:t>thirteen</a:t>
-            </a:r>
-            <a:r>
-              <a:rPr lang="fr-BE" dirty="0"/>
-              <a:t> </a:t>
-            </a:r>
-            <a:r>
-              <a:rPr lang="fr-BE" dirty="0" err="1"/>
-              <a:t>diagram</a:t>
-            </a:r>
-            <a:r>
-              <a:rPr lang="fr-BE" dirty="0"/>
-              <a:t>.</a:t>
-            </a:r>
-          </a:p>
-          <a:p>
-            <a:pPr lvl="3"/>
-            <a:r>
-              <a:rPr lang="fr-BE" dirty="0" err="1"/>
-              <a:t>Three</a:t>
-            </a:r>
-            <a:r>
-              <a:rPr lang="fr-BE" dirty="0"/>
-              <a:t> of </a:t>
-            </a:r>
-            <a:r>
-              <a:rPr lang="fr-BE" dirty="0" err="1"/>
-              <a:t>them</a:t>
-            </a:r>
-            <a:r>
-              <a:rPr lang="fr-BE" dirty="0"/>
-              <a:t> </a:t>
-            </a:r>
-          </a:p>
-          <a:p>
-            <a:pPr lvl="4"/>
-            <a:r>
-              <a:rPr lang="fr-BE" dirty="0"/>
-              <a:t> Use case </a:t>
-            </a:r>
-            <a:r>
-              <a:rPr lang="fr-BE" dirty="0" err="1"/>
-              <a:t>diagram</a:t>
-            </a:r>
-            <a:r>
-              <a:rPr lang="fr-BE" dirty="0"/>
-              <a:t>, class </a:t>
-            </a:r>
-            <a:r>
-              <a:rPr lang="fr-BE" dirty="0" err="1"/>
-              <a:t>diagram</a:t>
-            </a:r>
-            <a:r>
-              <a:rPr lang="fr-BE" dirty="0"/>
-              <a:t> and </a:t>
-            </a:r>
-            <a:r>
-              <a:rPr lang="fr-BE" dirty="0" err="1"/>
-              <a:t>sequence</a:t>
-            </a:r>
-            <a:r>
-              <a:rPr lang="fr-BE" dirty="0"/>
-              <a:t> </a:t>
-            </a:r>
-            <a:r>
-              <a:rPr lang="fr-BE" dirty="0" err="1"/>
-              <a:t>diagram</a:t>
-            </a:r>
-            <a:r>
-              <a:rPr lang="fr-BE" dirty="0"/>
-              <a:t>.</a:t>
-            </a:r>
-          </a:p>
-        </p:txBody>
-      </p:sp>
-      <p:sp>
-        <p:nvSpPr>
-          <p:cNvPr id="4" name="ZoneTexte 3">
-            <a:extLst>
-              <a:ext uri="{FF2B5EF4-FFF2-40B4-BE49-F238E27FC236}">
-                <a16:creationId xmlns:a16="http://schemas.microsoft.com/office/drawing/2014/main" id="{2B2B9D61-21D1-4F29-9CC9-DF3F16ED3493}"/>
-              </a:ext>
-            </a:extLst>
-          </p:cNvPr>
-          <p:cNvSpPr txBox="1"/>
-          <p:nvPr/>
-        </p:nvSpPr>
-        <p:spPr>
-          <a:xfrm>
-            <a:off x="10635449" y="656948"/>
-            <a:ext cx="356188" cy="369332"/>
-          </a:xfrm>
-          <a:prstGeom prst="rect">
-            <a:avLst/>
-          </a:prstGeom>
-          <a:noFill/>
-        </p:spPr>
-        <p:txBody>
-          <a:bodyPr wrap="none" rtlCol="0">
-            <a:spAutoFit/>
-          </a:bodyPr>
-          <a:lstStyle/>
-          <a:p>
-            <a:r>
-              <a:rPr lang="fr-BE" dirty="0"/>
-              <a:t>A</a:t>
-            </a:r>
-          </a:p>
-        </p:txBody>
-      </p:sp>
-    </p:spTree>
-    <p:extLst>
-      <p:ext uri="{BB962C8B-B14F-4D97-AF65-F5344CB8AC3E}">
-        <p14:creationId xmlns:p14="http://schemas.microsoft.com/office/powerpoint/2010/main" val="504438195"/>
-      </p:ext>
-    </p:extLst>
-  </p:cSld>
-  <p:clrMapOvr>
-    <a:masterClrMapping/>
-  </p:clrMapOvr>
-</p:sld>
-</file>
-
-<file path=ppt/slides/slide4.xml><?xml version="1.0" encoding="utf-8"?>
-<p:sld xmlns:a="http://schemas.openxmlformats.org/drawingml/2006/main" xmlns:r="http://schemas.openxmlformats.org/officeDocument/2006/relationships" xmlns:p="http://schemas.openxmlformats.org/presentationml/2006/main">
-  <p:cSld>
-    <p:spTree>
-      <p:nvGrpSpPr>
-        <p:cNvPr id="1" name=""/>
-        <p:cNvGrpSpPr/>
-        <p:nvPr/>
-      </p:nvGrpSpPr>
-      <p:grpSpPr>
-        <a:xfrm>
-          <a:off x="0" y="0"/>
-          <a:ext cx="0" cy="0"/>
-          <a:chOff x="0" y="0"/>
-          <a:chExt cx="0" cy="0"/>
-        </a:xfrm>
-      </p:grpSpPr>
-      <p:sp>
-        <p:nvSpPr>
-          <p:cNvPr id="2" name="Titre 1">
-            <a:extLst>
-              <a:ext uri="{FF2B5EF4-FFF2-40B4-BE49-F238E27FC236}">
-                <a16:creationId xmlns:a16="http://schemas.microsoft.com/office/drawing/2014/main" id="{E32F481D-CEC3-44F4-9A68-063ADD9D036E}"/>
-              </a:ext>
-            </a:extLst>
-          </p:cNvPr>
-          <p:cNvSpPr>
-            <a:spLocks noGrp="1"/>
-          </p:cNvSpPr>
-          <p:nvPr>
-            <p:ph type="title"/>
-          </p:nvPr>
-        </p:nvSpPr>
-        <p:spPr/>
-        <p:txBody>
-          <a:bodyPr/>
-          <a:lstStyle/>
-          <a:p>
-            <a:r>
-              <a:rPr lang="fr-BE" dirty="0"/>
-              <a:t>					Use case </a:t>
-            </a:r>
-            <a:r>
-              <a:rPr lang="fr-BE" dirty="0" err="1"/>
-              <a:t>diagram</a:t>
-            </a:r>
-            <a:r>
-              <a:rPr lang="fr-BE" dirty="0"/>
-              <a:t> : </a:t>
-            </a:r>
-            <a:r>
-              <a:rPr lang="fr-BE" dirty="0" err="1"/>
-              <a:t>theory</a:t>
-            </a:r>
-            <a:endParaRPr lang="fr-BE" dirty="0"/>
-          </a:p>
-        </p:txBody>
-      </p:sp>
-      <p:sp>
-        <p:nvSpPr>
-          <p:cNvPr id="3" name="Espace réservé du contenu 2">
-            <a:extLst>
-              <a:ext uri="{FF2B5EF4-FFF2-40B4-BE49-F238E27FC236}">
-                <a16:creationId xmlns:a16="http://schemas.microsoft.com/office/drawing/2014/main" id="{2BADA60C-DB64-4C9A-8824-655D24A38487}"/>
-              </a:ext>
-            </a:extLst>
-          </p:cNvPr>
-          <p:cNvSpPr>
-            <a:spLocks noGrp="1"/>
-          </p:cNvSpPr>
-          <p:nvPr>
-            <p:ph idx="1"/>
-          </p:nvPr>
-        </p:nvSpPr>
-        <p:spPr>
-          <a:xfrm>
-            <a:off x="869249" y="2025159"/>
-            <a:ext cx="8825659" cy="3416300"/>
-          </a:xfrm>
-        </p:spPr>
-        <p:txBody>
-          <a:bodyPr/>
-          <a:lstStyle/>
-          <a:p>
-            <a:r>
-              <a:rPr lang="fr-BE" dirty="0"/>
-              <a:t>For </a:t>
-            </a:r>
-            <a:r>
-              <a:rPr lang="fr-BE" dirty="0" err="1"/>
-              <a:t>what</a:t>
-            </a:r>
-            <a:r>
-              <a:rPr lang="fr-BE" dirty="0"/>
-              <a:t> </a:t>
-            </a:r>
-            <a:r>
-              <a:rPr lang="fr-BE" dirty="0" err="1"/>
-              <a:t>purpose</a:t>
-            </a:r>
-            <a:r>
-              <a:rPr lang="fr-BE" dirty="0"/>
-              <a:t>?</a:t>
-            </a:r>
-          </a:p>
-          <a:p>
-            <a:pPr lvl="1"/>
-            <a:r>
-              <a:rPr lang="fr-BE" dirty="0" err="1"/>
-              <a:t>Starting</a:t>
-            </a:r>
-            <a:r>
-              <a:rPr lang="fr-BE" dirty="0"/>
-              <a:t> point</a:t>
-            </a:r>
-          </a:p>
-          <a:p>
-            <a:pPr lvl="1"/>
-            <a:r>
-              <a:rPr lang="fr-BE" dirty="0" err="1"/>
-              <a:t>Presents</a:t>
-            </a:r>
-            <a:r>
-              <a:rPr lang="fr-BE" dirty="0"/>
-              <a:t> the </a:t>
-            </a:r>
-            <a:r>
-              <a:rPr lang="fr-BE" dirty="0" err="1"/>
-              <a:t>features</a:t>
-            </a:r>
-            <a:r>
-              <a:rPr lang="fr-BE" dirty="0"/>
-              <a:t> </a:t>
-            </a:r>
-            <a:r>
-              <a:rPr lang="fr-BE" dirty="0" err="1"/>
-              <a:t>clearly</a:t>
-            </a:r>
-            <a:r>
-              <a:rPr lang="fr-BE" dirty="0"/>
-              <a:t> to the </a:t>
-            </a:r>
-            <a:r>
-              <a:rPr lang="fr-BE" dirty="0" err="1"/>
-              <a:t>customer</a:t>
-            </a:r>
-            <a:endParaRPr lang="fr-BE" dirty="0"/>
-          </a:p>
-          <a:p>
-            <a:r>
-              <a:rPr lang="fr-BE" dirty="0"/>
-              <a:t>How </a:t>
-            </a:r>
-            <a:r>
-              <a:rPr lang="fr-BE" dirty="0" err="1"/>
-              <a:t>does</a:t>
-            </a:r>
-            <a:r>
-              <a:rPr lang="fr-BE" dirty="0"/>
-              <a:t> </a:t>
-            </a:r>
-            <a:r>
-              <a:rPr lang="fr-BE" dirty="0" err="1"/>
-              <a:t>it</a:t>
-            </a:r>
-            <a:r>
-              <a:rPr lang="fr-BE" dirty="0"/>
-              <a:t> </a:t>
-            </a:r>
-            <a:r>
-              <a:rPr lang="fr-BE" dirty="0" err="1"/>
-              <a:t>work</a:t>
-            </a:r>
-            <a:r>
-              <a:rPr lang="fr-BE" dirty="0"/>
-              <a:t> ?</a:t>
-            </a:r>
-          </a:p>
-          <a:p>
-            <a:pPr lvl="1"/>
-            <a:endParaRPr lang="fr-BE" dirty="0"/>
-          </a:p>
-        </p:txBody>
-      </p:sp>
-      <p:sp>
-        <p:nvSpPr>
-          <p:cNvPr id="6" name="ZoneTexte 5">
-            <a:extLst>
-              <a:ext uri="{FF2B5EF4-FFF2-40B4-BE49-F238E27FC236}">
-                <a16:creationId xmlns:a16="http://schemas.microsoft.com/office/drawing/2014/main" id="{BECFF55E-00F4-457F-A63E-0D5311AA920D}"/>
-              </a:ext>
-            </a:extLst>
-          </p:cNvPr>
-          <p:cNvSpPr txBox="1"/>
-          <p:nvPr/>
-        </p:nvSpPr>
-        <p:spPr>
-          <a:xfrm>
-            <a:off x="715960" y="3700163"/>
-            <a:ext cx="803425" cy="369332"/>
-          </a:xfrm>
-          <a:prstGeom prst="rect">
-            <a:avLst/>
-          </a:prstGeom>
-          <a:noFill/>
-        </p:spPr>
-        <p:txBody>
-          <a:bodyPr wrap="none" rtlCol="0">
-            <a:spAutoFit/>
-          </a:bodyPr>
-          <a:lstStyle/>
-          <a:p>
-            <a:r>
-              <a:rPr lang="fr-BE" dirty="0"/>
-              <a:t>Actor</a:t>
-            </a:r>
-          </a:p>
-        </p:txBody>
-      </p:sp>
-      <p:sp>
-        <p:nvSpPr>
-          <p:cNvPr id="7" name="ZoneTexte 6">
-            <a:extLst>
-              <a:ext uri="{FF2B5EF4-FFF2-40B4-BE49-F238E27FC236}">
-                <a16:creationId xmlns:a16="http://schemas.microsoft.com/office/drawing/2014/main" id="{CE0BD63F-9D1C-478E-9433-518003FA4F43}"/>
-              </a:ext>
-            </a:extLst>
-          </p:cNvPr>
-          <p:cNvSpPr txBox="1"/>
-          <p:nvPr/>
-        </p:nvSpPr>
-        <p:spPr>
-          <a:xfrm>
-            <a:off x="2902869" y="3708135"/>
-            <a:ext cx="958917" cy="369332"/>
-          </a:xfrm>
-          <a:prstGeom prst="rect">
-            <a:avLst/>
-          </a:prstGeom>
-          <a:noFill/>
-        </p:spPr>
-        <p:txBody>
-          <a:bodyPr wrap="none" rtlCol="0">
-            <a:spAutoFit/>
-          </a:bodyPr>
-          <a:lstStyle/>
-          <a:p>
-            <a:r>
-              <a:rPr lang="fr-BE" dirty="0"/>
-              <a:t>System</a:t>
-            </a:r>
-          </a:p>
-        </p:txBody>
-      </p:sp>
-      <p:sp>
-        <p:nvSpPr>
-          <p:cNvPr id="8" name="ZoneTexte 7">
-            <a:extLst>
-              <a:ext uri="{FF2B5EF4-FFF2-40B4-BE49-F238E27FC236}">
-                <a16:creationId xmlns:a16="http://schemas.microsoft.com/office/drawing/2014/main" id="{4F4309C7-3DD0-4852-9B54-451ADB67C0D1}"/>
-              </a:ext>
-            </a:extLst>
-          </p:cNvPr>
-          <p:cNvSpPr txBox="1"/>
-          <p:nvPr/>
-        </p:nvSpPr>
-        <p:spPr>
-          <a:xfrm>
-            <a:off x="5567783" y="3700163"/>
-            <a:ext cx="1186543" cy="369332"/>
-          </a:xfrm>
-          <a:prstGeom prst="rect">
-            <a:avLst/>
-          </a:prstGeom>
-          <a:noFill/>
-        </p:spPr>
-        <p:txBody>
-          <a:bodyPr wrap="none" rtlCol="0">
-            <a:spAutoFit/>
-          </a:bodyPr>
-          <a:lstStyle/>
-          <a:p>
-            <a:r>
-              <a:rPr lang="fr-BE" dirty="0"/>
-              <a:t>Use case</a:t>
-            </a:r>
-          </a:p>
-        </p:txBody>
-      </p:sp>
-      <p:pic>
-        <p:nvPicPr>
-          <p:cNvPr id="10" name="Image 9">
-            <a:extLst>
-              <a:ext uri="{FF2B5EF4-FFF2-40B4-BE49-F238E27FC236}">
-                <a16:creationId xmlns:a16="http://schemas.microsoft.com/office/drawing/2014/main" id="{6AF199E7-9E63-4963-8A69-587030FCCDDC}"/>
-              </a:ext>
-            </a:extLst>
-          </p:cNvPr>
-          <p:cNvPicPr>
-            <a:picLocks noChangeAspect="1"/>
-          </p:cNvPicPr>
-          <p:nvPr/>
-        </p:nvPicPr>
-        <p:blipFill>
-          <a:blip r:embed="rId3"/>
-          <a:stretch>
-            <a:fillRect/>
-          </a:stretch>
-        </p:blipFill>
-        <p:spPr>
-          <a:xfrm>
-            <a:off x="350911" y="4109440"/>
-            <a:ext cx="1533525" cy="1552575"/>
-          </a:xfrm>
-          <a:prstGeom prst="rect">
-            <a:avLst/>
-          </a:prstGeom>
-        </p:spPr>
-      </p:pic>
-      <p:sp>
-        <p:nvSpPr>
-          <p:cNvPr id="11" name="ZoneTexte 10">
-            <a:extLst>
-              <a:ext uri="{FF2B5EF4-FFF2-40B4-BE49-F238E27FC236}">
-                <a16:creationId xmlns:a16="http://schemas.microsoft.com/office/drawing/2014/main" id="{DAD62A20-B482-4DEF-92D1-170A325E8CE1}"/>
-              </a:ext>
-            </a:extLst>
-          </p:cNvPr>
-          <p:cNvSpPr txBox="1"/>
-          <p:nvPr/>
-        </p:nvSpPr>
-        <p:spPr>
-          <a:xfrm>
-            <a:off x="149048" y="5699013"/>
-            <a:ext cx="2303836" cy="523220"/>
-          </a:xfrm>
-          <a:prstGeom prst="rect">
-            <a:avLst/>
-          </a:prstGeom>
-          <a:noFill/>
-        </p:spPr>
-        <p:txBody>
-          <a:bodyPr wrap="none" rtlCol="0">
-            <a:spAutoFit/>
-          </a:bodyPr>
-          <a:lstStyle/>
-          <a:p>
-            <a:r>
-              <a:rPr lang="fr-BE" sz="1400" dirty="0"/>
-              <a:t>« </a:t>
-            </a:r>
-            <a:r>
-              <a:rPr lang="fr-BE" sz="1400" dirty="0" err="1"/>
-              <a:t>Who</a:t>
-            </a:r>
-            <a:r>
-              <a:rPr lang="fr-BE" sz="1400" dirty="0"/>
-              <a:t> use the system ? »</a:t>
-            </a:r>
-          </a:p>
-          <a:p>
-            <a:r>
-              <a:rPr lang="fr-BE" sz="1400" dirty="0"/>
-              <a:t>Not </a:t>
-            </a:r>
-            <a:r>
-              <a:rPr lang="fr-BE" sz="1400" dirty="0" err="1"/>
-              <a:t>always</a:t>
-            </a:r>
-            <a:r>
-              <a:rPr lang="fr-BE" sz="1400" dirty="0"/>
-              <a:t> humain !</a:t>
-            </a:r>
-          </a:p>
-        </p:txBody>
-      </p:sp>
-      <p:pic>
-        <p:nvPicPr>
-          <p:cNvPr id="13" name="Image 12">
-            <a:extLst>
-              <a:ext uri="{FF2B5EF4-FFF2-40B4-BE49-F238E27FC236}">
-                <a16:creationId xmlns:a16="http://schemas.microsoft.com/office/drawing/2014/main" id="{6BF13A69-C52F-47DD-9266-068D95624C41}"/>
-              </a:ext>
-            </a:extLst>
-          </p:cNvPr>
-          <p:cNvPicPr>
-            <a:picLocks noChangeAspect="1"/>
-          </p:cNvPicPr>
-          <p:nvPr/>
-        </p:nvPicPr>
-        <p:blipFill>
-          <a:blip r:embed="rId4"/>
-          <a:stretch>
-            <a:fillRect/>
-          </a:stretch>
-        </p:blipFill>
-        <p:spPr>
-          <a:xfrm>
-            <a:off x="2638618" y="4077467"/>
-            <a:ext cx="1799206" cy="1895347"/>
-          </a:xfrm>
-          <a:prstGeom prst="rect">
-            <a:avLst/>
-          </a:prstGeom>
-        </p:spPr>
-      </p:pic>
-      <p:sp>
-        <p:nvSpPr>
-          <p:cNvPr id="14" name="ZoneTexte 13">
-            <a:extLst>
-              <a:ext uri="{FF2B5EF4-FFF2-40B4-BE49-F238E27FC236}">
-                <a16:creationId xmlns:a16="http://schemas.microsoft.com/office/drawing/2014/main" id="{034A6AA0-F5A2-4140-9C79-3FD5431363FB}"/>
-              </a:ext>
-            </a:extLst>
-          </p:cNvPr>
-          <p:cNvSpPr txBox="1"/>
-          <p:nvPr/>
-        </p:nvSpPr>
-        <p:spPr>
-          <a:xfrm>
-            <a:off x="2474899" y="6037567"/>
-            <a:ext cx="2223686" cy="307777"/>
-          </a:xfrm>
-          <a:prstGeom prst="rect">
-            <a:avLst/>
-          </a:prstGeom>
-          <a:noFill/>
-        </p:spPr>
-        <p:txBody>
-          <a:bodyPr wrap="none" rtlCol="0">
-            <a:spAutoFit/>
-          </a:bodyPr>
-          <a:lstStyle/>
-          <a:p>
-            <a:r>
-              <a:rPr lang="fr-BE" sz="1400" dirty="0"/>
-              <a:t>«  </a:t>
-            </a:r>
-            <a:r>
-              <a:rPr lang="fr-BE" sz="1400" dirty="0" err="1"/>
-              <a:t>What</a:t>
-            </a:r>
-            <a:r>
-              <a:rPr lang="fr-BE" sz="1400" dirty="0"/>
-              <a:t> </a:t>
-            </a:r>
-            <a:r>
-              <a:rPr lang="fr-BE" sz="1400" dirty="0" err="1"/>
-              <a:t>is</a:t>
-            </a:r>
-            <a:r>
-              <a:rPr lang="fr-BE" sz="1400" dirty="0"/>
-              <a:t> the </a:t>
-            </a:r>
-            <a:r>
-              <a:rPr lang="fr-BE" sz="1400" dirty="0" err="1"/>
-              <a:t>project</a:t>
-            </a:r>
-            <a:r>
-              <a:rPr lang="fr-BE" sz="1400" dirty="0"/>
-              <a:t>? »</a:t>
-            </a:r>
-          </a:p>
-        </p:txBody>
-      </p:sp>
-      <p:pic>
-        <p:nvPicPr>
-          <p:cNvPr id="16" name="Image 15">
-            <a:extLst>
-              <a:ext uri="{FF2B5EF4-FFF2-40B4-BE49-F238E27FC236}">
-                <a16:creationId xmlns:a16="http://schemas.microsoft.com/office/drawing/2014/main" id="{AB883D77-C0F9-4765-B36E-DED9CEA19130}"/>
-              </a:ext>
-            </a:extLst>
-          </p:cNvPr>
-          <p:cNvPicPr>
-            <a:picLocks noChangeAspect="1"/>
-          </p:cNvPicPr>
-          <p:nvPr/>
-        </p:nvPicPr>
-        <p:blipFill rotWithShape="1">
-          <a:blip r:embed="rId5"/>
-          <a:srcRect r="3445"/>
-          <a:stretch/>
-        </p:blipFill>
-        <p:spPr>
-          <a:xfrm>
-            <a:off x="5231184" y="4238549"/>
-            <a:ext cx="1897586" cy="699257"/>
-          </a:xfrm>
-          <a:prstGeom prst="rect">
-            <a:avLst/>
-          </a:prstGeom>
-        </p:spPr>
-      </p:pic>
-      <p:sp>
-        <p:nvSpPr>
-          <p:cNvPr id="17" name="ZoneTexte 16">
-            <a:extLst>
-              <a:ext uri="{FF2B5EF4-FFF2-40B4-BE49-F238E27FC236}">
-                <a16:creationId xmlns:a16="http://schemas.microsoft.com/office/drawing/2014/main" id="{37E94181-C3DD-403D-9D9F-ABD1D3636DEF}"/>
-              </a:ext>
-            </a:extLst>
-          </p:cNvPr>
-          <p:cNvSpPr txBox="1"/>
-          <p:nvPr/>
-        </p:nvSpPr>
-        <p:spPr>
-          <a:xfrm>
-            <a:off x="4413643" y="4937806"/>
-            <a:ext cx="3692036" cy="307777"/>
-          </a:xfrm>
-          <a:prstGeom prst="rect">
-            <a:avLst/>
-          </a:prstGeom>
-          <a:noFill/>
-        </p:spPr>
-        <p:txBody>
-          <a:bodyPr wrap="none" rtlCol="0">
-            <a:spAutoFit/>
-          </a:bodyPr>
-          <a:lstStyle/>
-          <a:p>
-            <a:r>
-              <a:rPr lang="fr-BE" sz="1400" dirty="0"/>
-              <a:t>« </a:t>
-            </a:r>
-            <a:r>
-              <a:rPr lang="en-US" sz="1400" dirty="0"/>
-              <a:t>what can the actor do in the system?</a:t>
-            </a:r>
-            <a:r>
-              <a:rPr lang="fr-BE" sz="1400" dirty="0"/>
-              <a:t> »</a:t>
-            </a:r>
-          </a:p>
-        </p:txBody>
-      </p:sp>
-      <p:pic>
-        <p:nvPicPr>
-          <p:cNvPr id="19" name="Image 18">
-            <a:extLst>
-              <a:ext uri="{FF2B5EF4-FFF2-40B4-BE49-F238E27FC236}">
-                <a16:creationId xmlns:a16="http://schemas.microsoft.com/office/drawing/2014/main" id="{151B1DD3-932D-45DD-B8F8-DFA4FEA7949A}"/>
-              </a:ext>
-            </a:extLst>
-          </p:cNvPr>
-          <p:cNvPicPr>
-            <a:picLocks noChangeAspect="1"/>
-          </p:cNvPicPr>
-          <p:nvPr/>
-        </p:nvPicPr>
-        <p:blipFill>
-          <a:blip r:embed="rId6"/>
-          <a:stretch>
-            <a:fillRect/>
-          </a:stretch>
-        </p:blipFill>
-        <p:spPr>
-          <a:xfrm>
-            <a:off x="8254984" y="3210186"/>
-            <a:ext cx="3969464" cy="3213635"/>
-          </a:xfrm>
-          <a:prstGeom prst="rect">
-            <a:avLst/>
-          </a:prstGeom>
-        </p:spPr>
-      </p:pic>
-      <p:sp>
-        <p:nvSpPr>
-          <p:cNvPr id="20" name="ZoneTexte 19">
-            <a:extLst>
-              <a:ext uri="{FF2B5EF4-FFF2-40B4-BE49-F238E27FC236}">
-                <a16:creationId xmlns:a16="http://schemas.microsoft.com/office/drawing/2014/main" id="{F8FB5164-E5A7-4A68-B511-4255CAC3770E}"/>
-              </a:ext>
-            </a:extLst>
-          </p:cNvPr>
-          <p:cNvSpPr txBox="1"/>
-          <p:nvPr/>
-        </p:nvSpPr>
-        <p:spPr>
-          <a:xfrm>
-            <a:off x="9081856" y="2840854"/>
-            <a:ext cx="2728632" cy="369332"/>
-          </a:xfrm>
-          <a:prstGeom prst="rect">
-            <a:avLst/>
-          </a:prstGeom>
-          <a:noFill/>
-        </p:spPr>
-        <p:txBody>
-          <a:bodyPr wrap="none" rtlCol="0">
-            <a:spAutoFit/>
-          </a:bodyPr>
-          <a:lstStyle/>
-          <a:p>
-            <a:r>
-              <a:rPr lang="fr-BE" dirty="0" err="1"/>
-              <a:t>Include</a:t>
-            </a:r>
-            <a:r>
-              <a:rPr lang="fr-BE" dirty="0"/>
-              <a:t> &amp; </a:t>
-            </a:r>
-            <a:r>
-              <a:rPr lang="fr-BE" dirty="0" err="1"/>
-              <a:t>extend</a:t>
-            </a:r>
-            <a:r>
-              <a:rPr lang="fr-BE" dirty="0"/>
-              <a:t> case</a:t>
-            </a:r>
-          </a:p>
-        </p:txBody>
-      </p:sp>
-      <p:sp>
-        <p:nvSpPr>
-          <p:cNvPr id="4" name="ZoneTexte 3">
-            <a:extLst>
-              <a:ext uri="{FF2B5EF4-FFF2-40B4-BE49-F238E27FC236}">
-                <a16:creationId xmlns:a16="http://schemas.microsoft.com/office/drawing/2014/main" id="{AC00CCF0-795D-4389-B3CD-9F0A22B6B542}"/>
-              </a:ext>
-            </a:extLst>
-          </p:cNvPr>
-          <p:cNvSpPr txBox="1"/>
-          <p:nvPr/>
-        </p:nvSpPr>
-        <p:spPr>
-          <a:xfrm>
-            <a:off x="10599938" y="594804"/>
-            <a:ext cx="300082" cy="369332"/>
-          </a:xfrm>
-          <a:prstGeom prst="rect">
-            <a:avLst/>
-          </a:prstGeom>
-          <a:noFill/>
-        </p:spPr>
-        <p:txBody>
-          <a:bodyPr wrap="none" rtlCol="0">
-            <a:spAutoFit/>
-          </a:bodyPr>
-          <a:lstStyle/>
-          <a:p>
-            <a:r>
-              <a:rPr lang="fr-BE" dirty="0"/>
-              <a:t>S</a:t>
-            </a:r>
-          </a:p>
-        </p:txBody>
-      </p:sp>
-    </p:spTree>
-    <p:extLst>
-      <p:ext uri="{BB962C8B-B14F-4D97-AF65-F5344CB8AC3E}">
-        <p14:creationId xmlns:p14="http://schemas.microsoft.com/office/powerpoint/2010/main" val="3144151127"/>
-      </p:ext>
-    </p:extLst>
-  </p:cSld>
-  <p:clrMapOvr>
-    <a:masterClrMapping/>
-  </p:clrMapOvr>
-</p:sld>
-</file>
-
-<file path=ppt/slides/slide5.xml><?xml version="1.0" encoding="utf-8"?>
-<p:sld xmlns:a="http://schemas.openxmlformats.org/drawingml/2006/main" xmlns:r="http://schemas.openxmlformats.org/officeDocument/2006/relationships" xmlns:p="http://schemas.openxmlformats.org/presentationml/2006/main">
-  <p:cSld>
-    <p:spTree>
-      <p:nvGrpSpPr>
-        <p:cNvPr id="1" name=""/>
-        <p:cNvGrpSpPr/>
-        <p:nvPr/>
-      </p:nvGrpSpPr>
-      <p:grpSpPr>
-        <a:xfrm>
-          <a:off x="0" y="0"/>
-          <a:ext cx="0" cy="0"/>
-          <a:chOff x="0" y="0"/>
-          <a:chExt cx="0" cy="0"/>
-        </a:xfrm>
-      </p:grpSpPr>
-      <p:sp>
-        <p:nvSpPr>
-          <p:cNvPr id="2" name="Titre 1">
-            <a:extLst>
-              <a:ext uri="{FF2B5EF4-FFF2-40B4-BE49-F238E27FC236}">
-                <a16:creationId xmlns:a16="http://schemas.microsoft.com/office/drawing/2014/main" id="{2E25E003-DB8E-46E9-8724-587249547FFC}"/>
-              </a:ext>
-            </a:extLst>
-          </p:cNvPr>
-          <p:cNvSpPr>
-            <a:spLocks noGrp="1"/>
-          </p:cNvSpPr>
-          <p:nvPr>
-            <p:ph type="title"/>
-          </p:nvPr>
-        </p:nvSpPr>
-        <p:spPr>
-          <a:xfrm>
-            <a:off x="1154954" y="485397"/>
-            <a:ext cx="8825659" cy="706964"/>
-          </a:xfrm>
-        </p:spPr>
-        <p:txBody>
-          <a:bodyPr/>
-          <a:lstStyle/>
-          <a:p>
-            <a:r>
-              <a:rPr lang="fr-BE" dirty="0"/>
-              <a:t>					Use case </a:t>
-            </a:r>
-            <a:r>
-              <a:rPr lang="fr-BE" dirty="0" err="1"/>
-              <a:t>diagram</a:t>
-            </a:r>
-            <a:r>
-              <a:rPr lang="fr-BE" dirty="0"/>
-              <a:t> : </a:t>
-            </a:r>
-            <a:r>
-              <a:rPr lang="fr-BE" dirty="0" err="1"/>
-              <a:t>our</a:t>
-            </a:r>
-            <a:endParaRPr lang="fr-BE" dirty="0"/>
-          </a:p>
-        </p:txBody>
-      </p:sp>
-      <p:pic>
-        <p:nvPicPr>
-          <p:cNvPr id="5" name="Espace réservé du contenu 4">
-            <a:extLst>
-              <a:ext uri="{FF2B5EF4-FFF2-40B4-BE49-F238E27FC236}">
-                <a16:creationId xmlns:a16="http://schemas.microsoft.com/office/drawing/2014/main" id="{BA7971A0-E333-4C3D-8E39-6C5B8840E541}"/>
-              </a:ext>
-            </a:extLst>
-          </p:cNvPr>
-          <p:cNvPicPr>
-            <a:picLocks noGrp="1" noChangeAspect="1"/>
-          </p:cNvPicPr>
-          <p:nvPr>
-            <p:ph idx="1"/>
-          </p:nvPr>
-        </p:nvPicPr>
-        <p:blipFill>
-          <a:blip r:embed="rId2">
-            <a:extLst>
-              <a:ext uri="{28A0092B-C50C-407E-A947-70E740481C1C}">
-                <a14:useLocalDpi xmlns:a14="http://schemas.microsoft.com/office/drawing/2010/main" val="0"/>
-              </a:ext>
-            </a:extLst>
-          </a:blip>
-          <a:stretch>
-            <a:fillRect/>
-          </a:stretch>
-        </p:blipFill>
-        <p:spPr>
-          <a:xfrm>
-            <a:off x="371492" y="1084163"/>
-            <a:ext cx="4662146" cy="5773837"/>
-          </a:xfrm>
-        </p:spPr>
-      </p:pic>
-      <p:sp>
-        <p:nvSpPr>
-          <p:cNvPr id="6" name="ZoneTexte 5">
-            <a:extLst>
-              <a:ext uri="{FF2B5EF4-FFF2-40B4-BE49-F238E27FC236}">
-                <a16:creationId xmlns:a16="http://schemas.microsoft.com/office/drawing/2014/main" id="{3F5E81CC-2493-444C-8BBB-A2873C2A57E2}"/>
-              </a:ext>
-            </a:extLst>
-          </p:cNvPr>
-          <p:cNvSpPr txBox="1"/>
-          <p:nvPr/>
-        </p:nvSpPr>
-        <p:spPr>
-          <a:xfrm>
-            <a:off x="5971127" y="3616919"/>
-            <a:ext cx="1332416" cy="369332"/>
-          </a:xfrm>
-          <a:prstGeom prst="rect">
-            <a:avLst/>
-          </a:prstGeom>
-          <a:noFill/>
-        </p:spPr>
-        <p:txBody>
-          <a:bodyPr wrap="none" rtlCol="0">
-            <a:spAutoFit/>
-          </a:bodyPr>
-          <a:lstStyle/>
-          <a:p>
-            <a:r>
-              <a:rPr lang="fr-BE" dirty="0"/>
-              <a:t>Customer </a:t>
-            </a:r>
-          </a:p>
-        </p:txBody>
-      </p:sp>
-      <p:sp>
-        <p:nvSpPr>
-          <p:cNvPr id="7" name="ZoneTexte 6">
-            <a:extLst>
-              <a:ext uri="{FF2B5EF4-FFF2-40B4-BE49-F238E27FC236}">
-                <a16:creationId xmlns:a16="http://schemas.microsoft.com/office/drawing/2014/main" id="{09BF3FA6-B8FC-477D-97DA-7B3557165433}"/>
-              </a:ext>
-            </a:extLst>
-          </p:cNvPr>
-          <p:cNvSpPr txBox="1"/>
-          <p:nvPr/>
-        </p:nvSpPr>
-        <p:spPr>
-          <a:xfrm>
-            <a:off x="8538014" y="3601749"/>
-            <a:ext cx="1082348" cy="369332"/>
-          </a:xfrm>
-          <a:prstGeom prst="rect">
-            <a:avLst/>
-          </a:prstGeom>
-          <a:noFill/>
-        </p:spPr>
-        <p:txBody>
-          <a:bodyPr wrap="none" rtlCol="0">
-            <a:spAutoFit/>
-          </a:bodyPr>
-          <a:lstStyle/>
-          <a:p>
-            <a:r>
-              <a:rPr lang="fr-BE" dirty="0" err="1"/>
-              <a:t>Restorer</a:t>
-            </a:r>
-            <a:endParaRPr lang="fr-BE" dirty="0"/>
-          </a:p>
-        </p:txBody>
-      </p:sp>
-      <p:sp>
-        <p:nvSpPr>
-          <p:cNvPr id="8" name="ZoneTexte 7">
-            <a:extLst>
-              <a:ext uri="{FF2B5EF4-FFF2-40B4-BE49-F238E27FC236}">
-                <a16:creationId xmlns:a16="http://schemas.microsoft.com/office/drawing/2014/main" id="{5CD4A28D-EE9B-4F2D-B850-67C98637F3C7}"/>
-              </a:ext>
-            </a:extLst>
-          </p:cNvPr>
-          <p:cNvSpPr txBox="1"/>
-          <p:nvPr/>
-        </p:nvSpPr>
-        <p:spPr>
-          <a:xfrm>
-            <a:off x="7506963" y="2886919"/>
-            <a:ext cx="891591" cy="369332"/>
-          </a:xfrm>
-          <a:prstGeom prst="rect">
-            <a:avLst/>
-          </a:prstGeom>
-          <a:noFill/>
-        </p:spPr>
-        <p:txBody>
-          <a:bodyPr wrap="none" rtlCol="0">
-            <a:spAutoFit/>
-          </a:bodyPr>
-          <a:lstStyle/>
-          <a:p>
-            <a:r>
-              <a:rPr lang="fr-BE" dirty="0"/>
-              <a:t>Visitor </a:t>
-            </a:r>
-          </a:p>
-        </p:txBody>
-      </p:sp>
-      <p:cxnSp>
-        <p:nvCxnSpPr>
-          <p:cNvPr id="10" name="Connecteur droit avec flèche 9">
-            <a:extLst>
-              <a:ext uri="{FF2B5EF4-FFF2-40B4-BE49-F238E27FC236}">
-                <a16:creationId xmlns:a16="http://schemas.microsoft.com/office/drawing/2014/main" id="{8537C1A5-58D0-41E3-B801-3B381AFE2F26}"/>
-              </a:ext>
-            </a:extLst>
-          </p:cNvPr>
-          <p:cNvCxnSpPr>
-            <a:stCxn id="6" idx="0"/>
-          </p:cNvCxnSpPr>
-          <p:nvPr/>
-        </p:nvCxnSpPr>
-        <p:spPr>
-          <a:xfrm flipV="1">
-            <a:off x="6637335" y="3241081"/>
-            <a:ext cx="802152" cy="375838"/>
-          </a:xfrm>
-          <a:prstGeom prst="straightConnector1">
-            <a:avLst/>
-          </a:prstGeom>
-          <a:ln>
-            <a:tailEnd type="triangle"/>
-          </a:ln>
-        </p:spPr>
-        <p:style>
-          <a:lnRef idx="1">
-            <a:schemeClr val="accent1"/>
-          </a:lnRef>
-          <a:fillRef idx="0">
-            <a:schemeClr val="accent1"/>
-          </a:fillRef>
-          <a:effectRef idx="0">
-            <a:schemeClr val="accent1"/>
-          </a:effectRef>
-          <a:fontRef idx="minor">
-            <a:schemeClr val="tx1"/>
-          </a:fontRef>
-        </p:style>
-      </p:cxnSp>
-      <p:cxnSp>
-        <p:nvCxnSpPr>
-          <p:cNvPr id="12" name="Connecteur droit avec flèche 11">
-            <a:extLst>
-              <a:ext uri="{FF2B5EF4-FFF2-40B4-BE49-F238E27FC236}">
-                <a16:creationId xmlns:a16="http://schemas.microsoft.com/office/drawing/2014/main" id="{38299B9E-ED6B-4E9A-ABD3-42B003EB89B6}"/>
-              </a:ext>
-            </a:extLst>
-          </p:cNvPr>
-          <p:cNvCxnSpPr>
-            <a:cxnSpLocks/>
-          </p:cNvCxnSpPr>
-          <p:nvPr/>
-        </p:nvCxnSpPr>
-        <p:spPr>
-          <a:xfrm flipH="1" flipV="1">
-            <a:off x="8398554" y="3241081"/>
-            <a:ext cx="550138" cy="443152"/>
-          </a:xfrm>
-          <a:prstGeom prst="straightConnector1">
-            <a:avLst/>
-          </a:prstGeom>
-          <a:ln>
-            <a:tailEnd type="triangle"/>
-          </a:ln>
-        </p:spPr>
-        <p:style>
-          <a:lnRef idx="1">
-            <a:schemeClr val="accent1"/>
-          </a:lnRef>
-          <a:fillRef idx="0">
-            <a:schemeClr val="accent1"/>
-          </a:fillRef>
-          <a:effectRef idx="0">
-            <a:schemeClr val="accent1"/>
-          </a:effectRef>
-          <a:fontRef idx="minor">
-            <a:schemeClr val="tx1"/>
-          </a:fontRef>
-        </p:style>
-      </p:cxnSp>
-      <p:sp>
-        <p:nvSpPr>
-          <p:cNvPr id="14" name="ZoneTexte 13">
-            <a:extLst>
-              <a:ext uri="{FF2B5EF4-FFF2-40B4-BE49-F238E27FC236}">
-                <a16:creationId xmlns:a16="http://schemas.microsoft.com/office/drawing/2014/main" id="{AF88DEF0-4CF1-43FB-9B4C-84A3172B42D7}"/>
-              </a:ext>
-            </a:extLst>
-          </p:cNvPr>
-          <p:cNvSpPr txBox="1"/>
-          <p:nvPr/>
-        </p:nvSpPr>
-        <p:spPr>
-          <a:xfrm>
-            <a:off x="5717219" y="5131293"/>
-            <a:ext cx="184731" cy="369332"/>
-          </a:xfrm>
-          <a:prstGeom prst="rect">
-            <a:avLst/>
-          </a:prstGeom>
-          <a:noFill/>
-        </p:spPr>
-        <p:txBody>
-          <a:bodyPr wrap="none" rtlCol="0">
-            <a:spAutoFit/>
-          </a:bodyPr>
-          <a:lstStyle/>
-          <a:p>
-            <a:endParaRPr lang="fr-BE" dirty="0"/>
-          </a:p>
-        </p:txBody>
-      </p:sp>
-      <p:sp>
-        <p:nvSpPr>
-          <p:cNvPr id="3" name="ZoneTexte 2">
-            <a:extLst>
-              <a:ext uri="{FF2B5EF4-FFF2-40B4-BE49-F238E27FC236}">
-                <a16:creationId xmlns:a16="http://schemas.microsoft.com/office/drawing/2014/main" id="{87899D91-91A1-443E-B336-888CC3ABA421}"/>
-              </a:ext>
-            </a:extLst>
-          </p:cNvPr>
-          <p:cNvSpPr txBox="1"/>
-          <p:nvPr/>
-        </p:nvSpPr>
-        <p:spPr>
-          <a:xfrm>
-            <a:off x="10642996" y="568171"/>
-            <a:ext cx="45719" cy="646331"/>
-          </a:xfrm>
-          <a:prstGeom prst="rect">
-            <a:avLst/>
-          </a:prstGeom>
-          <a:noFill/>
-        </p:spPr>
-        <p:txBody>
-          <a:bodyPr wrap="square" rtlCol="0">
-            <a:spAutoFit/>
-          </a:bodyPr>
-          <a:lstStyle/>
-          <a:p>
-            <a:r>
-              <a:rPr lang="fr-BE" dirty="0"/>
-              <a:t>S</a:t>
-            </a:r>
-          </a:p>
-          <a:p>
-            <a:endParaRPr lang="fr-BE" dirty="0"/>
-          </a:p>
-        </p:txBody>
-      </p:sp>
-    </p:spTree>
-    <p:extLst>
-      <p:ext uri="{BB962C8B-B14F-4D97-AF65-F5344CB8AC3E}">
-        <p14:creationId xmlns:p14="http://schemas.microsoft.com/office/powerpoint/2010/main" val="1285811980"/>
-      </p:ext>
-    </p:extLst>
-  </p:cSld>
-  <p:clrMapOvr>
-    <a:masterClrMapping/>
-  </p:clrMapOvr>
-</p:sld>
-</file>
-
-<file path=ppt/slides/slide6.xml><?xml version="1.0" encoding="utf-8"?>
-<p:sld xmlns:a="http://schemas.openxmlformats.org/drawingml/2006/main" xmlns:r="http://schemas.openxmlformats.org/officeDocument/2006/relationships" xmlns:p="http://schemas.openxmlformats.org/presentationml/2006/main">
-  <p:cSld>
-    <p:spTree>
-      <p:nvGrpSpPr>
-        <p:cNvPr id="1" name=""/>
-        <p:cNvGrpSpPr/>
-        <p:nvPr/>
-      </p:nvGrpSpPr>
-      <p:grpSpPr>
-        <a:xfrm>
-          <a:off x="0" y="0"/>
-          <a:ext cx="0" cy="0"/>
-          <a:chOff x="0" y="0"/>
-          <a:chExt cx="0" cy="0"/>
-        </a:xfrm>
-      </p:grpSpPr>
-      <p:sp>
-        <p:nvSpPr>
-          <p:cNvPr id="2" name="Titre 1">
-            <a:extLst>
-              <a:ext uri="{FF2B5EF4-FFF2-40B4-BE49-F238E27FC236}">
-                <a16:creationId xmlns:a16="http://schemas.microsoft.com/office/drawing/2014/main" id="{A2A54FA8-B4A2-4674-9538-77842D7DBDA4}"/>
-              </a:ext>
-            </a:extLst>
-          </p:cNvPr>
-          <p:cNvSpPr>
-            <a:spLocks noGrp="1"/>
-          </p:cNvSpPr>
-          <p:nvPr>
-            <p:ph type="title"/>
-          </p:nvPr>
-        </p:nvSpPr>
-        <p:spPr/>
-        <p:txBody>
-          <a:bodyPr/>
-          <a:lstStyle/>
-          <a:p>
-            <a:r>
-              <a:rPr lang="fr-BE" dirty="0"/>
-              <a:t>Class </a:t>
-            </a:r>
-            <a:r>
-              <a:rPr lang="fr-BE" dirty="0" err="1"/>
-              <a:t>diagram</a:t>
-            </a:r>
-            <a:r>
-              <a:rPr lang="fr-BE" dirty="0"/>
-              <a:t> : </a:t>
-            </a:r>
-            <a:r>
-              <a:rPr lang="fr-BE" dirty="0" err="1"/>
-              <a:t>theory</a:t>
-            </a:r>
-            <a:endParaRPr lang="fr-BE" dirty="0"/>
-          </a:p>
-        </p:txBody>
-      </p:sp>
-      <p:sp>
-        <p:nvSpPr>
-          <p:cNvPr id="3" name="Espace réservé du contenu 2">
-            <a:extLst>
-              <a:ext uri="{FF2B5EF4-FFF2-40B4-BE49-F238E27FC236}">
-                <a16:creationId xmlns:a16="http://schemas.microsoft.com/office/drawing/2014/main" id="{5F88F31F-E66D-4204-BC6C-B0F9E702E970}"/>
-              </a:ext>
-            </a:extLst>
-          </p:cNvPr>
-          <p:cNvSpPr>
-            <a:spLocks noGrp="1"/>
-          </p:cNvSpPr>
-          <p:nvPr>
-            <p:ph idx="1"/>
-          </p:nvPr>
-        </p:nvSpPr>
-        <p:spPr>
-          <a:xfrm>
-            <a:off x="673691" y="2266616"/>
-            <a:ext cx="8825659" cy="3416300"/>
-          </a:xfrm>
-        </p:spPr>
-        <p:txBody>
-          <a:bodyPr/>
-          <a:lstStyle/>
-          <a:p>
-            <a:r>
-              <a:rPr lang="fr-BE" dirty="0"/>
-              <a:t>For </a:t>
-            </a:r>
-            <a:r>
-              <a:rPr lang="fr-BE" dirty="0" err="1"/>
-              <a:t>what</a:t>
-            </a:r>
-            <a:r>
-              <a:rPr lang="fr-BE" dirty="0"/>
-              <a:t> </a:t>
-            </a:r>
-            <a:r>
-              <a:rPr lang="fr-BE" dirty="0" err="1"/>
-              <a:t>purpose</a:t>
-            </a:r>
-            <a:r>
-              <a:rPr lang="fr-BE" dirty="0"/>
-              <a:t>?</a:t>
-            </a:r>
-          </a:p>
-          <a:p>
-            <a:pPr lvl="1"/>
-            <a:r>
-              <a:rPr lang="fr-BE" dirty="0" err="1"/>
-              <a:t>Models</a:t>
-            </a:r>
-            <a:r>
-              <a:rPr lang="fr-BE" dirty="0"/>
-              <a:t> </a:t>
-            </a:r>
-            <a:r>
-              <a:rPr lang="fr-BE" dirty="0" err="1"/>
-              <a:t>static</a:t>
-            </a:r>
-            <a:r>
-              <a:rPr lang="fr-BE" dirty="0"/>
-              <a:t> classes and interfaces and the </a:t>
-            </a:r>
-            <a:r>
-              <a:rPr lang="fr-BE" dirty="0" err="1"/>
-              <a:t>relationships</a:t>
-            </a:r>
-            <a:r>
-              <a:rPr lang="fr-BE" dirty="0"/>
-              <a:t> </a:t>
-            </a:r>
-            <a:r>
-              <a:rPr lang="fr-BE" dirty="0" err="1"/>
-              <a:t>between</a:t>
-            </a:r>
-            <a:r>
-              <a:rPr lang="fr-BE" dirty="0"/>
-              <a:t> </a:t>
-            </a:r>
-            <a:r>
-              <a:rPr lang="fr-BE" dirty="0" err="1"/>
-              <a:t>them</a:t>
-            </a:r>
-            <a:r>
-              <a:rPr lang="fr-BE" dirty="0"/>
-              <a:t>.</a:t>
-            </a:r>
-          </a:p>
-          <a:p>
-            <a:r>
-              <a:rPr lang="fr-BE" dirty="0"/>
-              <a:t>How </a:t>
-            </a:r>
-            <a:r>
-              <a:rPr lang="fr-BE" dirty="0" err="1"/>
-              <a:t>does</a:t>
-            </a:r>
-            <a:r>
-              <a:rPr lang="fr-BE" dirty="0"/>
-              <a:t> </a:t>
-            </a:r>
-            <a:r>
-              <a:rPr lang="fr-BE" dirty="0" err="1"/>
-              <a:t>it</a:t>
-            </a:r>
-            <a:r>
-              <a:rPr lang="fr-BE" dirty="0"/>
-              <a:t> </a:t>
-            </a:r>
-            <a:r>
-              <a:rPr lang="fr-BE" dirty="0" err="1"/>
-              <a:t>work</a:t>
-            </a:r>
-            <a:r>
-              <a:rPr lang="fr-BE" dirty="0"/>
-              <a:t> ?</a:t>
-            </a:r>
-          </a:p>
-          <a:p>
-            <a:pPr lvl="1"/>
-            <a:endParaRPr lang="fr-BE" dirty="0"/>
-          </a:p>
-        </p:txBody>
-      </p:sp>
-      <p:pic>
-        <p:nvPicPr>
-          <p:cNvPr id="5" name="Image 4">
-            <a:extLst>
-              <a:ext uri="{FF2B5EF4-FFF2-40B4-BE49-F238E27FC236}">
-                <a16:creationId xmlns:a16="http://schemas.microsoft.com/office/drawing/2014/main" id="{092977E6-5A49-48FB-9FA8-5D17F4CF7A1C}"/>
-              </a:ext>
-            </a:extLst>
-          </p:cNvPr>
-          <p:cNvPicPr>
-            <a:picLocks noChangeAspect="1"/>
-          </p:cNvPicPr>
-          <p:nvPr/>
-        </p:nvPicPr>
-        <p:blipFill>
-          <a:blip r:embed="rId2"/>
-          <a:stretch>
-            <a:fillRect/>
-          </a:stretch>
-        </p:blipFill>
-        <p:spPr>
-          <a:xfrm>
-            <a:off x="453238" y="4322231"/>
-            <a:ext cx="1838325" cy="1562100"/>
-          </a:xfrm>
-          <a:prstGeom prst="rect">
-            <a:avLst/>
-          </a:prstGeom>
-        </p:spPr>
-      </p:pic>
-      <p:sp>
-        <p:nvSpPr>
-          <p:cNvPr id="6" name="ZoneTexte 5">
-            <a:extLst>
-              <a:ext uri="{FF2B5EF4-FFF2-40B4-BE49-F238E27FC236}">
-                <a16:creationId xmlns:a16="http://schemas.microsoft.com/office/drawing/2014/main" id="{A71103D9-3057-4109-8C75-06C54A864856}"/>
-              </a:ext>
-            </a:extLst>
-          </p:cNvPr>
-          <p:cNvSpPr txBox="1"/>
-          <p:nvPr/>
-        </p:nvSpPr>
-        <p:spPr>
-          <a:xfrm>
-            <a:off x="994732" y="4137565"/>
-            <a:ext cx="755335" cy="369332"/>
-          </a:xfrm>
-          <a:prstGeom prst="rect">
-            <a:avLst/>
-          </a:prstGeom>
-          <a:noFill/>
-        </p:spPr>
-        <p:txBody>
-          <a:bodyPr wrap="none" rtlCol="0">
-            <a:spAutoFit/>
-          </a:bodyPr>
-          <a:lstStyle/>
-          <a:p>
-            <a:r>
-              <a:rPr lang="fr-BE" dirty="0"/>
-              <a:t>Class</a:t>
-            </a:r>
-          </a:p>
-        </p:txBody>
-      </p:sp>
-      <p:cxnSp>
-        <p:nvCxnSpPr>
-          <p:cNvPr id="8" name="Connecteur droit avec flèche 7">
-            <a:extLst>
-              <a:ext uri="{FF2B5EF4-FFF2-40B4-BE49-F238E27FC236}">
-                <a16:creationId xmlns:a16="http://schemas.microsoft.com/office/drawing/2014/main" id="{12B9F34B-7BE3-402B-8515-0AEDFD153FA8}"/>
-              </a:ext>
-            </a:extLst>
-          </p:cNvPr>
-          <p:cNvCxnSpPr/>
-          <p:nvPr/>
-        </p:nvCxnSpPr>
-        <p:spPr>
-          <a:xfrm>
-            <a:off x="1750067" y="4989250"/>
-            <a:ext cx="797400" cy="0"/>
-          </a:xfrm>
-          <a:prstGeom prst="straightConnector1">
-            <a:avLst/>
-          </a:prstGeom>
-          <a:ln>
-            <a:tailEnd type="triangle"/>
-          </a:ln>
-        </p:spPr>
-        <p:style>
-          <a:lnRef idx="1">
-            <a:schemeClr val="accent1"/>
-          </a:lnRef>
-          <a:fillRef idx="0">
-            <a:schemeClr val="accent1"/>
-          </a:fillRef>
-          <a:effectRef idx="0">
-            <a:schemeClr val="accent1"/>
-          </a:effectRef>
-          <a:fontRef idx="minor">
-            <a:schemeClr val="tx1"/>
-          </a:fontRef>
-        </p:style>
-      </p:cxnSp>
-      <p:sp>
-        <p:nvSpPr>
-          <p:cNvPr id="9" name="ZoneTexte 8">
-            <a:extLst>
-              <a:ext uri="{FF2B5EF4-FFF2-40B4-BE49-F238E27FC236}">
-                <a16:creationId xmlns:a16="http://schemas.microsoft.com/office/drawing/2014/main" id="{55C602E6-09D9-42F6-9355-7EB9514B1E5E}"/>
-              </a:ext>
-            </a:extLst>
-          </p:cNvPr>
-          <p:cNvSpPr txBox="1"/>
-          <p:nvPr/>
-        </p:nvSpPr>
-        <p:spPr>
-          <a:xfrm>
-            <a:off x="2512016" y="4804584"/>
-            <a:ext cx="2151551" cy="369332"/>
-          </a:xfrm>
-          <a:prstGeom prst="rect">
-            <a:avLst/>
-          </a:prstGeom>
-          <a:noFill/>
-        </p:spPr>
-        <p:txBody>
-          <a:bodyPr wrap="none" rtlCol="0">
-            <a:spAutoFit/>
-          </a:bodyPr>
-          <a:lstStyle/>
-          <a:p>
-            <a:r>
-              <a:rPr lang="fr-BE" dirty="0" err="1"/>
-              <a:t>Privates</a:t>
-            </a:r>
-            <a:r>
-              <a:rPr lang="fr-BE" dirty="0"/>
-              <a:t> </a:t>
-            </a:r>
-            <a:r>
-              <a:rPr lang="fr-BE" dirty="0" err="1"/>
-              <a:t>attributes</a:t>
-            </a:r>
-            <a:endParaRPr lang="fr-BE" dirty="0"/>
-          </a:p>
-        </p:txBody>
-      </p:sp>
-      <p:cxnSp>
-        <p:nvCxnSpPr>
-          <p:cNvPr id="11" name="Connecteur droit avec flèche 10">
-            <a:extLst>
-              <a:ext uri="{FF2B5EF4-FFF2-40B4-BE49-F238E27FC236}">
-                <a16:creationId xmlns:a16="http://schemas.microsoft.com/office/drawing/2014/main" id="{583DD419-7375-4005-BC38-42A6AD262C41}"/>
-              </a:ext>
-            </a:extLst>
-          </p:cNvPr>
-          <p:cNvCxnSpPr/>
-          <p:nvPr/>
-        </p:nvCxnSpPr>
-        <p:spPr>
-          <a:xfrm>
-            <a:off x="1980515" y="5530788"/>
-            <a:ext cx="727174" cy="0"/>
-          </a:xfrm>
-          <a:prstGeom prst="straightConnector1">
-            <a:avLst/>
-          </a:prstGeom>
-          <a:ln>
-            <a:tailEnd type="triangle"/>
-          </a:ln>
-        </p:spPr>
-        <p:style>
-          <a:lnRef idx="1">
-            <a:schemeClr val="accent1"/>
-          </a:lnRef>
-          <a:fillRef idx="0">
-            <a:schemeClr val="accent1"/>
-          </a:fillRef>
-          <a:effectRef idx="0">
-            <a:schemeClr val="accent1"/>
-          </a:effectRef>
-          <a:fontRef idx="minor">
-            <a:schemeClr val="tx1"/>
-          </a:fontRef>
-        </p:style>
-      </p:cxnSp>
-      <p:sp>
-        <p:nvSpPr>
-          <p:cNvPr id="12" name="ZoneTexte 11">
-            <a:extLst>
-              <a:ext uri="{FF2B5EF4-FFF2-40B4-BE49-F238E27FC236}">
-                <a16:creationId xmlns:a16="http://schemas.microsoft.com/office/drawing/2014/main" id="{18BE2D63-5111-47A2-9FD6-F8F667B5748B}"/>
-              </a:ext>
-            </a:extLst>
-          </p:cNvPr>
-          <p:cNvSpPr txBox="1"/>
-          <p:nvPr/>
-        </p:nvSpPr>
-        <p:spPr>
-          <a:xfrm>
-            <a:off x="2829787" y="5414292"/>
-            <a:ext cx="1975221" cy="369332"/>
-          </a:xfrm>
-          <a:prstGeom prst="rect">
-            <a:avLst/>
-          </a:prstGeom>
-          <a:noFill/>
-        </p:spPr>
-        <p:txBody>
-          <a:bodyPr wrap="none" rtlCol="0">
-            <a:spAutoFit/>
-          </a:bodyPr>
-          <a:lstStyle/>
-          <a:p>
-            <a:r>
-              <a:rPr lang="fr-BE" dirty="0" err="1"/>
-              <a:t>Static</a:t>
-            </a:r>
-            <a:r>
-              <a:rPr lang="fr-BE" dirty="0"/>
-              <a:t> </a:t>
-            </a:r>
-            <a:r>
-              <a:rPr lang="fr-BE" dirty="0" err="1"/>
-              <a:t>operation</a:t>
-            </a:r>
-            <a:endParaRPr lang="fr-BE" dirty="0"/>
-          </a:p>
-        </p:txBody>
-      </p:sp>
-      <p:pic>
-        <p:nvPicPr>
-          <p:cNvPr id="14" name="Image 13">
-            <a:extLst>
-              <a:ext uri="{FF2B5EF4-FFF2-40B4-BE49-F238E27FC236}">
-                <a16:creationId xmlns:a16="http://schemas.microsoft.com/office/drawing/2014/main" id="{6B94737B-3BCE-48D0-91C5-9CE499EAC451}"/>
-              </a:ext>
-            </a:extLst>
-          </p:cNvPr>
-          <p:cNvPicPr>
-            <a:picLocks noChangeAspect="1"/>
-          </p:cNvPicPr>
-          <p:nvPr/>
-        </p:nvPicPr>
-        <p:blipFill rotWithShape="1">
-          <a:blip r:embed="rId3"/>
-          <a:srcRect l="9724" t="10654" r="8680" b="5311"/>
-          <a:stretch/>
-        </p:blipFill>
-        <p:spPr>
-          <a:xfrm>
-            <a:off x="6933843" y="3858480"/>
-            <a:ext cx="2503503" cy="2998433"/>
-          </a:xfrm>
-          <a:prstGeom prst="rect">
-            <a:avLst/>
-          </a:prstGeom>
-        </p:spPr>
-      </p:pic>
-      <p:cxnSp>
-        <p:nvCxnSpPr>
-          <p:cNvPr id="16" name="Connecteur droit avec flèche 15">
-            <a:extLst>
-              <a:ext uri="{FF2B5EF4-FFF2-40B4-BE49-F238E27FC236}">
-                <a16:creationId xmlns:a16="http://schemas.microsoft.com/office/drawing/2014/main" id="{A2135924-15DD-4DDD-ABEF-8594B40CABFC}"/>
-              </a:ext>
-            </a:extLst>
-          </p:cNvPr>
-          <p:cNvCxnSpPr>
-            <a:cxnSpLocks/>
-          </p:cNvCxnSpPr>
-          <p:nvPr/>
-        </p:nvCxnSpPr>
-        <p:spPr>
-          <a:xfrm flipV="1">
-            <a:off x="8060924" y="5736383"/>
-            <a:ext cx="2064703" cy="47241"/>
-          </a:xfrm>
-          <a:prstGeom prst="straightConnector1">
-            <a:avLst/>
-          </a:prstGeom>
-          <a:ln>
-            <a:tailEnd type="triangle"/>
-          </a:ln>
-        </p:spPr>
-        <p:style>
-          <a:lnRef idx="1">
-            <a:schemeClr val="accent1"/>
-          </a:lnRef>
-          <a:fillRef idx="0">
-            <a:schemeClr val="accent1"/>
-          </a:fillRef>
-          <a:effectRef idx="0">
-            <a:schemeClr val="accent1"/>
-          </a:effectRef>
-          <a:fontRef idx="minor">
-            <a:schemeClr val="tx1"/>
-          </a:fontRef>
-        </p:style>
-      </p:cxnSp>
-      <p:sp>
-        <p:nvSpPr>
-          <p:cNvPr id="17" name="ZoneTexte 16">
-            <a:extLst>
-              <a:ext uri="{FF2B5EF4-FFF2-40B4-BE49-F238E27FC236}">
-                <a16:creationId xmlns:a16="http://schemas.microsoft.com/office/drawing/2014/main" id="{A7393479-2A68-4214-87AC-39409187C478}"/>
-              </a:ext>
-            </a:extLst>
-          </p:cNvPr>
-          <p:cNvSpPr txBox="1"/>
-          <p:nvPr/>
-        </p:nvSpPr>
-        <p:spPr>
-          <a:xfrm>
-            <a:off x="10282914" y="5514999"/>
-            <a:ext cx="1455848" cy="369332"/>
-          </a:xfrm>
-          <a:prstGeom prst="rect">
-            <a:avLst/>
-          </a:prstGeom>
-          <a:noFill/>
-        </p:spPr>
-        <p:txBody>
-          <a:bodyPr wrap="none" rtlCol="0">
-            <a:spAutoFit/>
-          </a:bodyPr>
-          <a:lstStyle/>
-          <a:p>
-            <a:r>
-              <a:rPr lang="fr-BE" dirty="0"/>
-              <a:t>Association</a:t>
-            </a:r>
-          </a:p>
-        </p:txBody>
-      </p:sp>
-      <p:sp>
-        <p:nvSpPr>
-          <p:cNvPr id="4" name="ZoneTexte 3">
-            <a:extLst>
-              <a:ext uri="{FF2B5EF4-FFF2-40B4-BE49-F238E27FC236}">
-                <a16:creationId xmlns:a16="http://schemas.microsoft.com/office/drawing/2014/main" id="{F3A363B1-A8A5-41F4-AFF8-7760AFD50934}"/>
-              </a:ext>
-            </a:extLst>
-          </p:cNvPr>
-          <p:cNvSpPr txBox="1"/>
-          <p:nvPr/>
-        </p:nvSpPr>
-        <p:spPr>
-          <a:xfrm>
-            <a:off x="10582183" y="665825"/>
-            <a:ext cx="356188" cy="369332"/>
-          </a:xfrm>
-          <a:prstGeom prst="rect">
-            <a:avLst/>
-          </a:prstGeom>
-          <a:noFill/>
-        </p:spPr>
-        <p:txBody>
-          <a:bodyPr wrap="none" rtlCol="0">
-            <a:spAutoFit/>
-          </a:bodyPr>
-          <a:lstStyle/>
-          <a:p>
-            <a:r>
-              <a:rPr lang="fr-BE" dirty="0"/>
-              <a:t>A</a:t>
-            </a:r>
-          </a:p>
-        </p:txBody>
-      </p:sp>
-    </p:spTree>
-    <p:extLst>
-      <p:ext uri="{BB962C8B-B14F-4D97-AF65-F5344CB8AC3E}">
-        <p14:creationId xmlns:p14="http://schemas.microsoft.com/office/powerpoint/2010/main" val="3113464706"/>
-      </p:ext>
-    </p:extLst>
-  </p:cSld>
-  <p:clrMapOvr>
-    <a:masterClrMapping/>
-  </p:clrMapOvr>
-</p:sld>
-</file>
-
-<file path=ppt/slides/slide7.xml><?xml version="1.0" encoding="utf-8"?>
-<p:sld xmlns:a="http://schemas.openxmlformats.org/drawingml/2006/main" xmlns:r="http://schemas.openxmlformats.org/officeDocument/2006/relationships" xmlns:p="http://schemas.openxmlformats.org/presentationml/2006/main">
-  <p:cSld>
-    <p:spTree>
-      <p:nvGrpSpPr>
-        <p:cNvPr id="1" name=""/>
-        <p:cNvGrpSpPr/>
-        <p:nvPr/>
-      </p:nvGrpSpPr>
-      <p:grpSpPr>
-        <a:xfrm>
-          <a:off x="0" y="0"/>
-          <a:ext cx="0" cy="0"/>
-          <a:chOff x="0" y="0"/>
-          <a:chExt cx="0" cy="0"/>
-        </a:xfrm>
-      </p:grpSpPr>
       <p:pic>
         <p:nvPicPr>
           <p:cNvPr id="13" name="Image 12">
@@ -16855,7 +14189,7 @@
 </p:sld>
 </file>
 
-<file path=ppt/slides/slide8.xml><?xml version="1.0" encoding="utf-8"?>
+<file path=ppt/slides/slide11.xml><?xml version="1.0" encoding="utf-8"?>
 <p:sld xmlns:a="http://schemas.openxmlformats.org/drawingml/2006/main" xmlns:r="http://schemas.openxmlformats.org/officeDocument/2006/relationships" xmlns:p="http://schemas.openxmlformats.org/presentationml/2006/main">
   <p:cSld>
     <p:spTree>
@@ -17244,6 +14578,2633 @@
 </p:sld>
 </file>
 
+<file path=ppt/slides/slide12.xml><?xml version="1.0" encoding="utf-8"?>
+<p:sld xmlns:a="http://schemas.openxmlformats.org/drawingml/2006/main" xmlns:r="http://schemas.openxmlformats.org/officeDocument/2006/relationships" xmlns:p="http://schemas.openxmlformats.org/presentationml/2006/main">
+  <p:cSld>
+    <p:spTree>
+      <p:nvGrpSpPr>
+        <p:cNvPr id="1" name=""/>
+        <p:cNvGrpSpPr/>
+        <p:nvPr/>
+      </p:nvGrpSpPr>
+      <p:grpSpPr>
+        <a:xfrm>
+          <a:off x="0" y="0"/>
+          <a:ext cx="0" cy="0"/>
+          <a:chOff x="0" y="0"/>
+          <a:chExt cx="0" cy="0"/>
+        </a:xfrm>
+      </p:grpSpPr>
+      <p:sp>
+        <p:nvSpPr>
+          <p:cNvPr id="2" name="Titre 1">
+            <a:extLst>
+              <a:ext uri="{FF2B5EF4-FFF2-40B4-BE49-F238E27FC236}">
+                <a16:creationId xmlns:a16="http://schemas.microsoft.com/office/drawing/2014/main" id="{C98279E2-2FCC-48D8-AB3B-5610FD34544A}"/>
+              </a:ext>
+            </a:extLst>
+          </p:cNvPr>
+          <p:cNvSpPr>
+            <a:spLocks noGrp="1"/>
+          </p:cNvSpPr>
+          <p:nvPr>
+            <p:ph type="title"/>
+          </p:nvPr>
+        </p:nvSpPr>
+        <p:spPr/>
+        <p:txBody>
+          <a:bodyPr/>
+          <a:lstStyle/>
+          <a:p>
+            <a:r>
+              <a:rPr lang="fr-BE" dirty="0" err="1"/>
+              <a:t>Sequence</a:t>
+            </a:r>
+            <a:r>
+              <a:rPr lang="fr-BE" dirty="0"/>
+              <a:t> </a:t>
+            </a:r>
+            <a:r>
+              <a:rPr lang="fr-BE" dirty="0" err="1"/>
+              <a:t>diagram</a:t>
+            </a:r>
+            <a:r>
+              <a:rPr lang="fr-BE" dirty="0"/>
+              <a:t> : 1 / 2 of </a:t>
+            </a:r>
+            <a:r>
+              <a:rPr lang="fr-BE" dirty="0" err="1"/>
+              <a:t>own</a:t>
+            </a:r>
+            <a:endParaRPr lang="fr-BE" dirty="0"/>
+          </a:p>
+        </p:txBody>
+      </p:sp>
+      <p:sp>
+        <p:nvSpPr>
+          <p:cNvPr id="4" name="ZoneTexte 3">
+            <a:extLst>
+              <a:ext uri="{FF2B5EF4-FFF2-40B4-BE49-F238E27FC236}">
+                <a16:creationId xmlns:a16="http://schemas.microsoft.com/office/drawing/2014/main" id="{7A3D59C9-36E8-4C7B-A84E-B2CB6EB8DC6C}"/>
+              </a:ext>
+            </a:extLst>
+          </p:cNvPr>
+          <p:cNvSpPr txBox="1"/>
+          <p:nvPr/>
+        </p:nvSpPr>
+        <p:spPr>
+          <a:xfrm>
+            <a:off x="1899821" y="2127111"/>
+            <a:ext cx="482824" cy="369332"/>
+          </a:xfrm>
+          <a:prstGeom prst="rect">
+            <a:avLst/>
+          </a:prstGeom>
+          <a:noFill/>
+        </p:spPr>
+        <p:txBody>
+          <a:bodyPr wrap="none" rtlCol="0">
+            <a:spAutoFit/>
+          </a:bodyPr>
+          <a:lstStyle/>
+          <a:p>
+            <a:r>
+              <a:rPr lang="fr-BE" dirty="0"/>
+              <a:t>(1)</a:t>
+            </a:r>
+          </a:p>
+        </p:txBody>
+      </p:sp>
+      <p:sp>
+        <p:nvSpPr>
+          <p:cNvPr id="7" name="ZoneTexte 6">
+            <a:extLst>
+              <a:ext uri="{FF2B5EF4-FFF2-40B4-BE49-F238E27FC236}">
+                <a16:creationId xmlns:a16="http://schemas.microsoft.com/office/drawing/2014/main" id="{7D9D5C4D-6B54-42CB-A646-5AEEE94A876E}"/>
+              </a:ext>
+            </a:extLst>
+          </p:cNvPr>
+          <p:cNvSpPr txBox="1"/>
+          <p:nvPr/>
+        </p:nvSpPr>
+        <p:spPr>
+          <a:xfrm>
+            <a:off x="10644326" y="807868"/>
+            <a:ext cx="300082" cy="369332"/>
+          </a:xfrm>
+          <a:prstGeom prst="rect">
+            <a:avLst/>
+          </a:prstGeom>
+          <a:noFill/>
+        </p:spPr>
+        <p:txBody>
+          <a:bodyPr wrap="none" rtlCol="0">
+            <a:spAutoFit/>
+          </a:bodyPr>
+          <a:lstStyle/>
+          <a:p>
+            <a:r>
+              <a:rPr lang="fr-BE" dirty="0"/>
+              <a:t>S</a:t>
+            </a:r>
+          </a:p>
+        </p:txBody>
+      </p:sp>
+      <p:pic>
+        <p:nvPicPr>
+          <p:cNvPr id="5" name="Image 4">
+            <a:extLst>
+              <a:ext uri="{FF2B5EF4-FFF2-40B4-BE49-F238E27FC236}">
+                <a16:creationId xmlns:a16="http://schemas.microsoft.com/office/drawing/2014/main" id="{4E5F86B7-D27D-4AF6-A8F8-45C135FDB082}"/>
+              </a:ext>
+            </a:extLst>
+          </p:cNvPr>
+          <p:cNvPicPr/>
+          <p:nvPr/>
+        </p:nvPicPr>
+        <p:blipFill>
+          <a:blip r:embed="rId2"/>
+          <a:stretch>
+            <a:fillRect/>
+          </a:stretch>
+        </p:blipFill>
+        <p:spPr>
+          <a:xfrm>
+            <a:off x="1422400" y="2496444"/>
+            <a:ext cx="10020300" cy="4005956"/>
+          </a:xfrm>
+          <a:prstGeom prst="rect">
+            <a:avLst/>
+          </a:prstGeom>
+        </p:spPr>
+      </p:pic>
+    </p:spTree>
+    <p:extLst>
+      <p:ext uri="{BB962C8B-B14F-4D97-AF65-F5344CB8AC3E}">
+        <p14:creationId xmlns:p14="http://schemas.microsoft.com/office/powerpoint/2010/main" val="3373644988"/>
+      </p:ext>
+    </p:extLst>
+  </p:cSld>
+  <p:clrMapOvr>
+    <a:masterClrMapping/>
+  </p:clrMapOvr>
+</p:sld>
+</file>
+
+<file path=ppt/slides/slide13.xml><?xml version="1.0" encoding="utf-8"?>
+<p:sld xmlns:a="http://schemas.openxmlformats.org/drawingml/2006/main" xmlns:r="http://schemas.openxmlformats.org/officeDocument/2006/relationships" xmlns:p="http://schemas.openxmlformats.org/presentationml/2006/main">
+  <p:cSld>
+    <p:spTree>
+      <p:nvGrpSpPr>
+        <p:cNvPr id="1" name=""/>
+        <p:cNvGrpSpPr/>
+        <p:nvPr/>
+      </p:nvGrpSpPr>
+      <p:grpSpPr>
+        <a:xfrm>
+          <a:off x="0" y="0"/>
+          <a:ext cx="0" cy="0"/>
+          <a:chOff x="0" y="0"/>
+          <a:chExt cx="0" cy="0"/>
+        </a:xfrm>
+      </p:grpSpPr>
+      <p:sp>
+        <p:nvSpPr>
+          <p:cNvPr id="2" name="Titre 1">
+            <a:extLst>
+              <a:ext uri="{FF2B5EF4-FFF2-40B4-BE49-F238E27FC236}">
+                <a16:creationId xmlns:a16="http://schemas.microsoft.com/office/drawing/2014/main" id="{C679060A-ACEF-4364-95C0-3BEEED1DD843}"/>
+              </a:ext>
+            </a:extLst>
+          </p:cNvPr>
+          <p:cNvSpPr>
+            <a:spLocks noGrp="1"/>
+          </p:cNvSpPr>
+          <p:nvPr>
+            <p:ph type="title"/>
+          </p:nvPr>
+        </p:nvSpPr>
+        <p:spPr/>
+        <p:txBody>
+          <a:bodyPr/>
+          <a:lstStyle/>
+          <a:p>
+            <a:r>
+              <a:rPr lang="fr-BE" dirty="0" err="1"/>
+              <a:t>Sequence</a:t>
+            </a:r>
+            <a:r>
+              <a:rPr lang="fr-BE" dirty="0"/>
+              <a:t> </a:t>
+            </a:r>
+            <a:r>
+              <a:rPr lang="fr-BE" dirty="0" err="1"/>
+              <a:t>diagram</a:t>
+            </a:r>
+            <a:r>
+              <a:rPr lang="fr-BE" dirty="0"/>
+              <a:t> : 2 / 2 of </a:t>
+            </a:r>
+            <a:r>
+              <a:rPr lang="fr-BE" dirty="0" err="1"/>
+              <a:t>own</a:t>
+            </a:r>
+            <a:endParaRPr lang="fr-BE" dirty="0"/>
+          </a:p>
+        </p:txBody>
+      </p:sp>
+      <p:sp>
+        <p:nvSpPr>
+          <p:cNvPr id="5" name="ZoneTexte 4">
+            <a:extLst>
+              <a:ext uri="{FF2B5EF4-FFF2-40B4-BE49-F238E27FC236}">
+                <a16:creationId xmlns:a16="http://schemas.microsoft.com/office/drawing/2014/main" id="{20521FC0-7753-4D7C-85CD-16E10AF567BA}"/>
+              </a:ext>
+            </a:extLst>
+          </p:cNvPr>
+          <p:cNvSpPr txBox="1"/>
+          <p:nvPr/>
+        </p:nvSpPr>
+        <p:spPr>
+          <a:xfrm>
+            <a:off x="0" y="1070363"/>
+            <a:ext cx="482824" cy="369332"/>
+          </a:xfrm>
+          <a:prstGeom prst="rect">
+            <a:avLst/>
+          </a:prstGeom>
+          <a:noFill/>
+        </p:spPr>
+        <p:txBody>
+          <a:bodyPr wrap="none" rtlCol="0">
+            <a:spAutoFit/>
+          </a:bodyPr>
+          <a:lstStyle/>
+          <a:p>
+            <a:r>
+              <a:rPr lang="fr-BE" dirty="0"/>
+              <a:t>(2)</a:t>
+            </a:r>
+          </a:p>
+        </p:txBody>
+      </p:sp>
+      <p:sp>
+        <p:nvSpPr>
+          <p:cNvPr id="6" name="ZoneTexte 5">
+            <a:extLst>
+              <a:ext uri="{FF2B5EF4-FFF2-40B4-BE49-F238E27FC236}">
+                <a16:creationId xmlns:a16="http://schemas.microsoft.com/office/drawing/2014/main" id="{7AD33E6F-0E05-4A70-889D-B4EAD6E35EAF}"/>
+              </a:ext>
+            </a:extLst>
+          </p:cNvPr>
+          <p:cNvSpPr txBox="1"/>
+          <p:nvPr/>
+        </p:nvSpPr>
+        <p:spPr>
+          <a:xfrm>
+            <a:off x="10617693" y="798990"/>
+            <a:ext cx="356188" cy="646331"/>
+          </a:xfrm>
+          <a:prstGeom prst="rect">
+            <a:avLst/>
+          </a:prstGeom>
+          <a:noFill/>
+        </p:spPr>
+        <p:txBody>
+          <a:bodyPr wrap="none" rtlCol="0">
+            <a:spAutoFit/>
+          </a:bodyPr>
+          <a:lstStyle/>
+          <a:p>
+            <a:r>
+              <a:rPr lang="fr-BE" dirty="0"/>
+              <a:t>A</a:t>
+            </a:r>
+          </a:p>
+          <a:p>
+            <a:endParaRPr lang="fr-BE" dirty="0"/>
+          </a:p>
+        </p:txBody>
+      </p:sp>
+      <p:pic>
+        <p:nvPicPr>
+          <p:cNvPr id="7" name="Image 6">
+            <a:extLst>
+              <a:ext uri="{FF2B5EF4-FFF2-40B4-BE49-F238E27FC236}">
+                <a16:creationId xmlns:a16="http://schemas.microsoft.com/office/drawing/2014/main" id="{52135E6F-17C2-45C0-9219-F48E456BE6C9}"/>
+              </a:ext>
+            </a:extLst>
+          </p:cNvPr>
+          <p:cNvPicPr/>
+          <p:nvPr/>
+        </p:nvPicPr>
+        <p:blipFill>
+          <a:blip r:embed="rId2">
+            <a:extLst>
+              <a:ext uri="{28A0092B-C50C-407E-A947-70E740481C1C}">
+                <a14:useLocalDpi xmlns:a14="http://schemas.microsoft.com/office/drawing/2010/main" val="0"/>
+              </a:ext>
+            </a:extLst>
+          </a:blip>
+          <a:stretch>
+            <a:fillRect/>
+          </a:stretch>
+        </p:blipFill>
+        <p:spPr>
+          <a:xfrm>
+            <a:off x="0" y="1680634"/>
+            <a:ext cx="12191999" cy="5177368"/>
+          </a:xfrm>
+          <a:prstGeom prst="rect">
+            <a:avLst/>
+          </a:prstGeom>
+        </p:spPr>
+      </p:pic>
+    </p:spTree>
+    <p:extLst>
+      <p:ext uri="{BB962C8B-B14F-4D97-AF65-F5344CB8AC3E}">
+        <p14:creationId xmlns:p14="http://schemas.microsoft.com/office/powerpoint/2010/main" val="4256167585"/>
+      </p:ext>
+    </p:extLst>
+  </p:cSld>
+  <p:clrMapOvr>
+    <a:masterClrMapping/>
+  </p:clrMapOvr>
+</p:sld>
+</file>
+
+<file path=ppt/slides/slide14.xml><?xml version="1.0" encoding="utf-8"?>
+<p:sld xmlns:a="http://schemas.openxmlformats.org/drawingml/2006/main" xmlns:r="http://schemas.openxmlformats.org/officeDocument/2006/relationships" xmlns:p="http://schemas.openxmlformats.org/presentationml/2006/main">
+  <p:cSld>
+    <p:spTree>
+      <p:nvGrpSpPr>
+        <p:cNvPr id="1" name=""/>
+        <p:cNvGrpSpPr/>
+        <p:nvPr/>
+      </p:nvGrpSpPr>
+      <p:grpSpPr>
+        <a:xfrm>
+          <a:off x="0" y="0"/>
+          <a:ext cx="0" cy="0"/>
+          <a:chOff x="0" y="0"/>
+          <a:chExt cx="0" cy="0"/>
+        </a:xfrm>
+      </p:grpSpPr>
+      <p:sp>
+        <p:nvSpPr>
+          <p:cNvPr id="2" name="Titre 1">
+            <a:extLst>
+              <a:ext uri="{FF2B5EF4-FFF2-40B4-BE49-F238E27FC236}">
+                <a16:creationId xmlns:a16="http://schemas.microsoft.com/office/drawing/2014/main" id="{2C7B627A-25C4-40AB-9596-061CD6D86698}"/>
+              </a:ext>
+            </a:extLst>
+          </p:cNvPr>
+          <p:cNvSpPr>
+            <a:spLocks noGrp="1"/>
+          </p:cNvSpPr>
+          <p:nvPr>
+            <p:ph type="title"/>
+          </p:nvPr>
+        </p:nvSpPr>
+        <p:spPr/>
+        <p:txBody>
+          <a:bodyPr/>
+          <a:lstStyle/>
+          <a:p>
+            <a:r>
+              <a:rPr lang="fr-BE" dirty="0" err="1"/>
+              <a:t>Demo</a:t>
+            </a:r>
+            <a:endParaRPr lang="fr-BE" dirty="0"/>
+          </a:p>
+        </p:txBody>
+      </p:sp>
+      <p:sp>
+        <p:nvSpPr>
+          <p:cNvPr id="4" name="ZoneTexte 3">
+            <a:extLst>
+              <a:ext uri="{FF2B5EF4-FFF2-40B4-BE49-F238E27FC236}">
+                <a16:creationId xmlns:a16="http://schemas.microsoft.com/office/drawing/2014/main" id="{595FF135-A94F-4B1F-98DC-7D2C758C8D24}"/>
+              </a:ext>
+            </a:extLst>
+          </p:cNvPr>
+          <p:cNvSpPr txBox="1"/>
+          <p:nvPr/>
+        </p:nvSpPr>
+        <p:spPr>
+          <a:xfrm>
+            <a:off x="4660776" y="3429000"/>
+            <a:ext cx="2204450" cy="369332"/>
+          </a:xfrm>
+          <a:prstGeom prst="rect">
+            <a:avLst/>
+          </a:prstGeom>
+          <a:noFill/>
+        </p:spPr>
+        <p:txBody>
+          <a:bodyPr wrap="none" rtlCol="0">
+            <a:spAutoFit/>
+          </a:bodyPr>
+          <a:lstStyle/>
+          <a:p>
+            <a:r>
+              <a:rPr lang="fr-BE" dirty="0"/>
+              <a:t>Run ASP_PROJECT</a:t>
+            </a:r>
+          </a:p>
+        </p:txBody>
+      </p:sp>
+      <p:sp>
+        <p:nvSpPr>
+          <p:cNvPr id="5" name="ZoneTexte 4">
+            <a:extLst>
+              <a:ext uri="{FF2B5EF4-FFF2-40B4-BE49-F238E27FC236}">
+                <a16:creationId xmlns:a16="http://schemas.microsoft.com/office/drawing/2014/main" id="{FE2EB265-1B31-47B6-A8EA-75E3B567BBA4}"/>
+              </a:ext>
+            </a:extLst>
+          </p:cNvPr>
+          <p:cNvSpPr txBox="1"/>
+          <p:nvPr/>
+        </p:nvSpPr>
+        <p:spPr>
+          <a:xfrm>
+            <a:off x="10573305" y="834501"/>
+            <a:ext cx="45719" cy="369332"/>
+          </a:xfrm>
+          <a:prstGeom prst="rect">
+            <a:avLst/>
+          </a:prstGeom>
+          <a:noFill/>
+        </p:spPr>
+        <p:txBody>
+          <a:bodyPr wrap="square" rtlCol="0">
+            <a:spAutoFit/>
+          </a:bodyPr>
+          <a:lstStyle/>
+          <a:p>
+            <a:r>
+              <a:rPr lang="fr-BE" dirty="0"/>
+              <a:t>S</a:t>
+            </a:r>
+          </a:p>
+        </p:txBody>
+      </p:sp>
+    </p:spTree>
+    <p:extLst>
+      <p:ext uri="{BB962C8B-B14F-4D97-AF65-F5344CB8AC3E}">
+        <p14:creationId xmlns:p14="http://schemas.microsoft.com/office/powerpoint/2010/main" val="935520540"/>
+      </p:ext>
+    </p:extLst>
+  </p:cSld>
+  <p:clrMapOvr>
+    <a:masterClrMapping/>
+  </p:clrMapOvr>
+</p:sld>
+</file>
+
+<file path=ppt/slides/slide15.xml><?xml version="1.0" encoding="utf-8"?>
+<p:sld xmlns:a="http://schemas.openxmlformats.org/drawingml/2006/main" xmlns:r="http://schemas.openxmlformats.org/officeDocument/2006/relationships" xmlns:p="http://schemas.openxmlformats.org/presentationml/2006/main">
+  <p:cSld>
+    <p:spTree>
+      <p:nvGrpSpPr>
+        <p:cNvPr id="1" name=""/>
+        <p:cNvGrpSpPr/>
+        <p:nvPr/>
+      </p:nvGrpSpPr>
+      <p:grpSpPr>
+        <a:xfrm>
+          <a:off x="0" y="0"/>
+          <a:ext cx="0" cy="0"/>
+          <a:chOff x="0" y="0"/>
+          <a:chExt cx="0" cy="0"/>
+        </a:xfrm>
+      </p:grpSpPr>
+      <p:sp>
+        <p:nvSpPr>
+          <p:cNvPr id="2" name="Titre 1">
+            <a:extLst>
+              <a:ext uri="{FF2B5EF4-FFF2-40B4-BE49-F238E27FC236}">
+                <a16:creationId xmlns:a16="http://schemas.microsoft.com/office/drawing/2014/main" id="{8A5B5AAE-794D-4903-AAB1-57951FC28D08}"/>
+              </a:ext>
+            </a:extLst>
+          </p:cNvPr>
+          <p:cNvSpPr>
+            <a:spLocks noGrp="1"/>
+          </p:cNvSpPr>
+          <p:nvPr>
+            <p:ph type="title"/>
+          </p:nvPr>
+        </p:nvSpPr>
+        <p:spPr/>
+        <p:txBody>
+          <a:bodyPr/>
+          <a:lstStyle/>
+          <a:p>
+            <a:r>
+              <a:rPr lang="fr-BE" dirty="0"/>
+              <a:t>Conclusion</a:t>
+            </a:r>
+          </a:p>
+        </p:txBody>
+      </p:sp>
+      <p:sp>
+        <p:nvSpPr>
+          <p:cNvPr id="3" name="Espace réservé du contenu 2">
+            <a:extLst>
+              <a:ext uri="{FF2B5EF4-FFF2-40B4-BE49-F238E27FC236}">
+                <a16:creationId xmlns:a16="http://schemas.microsoft.com/office/drawing/2014/main" id="{E4AC0365-2313-487D-A629-FC2C8B0B9355}"/>
+              </a:ext>
+            </a:extLst>
+          </p:cNvPr>
+          <p:cNvSpPr>
+            <a:spLocks noGrp="1"/>
+          </p:cNvSpPr>
+          <p:nvPr>
+            <p:ph idx="1"/>
+          </p:nvPr>
+        </p:nvSpPr>
+        <p:spPr/>
+        <p:txBody>
+          <a:bodyPr>
+            <a:normAutofit fontScale="85000" lnSpcReduction="20000"/>
+          </a:bodyPr>
+          <a:lstStyle/>
+          <a:p>
+            <a:r>
+              <a:rPr lang="fr-BE" dirty="0"/>
+              <a:t>Simon</a:t>
+            </a:r>
+          </a:p>
+          <a:p>
+            <a:pPr lvl="1"/>
+            <a:r>
+              <a:rPr lang="fr-BE" dirty="0" err="1"/>
+              <a:t>Difficulties</a:t>
+            </a:r>
+            <a:r>
+              <a:rPr lang="fr-BE" dirty="0"/>
+              <a:t> to do the </a:t>
+            </a:r>
+            <a:r>
+              <a:rPr lang="fr-BE" dirty="0" err="1"/>
+              <a:t>diagrams</a:t>
+            </a:r>
+            <a:r>
+              <a:rPr lang="fr-BE" dirty="0"/>
+              <a:t> </a:t>
+            </a:r>
+          </a:p>
+          <a:p>
+            <a:pPr lvl="1"/>
+            <a:r>
+              <a:rPr lang="fr-BE" dirty="0" err="1"/>
+              <a:t>Interresting</a:t>
+            </a:r>
+            <a:r>
+              <a:rPr lang="fr-BE" dirty="0"/>
+              <a:t> </a:t>
+            </a:r>
+            <a:r>
+              <a:rPr lang="fr-BE" dirty="0" err="1"/>
+              <a:t>project</a:t>
+            </a:r>
+            <a:r>
+              <a:rPr lang="fr-BE" dirty="0"/>
+              <a:t> </a:t>
+            </a:r>
+          </a:p>
+          <a:p>
+            <a:endParaRPr lang="fr-BE" dirty="0"/>
+          </a:p>
+          <a:p>
+            <a:pPr marL="0" indent="0">
+              <a:buNone/>
+            </a:pPr>
+            <a:endParaRPr lang="fr-BE" dirty="0"/>
+          </a:p>
+          <a:p>
+            <a:r>
+              <a:rPr lang="fr-BE" dirty="0"/>
+              <a:t>Amandine</a:t>
+            </a:r>
+          </a:p>
+          <a:p>
+            <a:pPr lvl="1"/>
+            <a:r>
+              <a:rPr lang="en-US" dirty="0"/>
+              <a:t>Difficult to grasp the object concepts;</a:t>
+            </a:r>
+            <a:endParaRPr lang="fr-BE" dirty="0"/>
+          </a:p>
+          <a:p>
+            <a:pPr lvl="1"/>
+            <a:r>
+              <a:rPr lang="fr-BE" dirty="0" err="1"/>
+              <a:t>Handles</a:t>
+            </a:r>
+            <a:r>
+              <a:rPr lang="fr-BE" dirty="0"/>
+              <a:t> pressure </a:t>
+            </a:r>
+            <a:r>
+              <a:rPr lang="fr-BE" dirty="0" err="1"/>
+              <a:t>badly</a:t>
+            </a:r>
+            <a:r>
+              <a:rPr lang="fr-BE" dirty="0"/>
+              <a:t>;</a:t>
+            </a:r>
+          </a:p>
+          <a:p>
+            <a:pPr lvl="1"/>
+            <a:r>
+              <a:rPr lang="en-US" dirty="0"/>
+              <a:t>we had a good communication;</a:t>
+            </a:r>
+          </a:p>
+          <a:p>
+            <a:pPr lvl="1"/>
+            <a:r>
+              <a:rPr lang="en-US" dirty="0"/>
+              <a:t>I wanted to pass the project for August =&gt; discouraged</a:t>
+            </a:r>
+            <a:endParaRPr lang="fr-BE" dirty="0"/>
+          </a:p>
+          <a:p>
+            <a:pPr marL="0" indent="0">
+              <a:buNone/>
+            </a:pPr>
+            <a:r>
+              <a:rPr lang="fr-BE" dirty="0"/>
+              <a:t>	</a:t>
+            </a:r>
+          </a:p>
+        </p:txBody>
+      </p:sp>
+      <p:sp>
+        <p:nvSpPr>
+          <p:cNvPr id="4" name="ZoneTexte 3">
+            <a:extLst>
+              <a:ext uri="{FF2B5EF4-FFF2-40B4-BE49-F238E27FC236}">
+                <a16:creationId xmlns:a16="http://schemas.microsoft.com/office/drawing/2014/main" id="{F2F00C46-39CF-4C3D-A44C-4C8AB9120CD9}"/>
+              </a:ext>
+            </a:extLst>
+          </p:cNvPr>
+          <p:cNvSpPr txBox="1"/>
+          <p:nvPr/>
+        </p:nvSpPr>
+        <p:spPr>
+          <a:xfrm>
+            <a:off x="10502283" y="736847"/>
+            <a:ext cx="572593" cy="646331"/>
+          </a:xfrm>
+          <a:prstGeom prst="rect">
+            <a:avLst/>
+          </a:prstGeom>
+          <a:noFill/>
+        </p:spPr>
+        <p:txBody>
+          <a:bodyPr wrap="none" rtlCol="0">
+            <a:spAutoFit/>
+          </a:bodyPr>
+          <a:lstStyle/>
+          <a:p>
+            <a:r>
+              <a:rPr lang="fr-BE" dirty="0"/>
+              <a:t>S/A</a:t>
+            </a:r>
+          </a:p>
+          <a:p>
+            <a:endParaRPr lang="fr-BE" dirty="0"/>
+          </a:p>
+        </p:txBody>
+      </p:sp>
+    </p:spTree>
+    <p:extLst>
+      <p:ext uri="{BB962C8B-B14F-4D97-AF65-F5344CB8AC3E}">
+        <p14:creationId xmlns:p14="http://schemas.microsoft.com/office/powerpoint/2010/main" val="1445802074"/>
+      </p:ext>
+    </p:extLst>
+  </p:cSld>
+  <p:clrMapOvr>
+    <a:masterClrMapping/>
+  </p:clrMapOvr>
+</p:sld>
+</file>
+
+<file path=ppt/slides/slide2.xml><?xml version="1.0" encoding="utf-8"?>
+<p:sld xmlns:a="http://schemas.openxmlformats.org/drawingml/2006/main" xmlns:r="http://schemas.openxmlformats.org/officeDocument/2006/relationships" xmlns:p="http://schemas.openxmlformats.org/presentationml/2006/main">
+  <p:cSld>
+    <p:spTree>
+      <p:nvGrpSpPr>
+        <p:cNvPr id="1" name=""/>
+        <p:cNvGrpSpPr/>
+        <p:nvPr/>
+      </p:nvGrpSpPr>
+      <p:grpSpPr>
+        <a:xfrm>
+          <a:off x="0" y="0"/>
+          <a:ext cx="0" cy="0"/>
+          <a:chOff x="0" y="0"/>
+          <a:chExt cx="0" cy="0"/>
+        </a:xfrm>
+      </p:grpSpPr>
+      <p:sp>
+        <p:nvSpPr>
+          <p:cNvPr id="2" name="Titre 1">
+            <a:extLst>
+              <a:ext uri="{FF2B5EF4-FFF2-40B4-BE49-F238E27FC236}">
+                <a16:creationId xmlns:a16="http://schemas.microsoft.com/office/drawing/2014/main" id="{2205B415-AACF-45EC-9129-7B44C1C9971F}"/>
+              </a:ext>
+            </a:extLst>
+          </p:cNvPr>
+          <p:cNvSpPr>
+            <a:spLocks noGrp="1"/>
+          </p:cNvSpPr>
+          <p:nvPr>
+            <p:ph type="title"/>
+          </p:nvPr>
+        </p:nvSpPr>
+        <p:spPr/>
+        <p:txBody>
+          <a:bodyPr/>
+          <a:lstStyle/>
+          <a:p>
+            <a:r>
+              <a:rPr lang="fr-BE" dirty="0"/>
+              <a:t>							</a:t>
+            </a:r>
+            <a:r>
+              <a:rPr lang="fr-BE" dirty="0" err="1"/>
+              <a:t>Statement</a:t>
+            </a:r>
+            <a:endParaRPr lang="fr-BE" dirty="0"/>
+          </a:p>
+        </p:txBody>
+      </p:sp>
+      <p:sp>
+        <p:nvSpPr>
+          <p:cNvPr id="3" name="Espace réservé du contenu 2">
+            <a:extLst>
+              <a:ext uri="{FF2B5EF4-FFF2-40B4-BE49-F238E27FC236}">
+                <a16:creationId xmlns:a16="http://schemas.microsoft.com/office/drawing/2014/main" id="{BFB58BB0-1408-4FCE-85A6-DB8C76A4BE47}"/>
+              </a:ext>
+            </a:extLst>
+          </p:cNvPr>
+          <p:cNvSpPr>
+            <a:spLocks noGrp="1"/>
+          </p:cNvSpPr>
+          <p:nvPr>
+            <p:ph idx="1"/>
+          </p:nvPr>
+        </p:nvSpPr>
+        <p:spPr/>
+        <p:txBody>
+          <a:bodyPr/>
+          <a:lstStyle/>
+          <a:p>
+            <a:r>
+              <a:rPr lang="en-US" dirty="0"/>
+              <a:t>Create a web platform to enable a take-away system</a:t>
+            </a:r>
+          </a:p>
+          <a:p>
+            <a:pPr lvl="1"/>
+            <a:r>
+              <a:rPr lang="fr-BE" dirty="0" err="1"/>
+              <a:t>Concerns</a:t>
+            </a:r>
+            <a:r>
+              <a:rPr lang="fr-BE" dirty="0"/>
+              <a:t> </a:t>
+            </a:r>
+            <a:r>
+              <a:rPr lang="fr-BE" dirty="0" err="1"/>
+              <a:t>several</a:t>
+            </a:r>
+            <a:r>
+              <a:rPr lang="fr-BE" dirty="0"/>
+              <a:t> restaurants;</a:t>
+            </a:r>
+            <a:endParaRPr lang="en-US" dirty="0"/>
+          </a:p>
+          <a:p>
+            <a:pPr lvl="1"/>
+            <a:r>
+              <a:rPr lang="en-US" dirty="0"/>
+              <a:t>A restaurant owner lists his restaurant menus and dishes;</a:t>
+            </a:r>
+          </a:p>
+          <a:p>
+            <a:pPr lvl="1"/>
+            <a:r>
+              <a:rPr lang="fr-BE" dirty="0"/>
+              <a:t>Home </a:t>
+            </a:r>
+            <a:r>
+              <a:rPr lang="fr-BE" dirty="0" err="1"/>
+              <a:t>delivery</a:t>
+            </a:r>
+            <a:r>
+              <a:rPr lang="fr-BE" dirty="0"/>
+              <a:t> possible;</a:t>
+            </a:r>
+          </a:p>
+          <a:p>
+            <a:pPr lvl="1"/>
+            <a:r>
+              <a:rPr lang="en-US" dirty="0"/>
+              <a:t>The customer can create an account</a:t>
+            </a:r>
+          </a:p>
+          <a:p>
+            <a:pPr lvl="1"/>
+            <a:r>
+              <a:rPr lang="en-US" dirty="0"/>
+              <a:t>The connected customer can order</a:t>
+            </a:r>
+          </a:p>
+          <a:p>
+            <a:pPr lvl="1"/>
+            <a:r>
+              <a:rPr lang="en-US" dirty="0"/>
+              <a:t>A visitor can consult the menus without authenticating himself</a:t>
+            </a:r>
+            <a:endParaRPr lang="fr-BE" dirty="0"/>
+          </a:p>
+        </p:txBody>
+      </p:sp>
+      <p:sp>
+        <p:nvSpPr>
+          <p:cNvPr id="5" name="ZoneTexte 4">
+            <a:extLst>
+              <a:ext uri="{FF2B5EF4-FFF2-40B4-BE49-F238E27FC236}">
+                <a16:creationId xmlns:a16="http://schemas.microsoft.com/office/drawing/2014/main" id="{18B1E351-BFA4-4CB1-B7B0-44DDDD56594D}"/>
+              </a:ext>
+            </a:extLst>
+          </p:cNvPr>
+          <p:cNvSpPr txBox="1"/>
+          <p:nvPr/>
+        </p:nvSpPr>
+        <p:spPr>
+          <a:xfrm>
+            <a:off x="10635449" y="781235"/>
+            <a:ext cx="356188" cy="369332"/>
+          </a:xfrm>
+          <a:prstGeom prst="rect">
+            <a:avLst/>
+          </a:prstGeom>
+          <a:noFill/>
+        </p:spPr>
+        <p:txBody>
+          <a:bodyPr wrap="none" rtlCol="0">
+            <a:spAutoFit/>
+          </a:bodyPr>
+          <a:lstStyle/>
+          <a:p>
+            <a:r>
+              <a:rPr lang="fr-BE" dirty="0"/>
+              <a:t>A</a:t>
+            </a:r>
+          </a:p>
+        </p:txBody>
+      </p:sp>
+    </p:spTree>
+    <p:extLst>
+      <p:ext uri="{BB962C8B-B14F-4D97-AF65-F5344CB8AC3E}">
+        <p14:creationId xmlns:p14="http://schemas.microsoft.com/office/powerpoint/2010/main" val="1815994280"/>
+      </p:ext>
+    </p:extLst>
+  </p:cSld>
+  <p:clrMapOvr>
+    <a:masterClrMapping/>
+  </p:clrMapOvr>
+</p:sld>
+</file>
+
+<file path=ppt/slides/slide3.xml><?xml version="1.0" encoding="utf-8"?>
+<p:sld xmlns:a="http://schemas.openxmlformats.org/drawingml/2006/main" xmlns:r="http://schemas.openxmlformats.org/officeDocument/2006/relationships" xmlns:p="http://schemas.openxmlformats.org/presentationml/2006/main">
+  <p:cSld>
+    <p:spTree>
+      <p:nvGrpSpPr>
+        <p:cNvPr id="1" name=""/>
+        <p:cNvGrpSpPr/>
+        <p:nvPr/>
+      </p:nvGrpSpPr>
+      <p:grpSpPr>
+        <a:xfrm>
+          <a:off x="0" y="0"/>
+          <a:ext cx="0" cy="0"/>
+          <a:chOff x="0" y="0"/>
+          <a:chExt cx="0" cy="0"/>
+        </a:xfrm>
+      </p:grpSpPr>
+      <p:sp>
+        <p:nvSpPr>
+          <p:cNvPr id="2" name="Titre 1">
+            <a:extLst>
+              <a:ext uri="{FF2B5EF4-FFF2-40B4-BE49-F238E27FC236}">
+                <a16:creationId xmlns:a16="http://schemas.microsoft.com/office/drawing/2014/main" id="{CEC09813-BE34-41F0-AEE3-9F9B869CF88D}"/>
+              </a:ext>
+            </a:extLst>
+          </p:cNvPr>
+          <p:cNvSpPr>
+            <a:spLocks noGrp="1"/>
+          </p:cNvSpPr>
+          <p:nvPr>
+            <p:ph type="title"/>
+          </p:nvPr>
+        </p:nvSpPr>
+        <p:spPr/>
+        <p:txBody>
+          <a:bodyPr/>
+          <a:lstStyle/>
+          <a:p>
+            <a:r>
+              <a:rPr lang="fr-BE" dirty="0"/>
+              <a:t>							</a:t>
+            </a:r>
+            <a:r>
+              <a:rPr lang="fr-BE" dirty="0" err="1"/>
+              <a:t>Analysis</a:t>
+            </a:r>
+            <a:endParaRPr lang="fr-BE" dirty="0"/>
+          </a:p>
+        </p:txBody>
+      </p:sp>
+      <p:sp>
+        <p:nvSpPr>
+          <p:cNvPr id="3" name="Espace réservé du contenu 2">
+            <a:extLst>
+              <a:ext uri="{FF2B5EF4-FFF2-40B4-BE49-F238E27FC236}">
+                <a16:creationId xmlns:a16="http://schemas.microsoft.com/office/drawing/2014/main" id="{2917C86A-B79D-46D8-817D-58913449C373}"/>
+              </a:ext>
+            </a:extLst>
+          </p:cNvPr>
+          <p:cNvSpPr>
+            <a:spLocks noGrp="1"/>
+          </p:cNvSpPr>
+          <p:nvPr>
+            <p:ph idx="1"/>
+          </p:nvPr>
+        </p:nvSpPr>
+        <p:spPr>
+          <a:xfrm>
+            <a:off x="1154954" y="2674521"/>
+            <a:ext cx="8825659" cy="3416300"/>
+          </a:xfrm>
+        </p:spPr>
+        <p:txBody>
+          <a:bodyPr>
+            <a:normAutofit fontScale="70000" lnSpcReduction="20000"/>
+          </a:bodyPr>
+          <a:lstStyle/>
+          <a:p>
+            <a:r>
+              <a:rPr lang="fr-BE" dirty="0" err="1"/>
+              <a:t>Thinking</a:t>
+            </a:r>
+            <a:r>
+              <a:rPr lang="fr-BE" dirty="0"/>
+              <a:t> </a:t>
+            </a:r>
+            <a:r>
+              <a:rPr lang="fr-BE" dirty="0" err="1"/>
+              <a:t>before</a:t>
+            </a:r>
+            <a:r>
+              <a:rPr lang="fr-BE" dirty="0"/>
+              <a:t> </a:t>
+            </a:r>
+            <a:r>
+              <a:rPr lang="fr-BE" dirty="0" err="1"/>
+              <a:t>you</a:t>
+            </a:r>
+            <a:r>
+              <a:rPr lang="fr-BE" dirty="0"/>
+              <a:t> program</a:t>
+            </a:r>
+          </a:p>
+          <a:p>
+            <a:pPr lvl="1"/>
+            <a:r>
+              <a:rPr lang="fr-BE" dirty="0" err="1"/>
+              <a:t>object-oriented</a:t>
+            </a:r>
+            <a:r>
+              <a:rPr lang="fr-BE" dirty="0"/>
+              <a:t> </a:t>
+            </a:r>
+            <a:r>
+              <a:rPr lang="fr-BE" dirty="0" err="1"/>
+              <a:t>language</a:t>
+            </a:r>
+            <a:r>
+              <a:rPr lang="fr-BE" dirty="0"/>
+              <a:t> </a:t>
+            </a:r>
+            <a:r>
+              <a:rPr lang="fr-BE" dirty="0" err="1"/>
+              <a:t>is</a:t>
+            </a:r>
+            <a:r>
+              <a:rPr lang="fr-BE" dirty="0"/>
+              <a:t> </a:t>
+            </a:r>
+            <a:r>
+              <a:rPr lang="fr-BE" dirty="0" err="1"/>
+              <a:t>complex</a:t>
+            </a:r>
+            <a:endParaRPr lang="fr-BE" dirty="0"/>
+          </a:p>
+          <a:p>
+            <a:endParaRPr lang="fr-BE" dirty="0"/>
+          </a:p>
+          <a:p>
+            <a:r>
+              <a:rPr lang="fr-BE" dirty="0" err="1"/>
+              <a:t>Define</a:t>
+            </a:r>
+            <a:r>
+              <a:rPr lang="fr-BE" dirty="0"/>
+              <a:t> the scope of </a:t>
+            </a:r>
+            <a:r>
+              <a:rPr lang="fr-BE" dirty="0" err="1"/>
+              <a:t>work</a:t>
+            </a:r>
+            <a:r>
+              <a:rPr lang="fr-BE" dirty="0"/>
+              <a:t> </a:t>
+            </a:r>
+            <a:r>
+              <a:rPr lang="fr-BE" dirty="0" err="1"/>
+              <a:t>with</a:t>
+            </a:r>
+            <a:r>
+              <a:rPr lang="fr-BE" dirty="0"/>
+              <a:t> the client </a:t>
+            </a:r>
+            <a:endParaRPr lang="fr-BE" dirty="0">
+              <a:sym typeface="Wingdings" panose="05000000000000000000" pitchFamily="2" charset="2"/>
+            </a:endParaRPr>
+          </a:p>
+          <a:p>
+            <a:pPr lvl="1"/>
+            <a:r>
+              <a:rPr lang="fr-BE" dirty="0">
+                <a:sym typeface="Wingdings" panose="05000000000000000000" pitchFamily="2" charset="2"/>
+              </a:rPr>
+              <a:t>COMMUNICATION ! </a:t>
+            </a:r>
+            <a:endParaRPr lang="fr-BE" dirty="0"/>
+          </a:p>
+          <a:p>
+            <a:endParaRPr lang="fr-BE" dirty="0"/>
+          </a:p>
+          <a:p>
+            <a:r>
+              <a:rPr lang="fr-BE" dirty="0" err="1"/>
+              <a:t>Whit</a:t>
+            </a:r>
+            <a:r>
+              <a:rPr lang="fr-BE" dirty="0"/>
+              <a:t> </a:t>
+            </a:r>
+            <a:r>
+              <a:rPr lang="fr-BE" dirty="0" err="1"/>
+              <a:t>what</a:t>
+            </a:r>
+            <a:r>
+              <a:rPr lang="fr-BE" dirty="0"/>
+              <a:t>?</a:t>
+            </a:r>
+          </a:p>
+          <a:p>
+            <a:pPr lvl="1"/>
+            <a:r>
+              <a:rPr lang="fr-BE" dirty="0"/>
+              <a:t>UML </a:t>
+            </a:r>
+            <a:r>
+              <a:rPr lang="fr-BE" dirty="0" err="1"/>
+              <a:t>language</a:t>
+            </a:r>
+            <a:endParaRPr lang="fr-BE" dirty="0"/>
+          </a:p>
+          <a:p>
+            <a:pPr lvl="2"/>
+            <a:r>
+              <a:rPr lang="fr-BE" dirty="0"/>
+              <a:t>Standard modeling </a:t>
+            </a:r>
+            <a:r>
+              <a:rPr lang="fr-BE" dirty="0" err="1"/>
+              <a:t>language</a:t>
+            </a:r>
+            <a:endParaRPr lang="fr-BE" dirty="0"/>
+          </a:p>
+          <a:p>
+            <a:pPr lvl="1"/>
+            <a:r>
+              <a:rPr lang="fr-BE" dirty="0"/>
+              <a:t>Diagram</a:t>
+            </a:r>
+          </a:p>
+          <a:p>
+            <a:pPr lvl="3"/>
+            <a:r>
+              <a:rPr lang="fr-BE" dirty="0"/>
+              <a:t>It </a:t>
+            </a:r>
+            <a:r>
+              <a:rPr lang="fr-BE" dirty="0" err="1"/>
+              <a:t>exists</a:t>
+            </a:r>
+            <a:r>
+              <a:rPr lang="fr-BE" dirty="0"/>
+              <a:t> </a:t>
+            </a:r>
+            <a:r>
+              <a:rPr lang="fr-BE" dirty="0" err="1"/>
+              <a:t>thirteen</a:t>
+            </a:r>
+            <a:r>
+              <a:rPr lang="fr-BE" dirty="0"/>
+              <a:t> </a:t>
+            </a:r>
+            <a:r>
+              <a:rPr lang="fr-BE" dirty="0" err="1"/>
+              <a:t>diagram</a:t>
+            </a:r>
+            <a:r>
+              <a:rPr lang="fr-BE" dirty="0"/>
+              <a:t>.</a:t>
+            </a:r>
+          </a:p>
+          <a:p>
+            <a:pPr lvl="3"/>
+            <a:r>
+              <a:rPr lang="fr-BE" dirty="0" err="1"/>
+              <a:t>Three</a:t>
+            </a:r>
+            <a:r>
+              <a:rPr lang="fr-BE" dirty="0"/>
+              <a:t> of </a:t>
+            </a:r>
+            <a:r>
+              <a:rPr lang="fr-BE" dirty="0" err="1"/>
+              <a:t>them</a:t>
+            </a:r>
+            <a:r>
+              <a:rPr lang="fr-BE" dirty="0"/>
+              <a:t> </a:t>
+            </a:r>
+          </a:p>
+          <a:p>
+            <a:pPr lvl="4"/>
+            <a:r>
+              <a:rPr lang="fr-BE" dirty="0"/>
+              <a:t> Use case </a:t>
+            </a:r>
+            <a:r>
+              <a:rPr lang="fr-BE" dirty="0" err="1"/>
+              <a:t>diagram</a:t>
+            </a:r>
+            <a:r>
+              <a:rPr lang="fr-BE" dirty="0"/>
+              <a:t>, class </a:t>
+            </a:r>
+            <a:r>
+              <a:rPr lang="fr-BE" dirty="0" err="1"/>
+              <a:t>diagram</a:t>
+            </a:r>
+            <a:r>
+              <a:rPr lang="fr-BE" dirty="0"/>
+              <a:t> and </a:t>
+            </a:r>
+            <a:r>
+              <a:rPr lang="fr-BE" dirty="0" err="1"/>
+              <a:t>sequence</a:t>
+            </a:r>
+            <a:r>
+              <a:rPr lang="fr-BE" dirty="0"/>
+              <a:t> </a:t>
+            </a:r>
+            <a:r>
+              <a:rPr lang="fr-BE" dirty="0" err="1"/>
+              <a:t>diagram</a:t>
+            </a:r>
+            <a:r>
+              <a:rPr lang="fr-BE" dirty="0"/>
+              <a:t>.</a:t>
+            </a:r>
+          </a:p>
+        </p:txBody>
+      </p:sp>
+      <p:sp>
+        <p:nvSpPr>
+          <p:cNvPr id="4" name="ZoneTexte 3">
+            <a:extLst>
+              <a:ext uri="{FF2B5EF4-FFF2-40B4-BE49-F238E27FC236}">
+                <a16:creationId xmlns:a16="http://schemas.microsoft.com/office/drawing/2014/main" id="{2B2B9D61-21D1-4F29-9CC9-DF3F16ED3493}"/>
+              </a:ext>
+            </a:extLst>
+          </p:cNvPr>
+          <p:cNvSpPr txBox="1"/>
+          <p:nvPr/>
+        </p:nvSpPr>
+        <p:spPr>
+          <a:xfrm>
+            <a:off x="10635449" y="656948"/>
+            <a:ext cx="356188" cy="369332"/>
+          </a:xfrm>
+          <a:prstGeom prst="rect">
+            <a:avLst/>
+          </a:prstGeom>
+          <a:noFill/>
+        </p:spPr>
+        <p:txBody>
+          <a:bodyPr wrap="none" rtlCol="0">
+            <a:spAutoFit/>
+          </a:bodyPr>
+          <a:lstStyle/>
+          <a:p>
+            <a:r>
+              <a:rPr lang="fr-BE" dirty="0"/>
+              <a:t>A</a:t>
+            </a:r>
+          </a:p>
+        </p:txBody>
+      </p:sp>
+    </p:spTree>
+    <p:extLst>
+      <p:ext uri="{BB962C8B-B14F-4D97-AF65-F5344CB8AC3E}">
+        <p14:creationId xmlns:p14="http://schemas.microsoft.com/office/powerpoint/2010/main" val="504438195"/>
+      </p:ext>
+    </p:extLst>
+  </p:cSld>
+  <p:clrMapOvr>
+    <a:masterClrMapping/>
+  </p:clrMapOvr>
+</p:sld>
+</file>
+
+<file path=ppt/slides/slide4.xml><?xml version="1.0" encoding="utf-8"?>
+<p:sld xmlns:a="http://schemas.openxmlformats.org/drawingml/2006/main" xmlns:r="http://schemas.openxmlformats.org/officeDocument/2006/relationships" xmlns:p="http://schemas.openxmlformats.org/presentationml/2006/main">
+  <p:cSld>
+    <p:spTree>
+      <p:nvGrpSpPr>
+        <p:cNvPr id="1" name=""/>
+        <p:cNvGrpSpPr/>
+        <p:nvPr/>
+      </p:nvGrpSpPr>
+      <p:grpSpPr>
+        <a:xfrm>
+          <a:off x="0" y="0"/>
+          <a:ext cx="0" cy="0"/>
+          <a:chOff x="0" y="0"/>
+          <a:chExt cx="0" cy="0"/>
+        </a:xfrm>
+      </p:grpSpPr>
+      <p:sp>
+        <p:nvSpPr>
+          <p:cNvPr id="2" name="Titre 1">
+            <a:extLst>
+              <a:ext uri="{FF2B5EF4-FFF2-40B4-BE49-F238E27FC236}">
+                <a16:creationId xmlns:a16="http://schemas.microsoft.com/office/drawing/2014/main" id="{E32F481D-CEC3-44F4-9A68-063ADD9D036E}"/>
+              </a:ext>
+            </a:extLst>
+          </p:cNvPr>
+          <p:cNvSpPr>
+            <a:spLocks noGrp="1"/>
+          </p:cNvSpPr>
+          <p:nvPr>
+            <p:ph type="title"/>
+          </p:nvPr>
+        </p:nvSpPr>
+        <p:spPr/>
+        <p:txBody>
+          <a:bodyPr/>
+          <a:lstStyle/>
+          <a:p>
+            <a:r>
+              <a:rPr lang="fr-BE" dirty="0"/>
+              <a:t>					Use case </a:t>
+            </a:r>
+            <a:r>
+              <a:rPr lang="fr-BE" dirty="0" err="1"/>
+              <a:t>diagram</a:t>
+            </a:r>
+            <a:r>
+              <a:rPr lang="fr-BE" dirty="0"/>
+              <a:t> : </a:t>
+            </a:r>
+            <a:r>
+              <a:rPr lang="fr-BE" dirty="0" err="1"/>
+              <a:t>theory</a:t>
+            </a:r>
+            <a:endParaRPr lang="fr-BE" dirty="0"/>
+          </a:p>
+        </p:txBody>
+      </p:sp>
+      <p:sp>
+        <p:nvSpPr>
+          <p:cNvPr id="3" name="Espace réservé du contenu 2">
+            <a:extLst>
+              <a:ext uri="{FF2B5EF4-FFF2-40B4-BE49-F238E27FC236}">
+                <a16:creationId xmlns:a16="http://schemas.microsoft.com/office/drawing/2014/main" id="{2BADA60C-DB64-4C9A-8824-655D24A38487}"/>
+              </a:ext>
+            </a:extLst>
+          </p:cNvPr>
+          <p:cNvSpPr>
+            <a:spLocks noGrp="1"/>
+          </p:cNvSpPr>
+          <p:nvPr>
+            <p:ph idx="1"/>
+          </p:nvPr>
+        </p:nvSpPr>
+        <p:spPr>
+          <a:xfrm>
+            <a:off x="869249" y="2025159"/>
+            <a:ext cx="8825659" cy="3416300"/>
+          </a:xfrm>
+        </p:spPr>
+        <p:txBody>
+          <a:bodyPr/>
+          <a:lstStyle/>
+          <a:p>
+            <a:r>
+              <a:rPr lang="fr-BE" dirty="0"/>
+              <a:t>For </a:t>
+            </a:r>
+            <a:r>
+              <a:rPr lang="fr-BE" dirty="0" err="1"/>
+              <a:t>what</a:t>
+            </a:r>
+            <a:r>
+              <a:rPr lang="fr-BE" dirty="0"/>
+              <a:t> </a:t>
+            </a:r>
+            <a:r>
+              <a:rPr lang="fr-BE" dirty="0" err="1"/>
+              <a:t>purpose</a:t>
+            </a:r>
+            <a:r>
+              <a:rPr lang="fr-BE" dirty="0"/>
+              <a:t>?</a:t>
+            </a:r>
+          </a:p>
+          <a:p>
+            <a:pPr lvl="1"/>
+            <a:r>
+              <a:rPr lang="fr-BE" dirty="0" err="1"/>
+              <a:t>Starting</a:t>
+            </a:r>
+            <a:r>
+              <a:rPr lang="fr-BE" dirty="0"/>
+              <a:t> point</a:t>
+            </a:r>
+          </a:p>
+          <a:p>
+            <a:pPr lvl="1"/>
+            <a:r>
+              <a:rPr lang="fr-BE" dirty="0" err="1"/>
+              <a:t>Presents</a:t>
+            </a:r>
+            <a:r>
+              <a:rPr lang="fr-BE" dirty="0"/>
+              <a:t> </a:t>
+            </a:r>
+            <a:r>
+              <a:rPr lang="fr-BE" dirty="0" err="1"/>
+              <a:t>clearly</a:t>
+            </a:r>
+            <a:r>
+              <a:rPr lang="fr-BE" dirty="0"/>
+              <a:t> the </a:t>
+            </a:r>
+            <a:r>
+              <a:rPr lang="fr-BE" dirty="0" err="1"/>
+              <a:t>features</a:t>
+            </a:r>
+            <a:r>
+              <a:rPr lang="fr-BE" dirty="0"/>
+              <a:t> to the </a:t>
+            </a:r>
+            <a:r>
+              <a:rPr lang="fr-BE" dirty="0" err="1"/>
+              <a:t>customer</a:t>
+            </a:r>
+            <a:endParaRPr lang="fr-BE" dirty="0"/>
+          </a:p>
+          <a:p>
+            <a:r>
+              <a:rPr lang="fr-BE" dirty="0"/>
+              <a:t>How </a:t>
+            </a:r>
+            <a:r>
+              <a:rPr lang="fr-BE" dirty="0" err="1"/>
+              <a:t>does</a:t>
+            </a:r>
+            <a:r>
+              <a:rPr lang="fr-BE" dirty="0"/>
+              <a:t> </a:t>
+            </a:r>
+            <a:r>
+              <a:rPr lang="fr-BE" dirty="0" err="1"/>
+              <a:t>it</a:t>
+            </a:r>
+            <a:r>
+              <a:rPr lang="fr-BE" dirty="0"/>
+              <a:t> </a:t>
+            </a:r>
+            <a:r>
+              <a:rPr lang="fr-BE" dirty="0" err="1"/>
+              <a:t>work</a:t>
+            </a:r>
+            <a:r>
+              <a:rPr lang="fr-BE" dirty="0"/>
+              <a:t> ?</a:t>
+            </a:r>
+          </a:p>
+          <a:p>
+            <a:pPr lvl="1"/>
+            <a:endParaRPr lang="fr-BE" dirty="0"/>
+          </a:p>
+        </p:txBody>
+      </p:sp>
+      <p:sp>
+        <p:nvSpPr>
+          <p:cNvPr id="6" name="ZoneTexte 5">
+            <a:extLst>
+              <a:ext uri="{FF2B5EF4-FFF2-40B4-BE49-F238E27FC236}">
+                <a16:creationId xmlns:a16="http://schemas.microsoft.com/office/drawing/2014/main" id="{BECFF55E-00F4-457F-A63E-0D5311AA920D}"/>
+              </a:ext>
+            </a:extLst>
+          </p:cNvPr>
+          <p:cNvSpPr txBox="1"/>
+          <p:nvPr/>
+        </p:nvSpPr>
+        <p:spPr>
+          <a:xfrm>
+            <a:off x="715960" y="3700163"/>
+            <a:ext cx="803425" cy="369332"/>
+          </a:xfrm>
+          <a:prstGeom prst="rect">
+            <a:avLst/>
+          </a:prstGeom>
+          <a:noFill/>
+        </p:spPr>
+        <p:txBody>
+          <a:bodyPr wrap="none" rtlCol="0">
+            <a:spAutoFit/>
+          </a:bodyPr>
+          <a:lstStyle/>
+          <a:p>
+            <a:r>
+              <a:rPr lang="fr-BE" dirty="0"/>
+              <a:t>Actor</a:t>
+            </a:r>
+          </a:p>
+        </p:txBody>
+      </p:sp>
+      <p:sp>
+        <p:nvSpPr>
+          <p:cNvPr id="7" name="ZoneTexte 6">
+            <a:extLst>
+              <a:ext uri="{FF2B5EF4-FFF2-40B4-BE49-F238E27FC236}">
+                <a16:creationId xmlns:a16="http://schemas.microsoft.com/office/drawing/2014/main" id="{CE0BD63F-9D1C-478E-9433-518003FA4F43}"/>
+              </a:ext>
+            </a:extLst>
+          </p:cNvPr>
+          <p:cNvSpPr txBox="1"/>
+          <p:nvPr/>
+        </p:nvSpPr>
+        <p:spPr>
+          <a:xfrm>
+            <a:off x="2902869" y="3708135"/>
+            <a:ext cx="958917" cy="369332"/>
+          </a:xfrm>
+          <a:prstGeom prst="rect">
+            <a:avLst/>
+          </a:prstGeom>
+          <a:noFill/>
+        </p:spPr>
+        <p:txBody>
+          <a:bodyPr wrap="none" rtlCol="0">
+            <a:spAutoFit/>
+          </a:bodyPr>
+          <a:lstStyle/>
+          <a:p>
+            <a:r>
+              <a:rPr lang="fr-BE" dirty="0"/>
+              <a:t>System</a:t>
+            </a:r>
+          </a:p>
+        </p:txBody>
+      </p:sp>
+      <p:sp>
+        <p:nvSpPr>
+          <p:cNvPr id="8" name="ZoneTexte 7">
+            <a:extLst>
+              <a:ext uri="{FF2B5EF4-FFF2-40B4-BE49-F238E27FC236}">
+                <a16:creationId xmlns:a16="http://schemas.microsoft.com/office/drawing/2014/main" id="{4F4309C7-3DD0-4852-9B54-451ADB67C0D1}"/>
+              </a:ext>
+            </a:extLst>
+          </p:cNvPr>
+          <p:cNvSpPr txBox="1"/>
+          <p:nvPr/>
+        </p:nvSpPr>
+        <p:spPr>
+          <a:xfrm>
+            <a:off x="5567783" y="3700163"/>
+            <a:ext cx="1186543" cy="369332"/>
+          </a:xfrm>
+          <a:prstGeom prst="rect">
+            <a:avLst/>
+          </a:prstGeom>
+          <a:noFill/>
+        </p:spPr>
+        <p:txBody>
+          <a:bodyPr wrap="none" rtlCol="0">
+            <a:spAutoFit/>
+          </a:bodyPr>
+          <a:lstStyle/>
+          <a:p>
+            <a:r>
+              <a:rPr lang="fr-BE" dirty="0"/>
+              <a:t>Use case</a:t>
+            </a:r>
+          </a:p>
+        </p:txBody>
+      </p:sp>
+      <p:pic>
+        <p:nvPicPr>
+          <p:cNvPr id="10" name="Image 9">
+            <a:extLst>
+              <a:ext uri="{FF2B5EF4-FFF2-40B4-BE49-F238E27FC236}">
+                <a16:creationId xmlns:a16="http://schemas.microsoft.com/office/drawing/2014/main" id="{6AF199E7-9E63-4963-8A69-587030FCCDDC}"/>
+              </a:ext>
+            </a:extLst>
+          </p:cNvPr>
+          <p:cNvPicPr>
+            <a:picLocks noChangeAspect="1"/>
+          </p:cNvPicPr>
+          <p:nvPr/>
+        </p:nvPicPr>
+        <p:blipFill>
+          <a:blip r:embed="rId3"/>
+          <a:stretch>
+            <a:fillRect/>
+          </a:stretch>
+        </p:blipFill>
+        <p:spPr>
+          <a:xfrm>
+            <a:off x="350911" y="4109440"/>
+            <a:ext cx="1533525" cy="1552575"/>
+          </a:xfrm>
+          <a:prstGeom prst="rect">
+            <a:avLst/>
+          </a:prstGeom>
+        </p:spPr>
+      </p:pic>
+      <p:sp>
+        <p:nvSpPr>
+          <p:cNvPr id="11" name="ZoneTexte 10">
+            <a:extLst>
+              <a:ext uri="{FF2B5EF4-FFF2-40B4-BE49-F238E27FC236}">
+                <a16:creationId xmlns:a16="http://schemas.microsoft.com/office/drawing/2014/main" id="{DAD62A20-B482-4DEF-92D1-170A325E8CE1}"/>
+              </a:ext>
+            </a:extLst>
+          </p:cNvPr>
+          <p:cNvSpPr txBox="1"/>
+          <p:nvPr/>
+        </p:nvSpPr>
+        <p:spPr>
+          <a:xfrm>
+            <a:off x="149048" y="5699013"/>
+            <a:ext cx="2303836" cy="523220"/>
+          </a:xfrm>
+          <a:prstGeom prst="rect">
+            <a:avLst/>
+          </a:prstGeom>
+          <a:noFill/>
+        </p:spPr>
+        <p:txBody>
+          <a:bodyPr wrap="none" rtlCol="0">
+            <a:spAutoFit/>
+          </a:bodyPr>
+          <a:lstStyle/>
+          <a:p>
+            <a:r>
+              <a:rPr lang="fr-BE" sz="1400" dirty="0"/>
+              <a:t>« </a:t>
+            </a:r>
+            <a:r>
+              <a:rPr lang="fr-BE" sz="1400" dirty="0" err="1"/>
+              <a:t>Who</a:t>
+            </a:r>
+            <a:r>
+              <a:rPr lang="fr-BE" sz="1400" dirty="0"/>
+              <a:t> use the system ? »</a:t>
+            </a:r>
+          </a:p>
+          <a:p>
+            <a:r>
+              <a:rPr lang="fr-BE" sz="1400" dirty="0"/>
+              <a:t>Not </a:t>
+            </a:r>
+            <a:r>
+              <a:rPr lang="fr-BE" sz="1400" dirty="0" err="1"/>
+              <a:t>always</a:t>
+            </a:r>
+            <a:r>
+              <a:rPr lang="fr-BE" sz="1400" dirty="0"/>
+              <a:t> humain !</a:t>
+            </a:r>
+          </a:p>
+        </p:txBody>
+      </p:sp>
+      <p:pic>
+        <p:nvPicPr>
+          <p:cNvPr id="13" name="Image 12">
+            <a:extLst>
+              <a:ext uri="{FF2B5EF4-FFF2-40B4-BE49-F238E27FC236}">
+                <a16:creationId xmlns:a16="http://schemas.microsoft.com/office/drawing/2014/main" id="{6BF13A69-C52F-47DD-9266-068D95624C41}"/>
+              </a:ext>
+            </a:extLst>
+          </p:cNvPr>
+          <p:cNvPicPr>
+            <a:picLocks noChangeAspect="1"/>
+          </p:cNvPicPr>
+          <p:nvPr/>
+        </p:nvPicPr>
+        <p:blipFill>
+          <a:blip r:embed="rId4"/>
+          <a:stretch>
+            <a:fillRect/>
+          </a:stretch>
+        </p:blipFill>
+        <p:spPr>
+          <a:xfrm>
+            <a:off x="2638618" y="4077467"/>
+            <a:ext cx="1799206" cy="1895347"/>
+          </a:xfrm>
+          <a:prstGeom prst="rect">
+            <a:avLst/>
+          </a:prstGeom>
+        </p:spPr>
+      </p:pic>
+      <p:sp>
+        <p:nvSpPr>
+          <p:cNvPr id="14" name="ZoneTexte 13">
+            <a:extLst>
+              <a:ext uri="{FF2B5EF4-FFF2-40B4-BE49-F238E27FC236}">
+                <a16:creationId xmlns:a16="http://schemas.microsoft.com/office/drawing/2014/main" id="{034A6AA0-F5A2-4140-9C79-3FD5431363FB}"/>
+              </a:ext>
+            </a:extLst>
+          </p:cNvPr>
+          <p:cNvSpPr txBox="1"/>
+          <p:nvPr/>
+        </p:nvSpPr>
+        <p:spPr>
+          <a:xfrm>
+            <a:off x="2474899" y="6037567"/>
+            <a:ext cx="2223686" cy="307777"/>
+          </a:xfrm>
+          <a:prstGeom prst="rect">
+            <a:avLst/>
+          </a:prstGeom>
+          <a:noFill/>
+        </p:spPr>
+        <p:txBody>
+          <a:bodyPr wrap="none" rtlCol="0">
+            <a:spAutoFit/>
+          </a:bodyPr>
+          <a:lstStyle/>
+          <a:p>
+            <a:r>
+              <a:rPr lang="fr-BE" sz="1400" dirty="0"/>
+              <a:t>«  </a:t>
+            </a:r>
+            <a:r>
+              <a:rPr lang="fr-BE" sz="1400" dirty="0" err="1"/>
+              <a:t>What</a:t>
+            </a:r>
+            <a:r>
+              <a:rPr lang="fr-BE" sz="1400" dirty="0"/>
+              <a:t> </a:t>
+            </a:r>
+            <a:r>
+              <a:rPr lang="fr-BE" sz="1400" dirty="0" err="1"/>
+              <a:t>is</a:t>
+            </a:r>
+            <a:r>
+              <a:rPr lang="fr-BE" sz="1400" dirty="0"/>
+              <a:t> the </a:t>
+            </a:r>
+            <a:r>
+              <a:rPr lang="fr-BE" sz="1400" dirty="0" err="1"/>
+              <a:t>project</a:t>
+            </a:r>
+            <a:r>
+              <a:rPr lang="fr-BE" sz="1400" dirty="0"/>
+              <a:t>? »</a:t>
+            </a:r>
+          </a:p>
+        </p:txBody>
+      </p:sp>
+      <p:pic>
+        <p:nvPicPr>
+          <p:cNvPr id="16" name="Image 15">
+            <a:extLst>
+              <a:ext uri="{FF2B5EF4-FFF2-40B4-BE49-F238E27FC236}">
+                <a16:creationId xmlns:a16="http://schemas.microsoft.com/office/drawing/2014/main" id="{AB883D77-C0F9-4765-B36E-DED9CEA19130}"/>
+              </a:ext>
+            </a:extLst>
+          </p:cNvPr>
+          <p:cNvPicPr>
+            <a:picLocks noChangeAspect="1"/>
+          </p:cNvPicPr>
+          <p:nvPr/>
+        </p:nvPicPr>
+        <p:blipFill rotWithShape="1">
+          <a:blip r:embed="rId5"/>
+          <a:srcRect r="3445"/>
+          <a:stretch/>
+        </p:blipFill>
+        <p:spPr>
+          <a:xfrm>
+            <a:off x="5231184" y="4238549"/>
+            <a:ext cx="1897586" cy="699257"/>
+          </a:xfrm>
+          <a:prstGeom prst="rect">
+            <a:avLst/>
+          </a:prstGeom>
+        </p:spPr>
+      </p:pic>
+      <p:sp>
+        <p:nvSpPr>
+          <p:cNvPr id="17" name="ZoneTexte 16">
+            <a:extLst>
+              <a:ext uri="{FF2B5EF4-FFF2-40B4-BE49-F238E27FC236}">
+                <a16:creationId xmlns:a16="http://schemas.microsoft.com/office/drawing/2014/main" id="{37E94181-C3DD-403D-9D9F-ABD1D3636DEF}"/>
+              </a:ext>
+            </a:extLst>
+          </p:cNvPr>
+          <p:cNvSpPr txBox="1"/>
+          <p:nvPr/>
+        </p:nvSpPr>
+        <p:spPr>
+          <a:xfrm>
+            <a:off x="4413643" y="4937806"/>
+            <a:ext cx="3692036" cy="307777"/>
+          </a:xfrm>
+          <a:prstGeom prst="rect">
+            <a:avLst/>
+          </a:prstGeom>
+          <a:noFill/>
+        </p:spPr>
+        <p:txBody>
+          <a:bodyPr wrap="none" rtlCol="0">
+            <a:spAutoFit/>
+          </a:bodyPr>
+          <a:lstStyle/>
+          <a:p>
+            <a:r>
+              <a:rPr lang="fr-BE" sz="1400" dirty="0"/>
+              <a:t>« </a:t>
+            </a:r>
+            <a:r>
+              <a:rPr lang="en-US" sz="1400" dirty="0"/>
+              <a:t>what can the actor do in the system?</a:t>
+            </a:r>
+            <a:r>
+              <a:rPr lang="fr-BE" sz="1400" dirty="0"/>
+              <a:t> »</a:t>
+            </a:r>
+          </a:p>
+        </p:txBody>
+      </p:sp>
+      <p:pic>
+        <p:nvPicPr>
+          <p:cNvPr id="19" name="Image 18">
+            <a:extLst>
+              <a:ext uri="{FF2B5EF4-FFF2-40B4-BE49-F238E27FC236}">
+                <a16:creationId xmlns:a16="http://schemas.microsoft.com/office/drawing/2014/main" id="{151B1DD3-932D-45DD-B8F8-DFA4FEA7949A}"/>
+              </a:ext>
+            </a:extLst>
+          </p:cNvPr>
+          <p:cNvPicPr>
+            <a:picLocks noChangeAspect="1"/>
+          </p:cNvPicPr>
+          <p:nvPr/>
+        </p:nvPicPr>
+        <p:blipFill>
+          <a:blip r:embed="rId6"/>
+          <a:stretch>
+            <a:fillRect/>
+          </a:stretch>
+        </p:blipFill>
+        <p:spPr>
+          <a:xfrm>
+            <a:off x="8254984" y="3210186"/>
+            <a:ext cx="3969464" cy="3213635"/>
+          </a:xfrm>
+          <a:prstGeom prst="rect">
+            <a:avLst/>
+          </a:prstGeom>
+        </p:spPr>
+      </p:pic>
+      <p:sp>
+        <p:nvSpPr>
+          <p:cNvPr id="20" name="ZoneTexte 19">
+            <a:extLst>
+              <a:ext uri="{FF2B5EF4-FFF2-40B4-BE49-F238E27FC236}">
+                <a16:creationId xmlns:a16="http://schemas.microsoft.com/office/drawing/2014/main" id="{F8FB5164-E5A7-4A68-B511-4255CAC3770E}"/>
+              </a:ext>
+            </a:extLst>
+          </p:cNvPr>
+          <p:cNvSpPr txBox="1"/>
+          <p:nvPr/>
+        </p:nvSpPr>
+        <p:spPr>
+          <a:xfrm>
+            <a:off x="9081856" y="2840854"/>
+            <a:ext cx="2728632" cy="369332"/>
+          </a:xfrm>
+          <a:prstGeom prst="rect">
+            <a:avLst/>
+          </a:prstGeom>
+          <a:noFill/>
+        </p:spPr>
+        <p:txBody>
+          <a:bodyPr wrap="none" rtlCol="0">
+            <a:spAutoFit/>
+          </a:bodyPr>
+          <a:lstStyle/>
+          <a:p>
+            <a:r>
+              <a:rPr lang="fr-BE" dirty="0" err="1"/>
+              <a:t>Include</a:t>
+            </a:r>
+            <a:r>
+              <a:rPr lang="fr-BE" dirty="0"/>
+              <a:t> &amp; </a:t>
+            </a:r>
+            <a:r>
+              <a:rPr lang="fr-BE" dirty="0" err="1"/>
+              <a:t>extend</a:t>
+            </a:r>
+            <a:r>
+              <a:rPr lang="fr-BE" dirty="0"/>
+              <a:t> case</a:t>
+            </a:r>
+          </a:p>
+        </p:txBody>
+      </p:sp>
+      <p:sp>
+        <p:nvSpPr>
+          <p:cNvPr id="4" name="ZoneTexte 3">
+            <a:extLst>
+              <a:ext uri="{FF2B5EF4-FFF2-40B4-BE49-F238E27FC236}">
+                <a16:creationId xmlns:a16="http://schemas.microsoft.com/office/drawing/2014/main" id="{AC00CCF0-795D-4389-B3CD-9F0A22B6B542}"/>
+              </a:ext>
+            </a:extLst>
+          </p:cNvPr>
+          <p:cNvSpPr txBox="1"/>
+          <p:nvPr/>
+        </p:nvSpPr>
+        <p:spPr>
+          <a:xfrm>
+            <a:off x="10599938" y="594804"/>
+            <a:ext cx="300082" cy="369332"/>
+          </a:xfrm>
+          <a:prstGeom prst="rect">
+            <a:avLst/>
+          </a:prstGeom>
+          <a:noFill/>
+        </p:spPr>
+        <p:txBody>
+          <a:bodyPr wrap="none" rtlCol="0">
+            <a:spAutoFit/>
+          </a:bodyPr>
+          <a:lstStyle/>
+          <a:p>
+            <a:r>
+              <a:rPr lang="fr-BE" dirty="0"/>
+              <a:t>S</a:t>
+            </a:r>
+          </a:p>
+        </p:txBody>
+      </p:sp>
+    </p:spTree>
+    <p:extLst>
+      <p:ext uri="{BB962C8B-B14F-4D97-AF65-F5344CB8AC3E}">
+        <p14:creationId xmlns:p14="http://schemas.microsoft.com/office/powerpoint/2010/main" val="3144151127"/>
+      </p:ext>
+    </p:extLst>
+  </p:cSld>
+  <p:clrMapOvr>
+    <a:masterClrMapping/>
+  </p:clrMapOvr>
+</p:sld>
+</file>
+
+<file path=ppt/slides/slide5.xml><?xml version="1.0" encoding="utf-8"?>
+<p:sld xmlns:a="http://schemas.openxmlformats.org/drawingml/2006/main" xmlns:r="http://schemas.openxmlformats.org/officeDocument/2006/relationships" xmlns:p="http://schemas.openxmlformats.org/presentationml/2006/main">
+  <p:cSld>
+    <p:spTree>
+      <p:nvGrpSpPr>
+        <p:cNvPr id="1" name=""/>
+        <p:cNvGrpSpPr/>
+        <p:nvPr/>
+      </p:nvGrpSpPr>
+      <p:grpSpPr>
+        <a:xfrm>
+          <a:off x="0" y="0"/>
+          <a:ext cx="0" cy="0"/>
+          <a:chOff x="0" y="0"/>
+          <a:chExt cx="0" cy="0"/>
+        </a:xfrm>
+      </p:grpSpPr>
+      <p:sp>
+        <p:nvSpPr>
+          <p:cNvPr id="2" name="Titre 1">
+            <a:extLst>
+              <a:ext uri="{FF2B5EF4-FFF2-40B4-BE49-F238E27FC236}">
+                <a16:creationId xmlns:a16="http://schemas.microsoft.com/office/drawing/2014/main" id="{2E25E003-DB8E-46E9-8724-587249547FFC}"/>
+              </a:ext>
+            </a:extLst>
+          </p:cNvPr>
+          <p:cNvSpPr>
+            <a:spLocks noGrp="1"/>
+          </p:cNvSpPr>
+          <p:nvPr>
+            <p:ph type="title"/>
+          </p:nvPr>
+        </p:nvSpPr>
+        <p:spPr>
+          <a:xfrm>
+            <a:off x="1489120" y="1003893"/>
+            <a:ext cx="8825659" cy="706964"/>
+          </a:xfrm>
+        </p:spPr>
+        <p:txBody>
+          <a:bodyPr/>
+          <a:lstStyle/>
+          <a:p>
+            <a:r>
+              <a:rPr lang="fr-BE" dirty="0"/>
+              <a:t>					Use case </a:t>
+            </a:r>
+            <a:r>
+              <a:rPr lang="fr-BE" dirty="0" err="1"/>
+              <a:t>diagram</a:t>
+            </a:r>
+            <a:r>
+              <a:rPr lang="fr-BE" dirty="0"/>
+              <a:t> :</a:t>
+            </a:r>
+          </a:p>
+        </p:txBody>
+      </p:sp>
+      <p:sp>
+        <p:nvSpPr>
+          <p:cNvPr id="6" name="ZoneTexte 5">
+            <a:extLst>
+              <a:ext uri="{FF2B5EF4-FFF2-40B4-BE49-F238E27FC236}">
+                <a16:creationId xmlns:a16="http://schemas.microsoft.com/office/drawing/2014/main" id="{3F5E81CC-2493-444C-8BBB-A2873C2A57E2}"/>
+              </a:ext>
+            </a:extLst>
+          </p:cNvPr>
+          <p:cNvSpPr txBox="1"/>
+          <p:nvPr/>
+        </p:nvSpPr>
+        <p:spPr>
+          <a:xfrm>
+            <a:off x="3626756" y="3266690"/>
+            <a:ext cx="1332416" cy="369332"/>
+          </a:xfrm>
+          <a:prstGeom prst="rect">
+            <a:avLst/>
+          </a:prstGeom>
+          <a:noFill/>
+        </p:spPr>
+        <p:txBody>
+          <a:bodyPr wrap="none" rtlCol="0">
+            <a:spAutoFit/>
+          </a:bodyPr>
+          <a:lstStyle/>
+          <a:p>
+            <a:r>
+              <a:rPr lang="fr-BE" dirty="0"/>
+              <a:t>Customer </a:t>
+            </a:r>
+          </a:p>
+        </p:txBody>
+      </p:sp>
+      <p:sp>
+        <p:nvSpPr>
+          <p:cNvPr id="7" name="ZoneTexte 6">
+            <a:extLst>
+              <a:ext uri="{FF2B5EF4-FFF2-40B4-BE49-F238E27FC236}">
+                <a16:creationId xmlns:a16="http://schemas.microsoft.com/office/drawing/2014/main" id="{09BF3FA6-B8FC-477D-97DA-7B3557165433}"/>
+              </a:ext>
+            </a:extLst>
+          </p:cNvPr>
+          <p:cNvSpPr txBox="1"/>
+          <p:nvPr/>
+        </p:nvSpPr>
+        <p:spPr>
+          <a:xfrm>
+            <a:off x="6193643" y="3251520"/>
+            <a:ext cx="1082348" cy="369332"/>
+          </a:xfrm>
+          <a:prstGeom prst="rect">
+            <a:avLst/>
+          </a:prstGeom>
+          <a:noFill/>
+        </p:spPr>
+        <p:txBody>
+          <a:bodyPr wrap="none" rtlCol="0">
+            <a:spAutoFit/>
+          </a:bodyPr>
+          <a:lstStyle/>
+          <a:p>
+            <a:r>
+              <a:rPr lang="fr-BE" dirty="0" err="1"/>
+              <a:t>Restorer</a:t>
+            </a:r>
+            <a:endParaRPr lang="fr-BE" dirty="0"/>
+          </a:p>
+        </p:txBody>
+      </p:sp>
+      <p:sp>
+        <p:nvSpPr>
+          <p:cNvPr id="8" name="ZoneTexte 7">
+            <a:extLst>
+              <a:ext uri="{FF2B5EF4-FFF2-40B4-BE49-F238E27FC236}">
+                <a16:creationId xmlns:a16="http://schemas.microsoft.com/office/drawing/2014/main" id="{5CD4A28D-EE9B-4F2D-B850-67C98637F3C7}"/>
+              </a:ext>
+            </a:extLst>
+          </p:cNvPr>
+          <p:cNvSpPr txBox="1"/>
+          <p:nvPr/>
+        </p:nvSpPr>
+        <p:spPr>
+          <a:xfrm>
+            <a:off x="5113254" y="2521520"/>
+            <a:ext cx="891591" cy="369332"/>
+          </a:xfrm>
+          <a:prstGeom prst="rect">
+            <a:avLst/>
+          </a:prstGeom>
+          <a:noFill/>
+        </p:spPr>
+        <p:txBody>
+          <a:bodyPr wrap="none" rtlCol="0">
+            <a:spAutoFit/>
+          </a:bodyPr>
+          <a:lstStyle/>
+          <a:p>
+            <a:r>
+              <a:rPr lang="fr-BE" dirty="0"/>
+              <a:t>Visitor </a:t>
+            </a:r>
+          </a:p>
+        </p:txBody>
+      </p:sp>
+      <p:cxnSp>
+        <p:nvCxnSpPr>
+          <p:cNvPr id="10" name="Connecteur droit avec flèche 9">
+            <a:extLst>
+              <a:ext uri="{FF2B5EF4-FFF2-40B4-BE49-F238E27FC236}">
+                <a16:creationId xmlns:a16="http://schemas.microsoft.com/office/drawing/2014/main" id="{8537C1A5-58D0-41E3-B801-3B381AFE2F26}"/>
+              </a:ext>
+            </a:extLst>
+          </p:cNvPr>
+          <p:cNvCxnSpPr>
+            <a:stCxn id="6" idx="0"/>
+          </p:cNvCxnSpPr>
+          <p:nvPr/>
+        </p:nvCxnSpPr>
+        <p:spPr>
+          <a:xfrm flipV="1">
+            <a:off x="4292964" y="2890852"/>
+            <a:ext cx="802152" cy="375838"/>
+          </a:xfrm>
+          <a:prstGeom prst="straightConnector1">
+            <a:avLst/>
+          </a:prstGeom>
+          <a:ln>
+            <a:tailEnd type="triangle"/>
+          </a:ln>
+        </p:spPr>
+        <p:style>
+          <a:lnRef idx="1">
+            <a:schemeClr val="accent1"/>
+          </a:lnRef>
+          <a:fillRef idx="0">
+            <a:schemeClr val="accent1"/>
+          </a:fillRef>
+          <a:effectRef idx="0">
+            <a:schemeClr val="accent1"/>
+          </a:effectRef>
+          <a:fontRef idx="minor">
+            <a:schemeClr val="tx1"/>
+          </a:fontRef>
+        </p:style>
+      </p:cxnSp>
+      <p:cxnSp>
+        <p:nvCxnSpPr>
+          <p:cNvPr id="12" name="Connecteur droit avec flèche 11">
+            <a:extLst>
+              <a:ext uri="{FF2B5EF4-FFF2-40B4-BE49-F238E27FC236}">
+                <a16:creationId xmlns:a16="http://schemas.microsoft.com/office/drawing/2014/main" id="{38299B9E-ED6B-4E9A-ABD3-42B003EB89B6}"/>
+              </a:ext>
+            </a:extLst>
+          </p:cNvPr>
+          <p:cNvCxnSpPr>
+            <a:cxnSpLocks/>
+          </p:cNvCxnSpPr>
+          <p:nvPr/>
+        </p:nvCxnSpPr>
+        <p:spPr>
+          <a:xfrm flipH="1" flipV="1">
+            <a:off x="6054183" y="2890852"/>
+            <a:ext cx="550138" cy="443152"/>
+          </a:xfrm>
+          <a:prstGeom prst="straightConnector1">
+            <a:avLst/>
+          </a:prstGeom>
+          <a:ln>
+            <a:tailEnd type="triangle"/>
+          </a:ln>
+        </p:spPr>
+        <p:style>
+          <a:lnRef idx="1">
+            <a:schemeClr val="accent1"/>
+          </a:lnRef>
+          <a:fillRef idx="0">
+            <a:schemeClr val="accent1"/>
+          </a:fillRef>
+          <a:effectRef idx="0">
+            <a:schemeClr val="accent1"/>
+          </a:effectRef>
+          <a:fontRef idx="minor">
+            <a:schemeClr val="tx1"/>
+          </a:fontRef>
+        </p:style>
+      </p:cxnSp>
+      <p:sp>
+        <p:nvSpPr>
+          <p:cNvPr id="14" name="ZoneTexte 13">
+            <a:extLst>
+              <a:ext uri="{FF2B5EF4-FFF2-40B4-BE49-F238E27FC236}">
+                <a16:creationId xmlns:a16="http://schemas.microsoft.com/office/drawing/2014/main" id="{AF88DEF0-4CF1-43FB-9B4C-84A3172B42D7}"/>
+              </a:ext>
+            </a:extLst>
+          </p:cNvPr>
+          <p:cNvSpPr txBox="1"/>
+          <p:nvPr/>
+        </p:nvSpPr>
+        <p:spPr>
+          <a:xfrm>
+            <a:off x="3291519" y="4760616"/>
+            <a:ext cx="184731" cy="369332"/>
+          </a:xfrm>
+          <a:prstGeom prst="rect">
+            <a:avLst/>
+          </a:prstGeom>
+          <a:noFill/>
+        </p:spPr>
+        <p:txBody>
+          <a:bodyPr wrap="none" rtlCol="0">
+            <a:spAutoFit/>
+          </a:bodyPr>
+          <a:lstStyle/>
+          <a:p>
+            <a:endParaRPr lang="fr-BE" dirty="0"/>
+          </a:p>
+        </p:txBody>
+      </p:sp>
+      <p:sp>
+        <p:nvSpPr>
+          <p:cNvPr id="3" name="ZoneTexte 2">
+            <a:extLst>
+              <a:ext uri="{FF2B5EF4-FFF2-40B4-BE49-F238E27FC236}">
+                <a16:creationId xmlns:a16="http://schemas.microsoft.com/office/drawing/2014/main" id="{87899D91-91A1-443E-B336-888CC3ABA421}"/>
+              </a:ext>
+            </a:extLst>
+          </p:cNvPr>
+          <p:cNvSpPr txBox="1"/>
+          <p:nvPr/>
+        </p:nvSpPr>
+        <p:spPr>
+          <a:xfrm>
+            <a:off x="10642996" y="568171"/>
+            <a:ext cx="45719" cy="646331"/>
+          </a:xfrm>
+          <a:prstGeom prst="rect">
+            <a:avLst/>
+          </a:prstGeom>
+          <a:noFill/>
+        </p:spPr>
+        <p:txBody>
+          <a:bodyPr wrap="square" rtlCol="0">
+            <a:spAutoFit/>
+          </a:bodyPr>
+          <a:lstStyle/>
+          <a:p>
+            <a:r>
+              <a:rPr lang="fr-BE" dirty="0"/>
+              <a:t>S</a:t>
+            </a:r>
+          </a:p>
+          <a:p>
+            <a:endParaRPr lang="fr-BE" dirty="0"/>
+          </a:p>
+        </p:txBody>
+      </p:sp>
+      <p:sp>
+        <p:nvSpPr>
+          <p:cNvPr id="9" name="Espace réservé du contenu 8">
+            <a:extLst>
+              <a:ext uri="{FF2B5EF4-FFF2-40B4-BE49-F238E27FC236}">
+                <a16:creationId xmlns:a16="http://schemas.microsoft.com/office/drawing/2014/main" id="{4EADF20B-E705-41BD-ADC2-A51280307203}"/>
+              </a:ext>
+            </a:extLst>
+          </p:cNvPr>
+          <p:cNvSpPr>
+            <a:spLocks noGrp="1"/>
+          </p:cNvSpPr>
+          <p:nvPr>
+            <p:ph idx="1"/>
+          </p:nvPr>
+        </p:nvSpPr>
+        <p:spPr>
+          <a:xfrm>
+            <a:off x="1417260" y="3885607"/>
+            <a:ext cx="8825659" cy="2388193"/>
+          </a:xfrm>
+        </p:spPr>
+        <p:txBody>
+          <a:bodyPr/>
+          <a:lstStyle/>
+          <a:p>
+            <a:pPr marL="0" indent="0">
+              <a:buNone/>
+            </a:pPr>
+            <a:r>
+              <a:rPr lang="fr-BE" u="sng" dirty="0" err="1"/>
+              <a:t>Generalization</a:t>
+            </a:r>
+            <a:r>
+              <a:rPr lang="fr-BE" u="sng" dirty="0"/>
+              <a:t> </a:t>
+            </a:r>
+          </a:p>
+          <a:p>
+            <a:pPr>
+              <a:buFontTx/>
+              <a:buChar char="-"/>
+            </a:pPr>
+            <a:r>
+              <a:rPr lang="fr-BE" dirty="0"/>
+              <a:t>The </a:t>
+            </a:r>
+            <a:r>
+              <a:rPr lang="fr-BE" dirty="0" err="1"/>
+              <a:t>customer</a:t>
+            </a:r>
+            <a:r>
+              <a:rPr lang="fr-BE" dirty="0"/>
+              <a:t> and </a:t>
+            </a:r>
+            <a:r>
+              <a:rPr lang="fr-BE" dirty="0" err="1"/>
+              <a:t>restorer</a:t>
+            </a:r>
+            <a:r>
+              <a:rPr lang="fr-BE" dirty="0"/>
+              <a:t> can do </a:t>
+            </a:r>
+            <a:r>
+              <a:rPr lang="fr-BE" dirty="0" err="1"/>
+              <a:t>everything</a:t>
+            </a:r>
+            <a:r>
+              <a:rPr lang="fr-BE" dirty="0"/>
+              <a:t> </a:t>
+            </a:r>
+            <a:r>
+              <a:rPr lang="fr-BE" dirty="0" err="1"/>
+              <a:t>that</a:t>
+            </a:r>
+            <a:r>
+              <a:rPr lang="fr-BE" dirty="0"/>
+              <a:t> a </a:t>
+            </a:r>
+            <a:r>
+              <a:rPr lang="fr-BE" dirty="0" err="1"/>
+              <a:t>visitor</a:t>
+            </a:r>
+            <a:r>
+              <a:rPr lang="fr-BE" dirty="0"/>
+              <a:t> can do</a:t>
+            </a:r>
+          </a:p>
+          <a:p>
+            <a:pPr>
+              <a:buFontTx/>
+              <a:buChar char="-"/>
+            </a:pPr>
+            <a:r>
+              <a:rPr lang="fr-BE" dirty="0"/>
+              <a:t>The </a:t>
+            </a:r>
+            <a:r>
+              <a:rPr lang="fr-BE" dirty="0" err="1"/>
+              <a:t>visitor</a:t>
+            </a:r>
+            <a:r>
+              <a:rPr lang="fr-BE" dirty="0"/>
+              <a:t> </a:t>
+            </a:r>
+            <a:r>
+              <a:rPr lang="fr-BE" dirty="0" err="1"/>
+              <a:t>can’t</a:t>
+            </a:r>
+            <a:r>
+              <a:rPr lang="fr-BE" dirty="0"/>
+              <a:t> do </a:t>
+            </a:r>
+            <a:r>
+              <a:rPr lang="fr-BE" dirty="0" err="1"/>
+              <a:t>what</a:t>
+            </a:r>
+            <a:r>
+              <a:rPr lang="fr-BE" dirty="0"/>
+              <a:t> </a:t>
+            </a:r>
+            <a:r>
+              <a:rPr lang="fr-BE" dirty="0" err="1"/>
+              <a:t>customer</a:t>
+            </a:r>
+            <a:r>
+              <a:rPr lang="fr-BE" dirty="0"/>
+              <a:t> an a </a:t>
+            </a:r>
+            <a:r>
+              <a:rPr lang="fr-BE" dirty="0" err="1"/>
+              <a:t>restorer</a:t>
+            </a:r>
+            <a:r>
+              <a:rPr lang="fr-BE" dirty="0"/>
+              <a:t> can do</a:t>
+            </a:r>
+          </a:p>
+          <a:p>
+            <a:pPr>
+              <a:buFontTx/>
+              <a:buChar char="-"/>
+            </a:pPr>
+            <a:r>
+              <a:rPr lang="fr-BE" dirty="0" err="1"/>
+              <a:t>Inheritance</a:t>
+            </a:r>
+            <a:r>
+              <a:rPr lang="fr-BE" dirty="0"/>
+              <a:t> : </a:t>
+            </a:r>
+            <a:r>
+              <a:rPr lang="fr-BE" dirty="0" err="1"/>
+              <a:t>from</a:t>
+            </a:r>
+            <a:r>
+              <a:rPr lang="fr-BE" dirty="0"/>
+              <a:t> </a:t>
+            </a:r>
+            <a:r>
+              <a:rPr lang="fr-BE" dirty="0" err="1"/>
+              <a:t>visitor</a:t>
+            </a:r>
+            <a:r>
+              <a:rPr lang="fr-BE" dirty="0"/>
+              <a:t> to </a:t>
+            </a:r>
+            <a:r>
+              <a:rPr lang="fr-BE" dirty="0" err="1"/>
+              <a:t>customer</a:t>
+            </a:r>
+            <a:r>
+              <a:rPr lang="fr-BE" dirty="0"/>
+              <a:t> </a:t>
+            </a:r>
+          </a:p>
+          <a:p>
+            <a:endParaRPr lang="fr-BE" dirty="0"/>
+          </a:p>
+        </p:txBody>
+      </p:sp>
+    </p:spTree>
+    <p:extLst>
+      <p:ext uri="{BB962C8B-B14F-4D97-AF65-F5344CB8AC3E}">
+        <p14:creationId xmlns:p14="http://schemas.microsoft.com/office/powerpoint/2010/main" val="1285811980"/>
+      </p:ext>
+    </p:extLst>
+  </p:cSld>
+  <p:clrMapOvr>
+    <a:masterClrMapping/>
+  </p:clrMapOvr>
+</p:sld>
+</file>
+
+<file path=ppt/slides/slide6.xml><?xml version="1.0" encoding="utf-8"?>
+<p:sld xmlns:a="http://schemas.openxmlformats.org/drawingml/2006/main" xmlns:r="http://schemas.openxmlformats.org/officeDocument/2006/relationships" xmlns:p="http://schemas.openxmlformats.org/presentationml/2006/main">
+  <p:cSld>
+    <p:spTree>
+      <p:nvGrpSpPr>
+        <p:cNvPr id="1" name=""/>
+        <p:cNvGrpSpPr/>
+        <p:nvPr/>
+      </p:nvGrpSpPr>
+      <p:grpSpPr>
+        <a:xfrm>
+          <a:off x="0" y="0"/>
+          <a:ext cx="0" cy="0"/>
+          <a:chOff x="0" y="0"/>
+          <a:chExt cx="0" cy="0"/>
+        </a:xfrm>
+      </p:grpSpPr>
+      <p:pic>
+        <p:nvPicPr>
+          <p:cNvPr id="2" name="Image 1">
+            <a:extLst>
+              <a:ext uri="{FF2B5EF4-FFF2-40B4-BE49-F238E27FC236}">
+                <a16:creationId xmlns:a16="http://schemas.microsoft.com/office/drawing/2014/main" id="{BA8738BB-E5D9-46C8-A530-24B4D909E089}"/>
+              </a:ext>
+            </a:extLst>
+          </p:cNvPr>
+          <p:cNvPicPr>
+            <a:picLocks noChangeAspect="1"/>
+          </p:cNvPicPr>
+          <p:nvPr/>
+        </p:nvPicPr>
+        <p:blipFill>
+          <a:blip r:embed="rId2"/>
+          <a:stretch>
+            <a:fillRect/>
+          </a:stretch>
+        </p:blipFill>
+        <p:spPr>
+          <a:xfrm>
+            <a:off x="2908300" y="204667"/>
+            <a:ext cx="5372257" cy="6653333"/>
+          </a:xfrm>
+          <a:prstGeom prst="rect">
+            <a:avLst/>
+          </a:prstGeom>
+        </p:spPr>
+      </p:pic>
+    </p:spTree>
+    <p:extLst>
+      <p:ext uri="{BB962C8B-B14F-4D97-AF65-F5344CB8AC3E}">
+        <p14:creationId xmlns:p14="http://schemas.microsoft.com/office/powerpoint/2010/main" val="1768804253"/>
+      </p:ext>
+    </p:extLst>
+  </p:cSld>
+  <p:clrMapOvr>
+    <a:masterClrMapping/>
+  </p:clrMapOvr>
+</p:sld>
+</file>
+
+<file path=ppt/slides/slide7.xml><?xml version="1.0" encoding="utf-8"?>
+<p:sld xmlns:a="http://schemas.openxmlformats.org/drawingml/2006/main" xmlns:r="http://schemas.openxmlformats.org/officeDocument/2006/relationships" xmlns:p="http://schemas.openxmlformats.org/presentationml/2006/main">
+  <p:cSld>
+    <p:spTree>
+      <p:nvGrpSpPr>
+        <p:cNvPr id="1" name=""/>
+        <p:cNvGrpSpPr/>
+        <p:nvPr/>
+      </p:nvGrpSpPr>
+      <p:grpSpPr>
+        <a:xfrm>
+          <a:off x="0" y="0"/>
+          <a:ext cx="0" cy="0"/>
+          <a:chOff x="0" y="0"/>
+          <a:chExt cx="0" cy="0"/>
+        </a:xfrm>
+      </p:grpSpPr>
+      <p:pic>
+        <p:nvPicPr>
+          <p:cNvPr id="4" name="Image 3">
+            <a:extLst>
+              <a:ext uri="{FF2B5EF4-FFF2-40B4-BE49-F238E27FC236}">
+                <a16:creationId xmlns:a16="http://schemas.microsoft.com/office/drawing/2014/main" id="{A4635021-4073-4114-A865-7737A2F0605F}"/>
+              </a:ext>
+            </a:extLst>
+          </p:cNvPr>
+          <p:cNvPicPr>
+            <a:picLocks noChangeAspect="1"/>
+          </p:cNvPicPr>
+          <p:nvPr/>
+        </p:nvPicPr>
+        <p:blipFill rotWithShape="1">
+          <a:blip r:embed="rId2"/>
+          <a:srcRect r="-227" b="56667"/>
+          <a:stretch/>
+        </p:blipFill>
+        <p:spPr>
+          <a:xfrm>
+            <a:off x="419820" y="814916"/>
+            <a:ext cx="9763993" cy="5228168"/>
+          </a:xfrm>
+          <a:prstGeom prst="rect">
+            <a:avLst/>
+          </a:prstGeom>
+        </p:spPr>
+      </p:pic>
+    </p:spTree>
+    <p:extLst>
+      <p:ext uri="{BB962C8B-B14F-4D97-AF65-F5344CB8AC3E}">
+        <p14:creationId xmlns:p14="http://schemas.microsoft.com/office/powerpoint/2010/main" val="3124810957"/>
+      </p:ext>
+    </p:extLst>
+  </p:cSld>
+  <p:clrMapOvr>
+    <a:masterClrMapping/>
+  </p:clrMapOvr>
+</p:sld>
+</file>
+
+<file path=ppt/slides/slide8.xml><?xml version="1.0" encoding="utf-8"?>
+<p:sld xmlns:a="http://schemas.openxmlformats.org/drawingml/2006/main" xmlns:r="http://schemas.openxmlformats.org/officeDocument/2006/relationships" xmlns:p="http://schemas.openxmlformats.org/presentationml/2006/main">
+  <p:cSld>
+    <p:spTree>
+      <p:nvGrpSpPr>
+        <p:cNvPr id="1" name=""/>
+        <p:cNvGrpSpPr/>
+        <p:nvPr/>
+      </p:nvGrpSpPr>
+      <p:grpSpPr>
+        <a:xfrm>
+          <a:off x="0" y="0"/>
+          <a:ext cx="0" cy="0"/>
+          <a:chOff x="0" y="0"/>
+          <a:chExt cx="0" cy="0"/>
+        </a:xfrm>
+      </p:grpSpPr>
+      <p:pic>
+        <p:nvPicPr>
+          <p:cNvPr id="4" name="Espace réservé du contenu 4">
+            <a:extLst>
+              <a:ext uri="{FF2B5EF4-FFF2-40B4-BE49-F238E27FC236}">
+                <a16:creationId xmlns:a16="http://schemas.microsoft.com/office/drawing/2014/main" id="{4DB02B0D-EA54-4CF7-B387-75F8120FBA4B}"/>
+              </a:ext>
+            </a:extLst>
+          </p:cNvPr>
+          <p:cNvPicPr>
+            <a:picLocks noGrp="1" noChangeAspect="1"/>
+          </p:cNvPicPr>
+          <p:nvPr>
+            <p:ph idx="4294967295"/>
+          </p:nvPr>
+        </p:nvPicPr>
+        <p:blipFill rotWithShape="1">
+          <a:blip r:embed="rId2">
+            <a:extLst>
+              <a:ext uri="{28A0092B-C50C-407E-A947-70E740481C1C}">
+                <a14:useLocalDpi xmlns:a14="http://schemas.microsoft.com/office/drawing/2010/main" val="0"/>
+              </a:ext>
+            </a:extLst>
+          </a:blip>
+          <a:srcRect l="1" t="44609" r="18"/>
+          <a:stretch/>
+        </p:blipFill>
+        <p:spPr>
+          <a:xfrm>
+            <a:off x="1028700" y="352106"/>
+            <a:ext cx="8969375" cy="6153788"/>
+          </a:xfrm>
+        </p:spPr>
+      </p:pic>
+    </p:spTree>
+    <p:extLst>
+      <p:ext uri="{BB962C8B-B14F-4D97-AF65-F5344CB8AC3E}">
+        <p14:creationId xmlns:p14="http://schemas.microsoft.com/office/powerpoint/2010/main" val="1305956876"/>
+      </p:ext>
+    </p:extLst>
+  </p:cSld>
+  <p:clrMapOvr>
+    <a:masterClrMapping/>
+  </p:clrMapOvr>
+</p:sld>
+</file>
+
 <file path=ppt/slides/slide9.xml><?xml version="1.0" encoding="utf-8"?>
 <p:sld xmlns:a="http://schemas.openxmlformats.org/drawingml/2006/main" xmlns:r="http://schemas.openxmlformats.org/officeDocument/2006/relationships" xmlns:p="http://schemas.openxmlformats.org/presentationml/2006/main">
   <p:cSld>
@@ -17266,7 +17227,7 @@
           <p:cNvPr id="2" name="Titre 1">
             <a:extLst>
               <a:ext uri="{FF2B5EF4-FFF2-40B4-BE49-F238E27FC236}">
-                <a16:creationId xmlns:a16="http://schemas.microsoft.com/office/drawing/2014/main" id="{C98279E2-2FCC-48D8-AB3B-5610FD34544A}"/>
+                <a16:creationId xmlns:a16="http://schemas.microsoft.com/office/drawing/2014/main" id="{A2A54FA8-B4A2-4674-9538-77842D7DBDA4}"/>
               </a:ext>
             </a:extLst>
           </p:cNvPr>
@@ -17283,8 +17244,58 @@
           <a:lstStyle/>
           <a:p>
             <a:r>
+              <a:rPr lang="fr-BE" dirty="0"/>
+              <a:t>Class </a:t>
+            </a:r>
+            <a:r>
               <a:rPr lang="fr-BE" dirty="0" err="1"/>
-              <a:t>Sequence</a:t>
+              <a:t>diagram</a:t>
+            </a:r>
+            <a:r>
+              <a:rPr lang="fr-BE" dirty="0"/>
+              <a:t> : </a:t>
+            </a:r>
+            <a:r>
+              <a:rPr lang="fr-BE" dirty="0" err="1"/>
+              <a:t>theory</a:t>
+            </a:r>
+            <a:endParaRPr lang="fr-BE" dirty="0"/>
+          </a:p>
+        </p:txBody>
+      </p:sp>
+      <p:sp>
+        <p:nvSpPr>
+          <p:cNvPr id="3" name="Espace réservé du contenu 2">
+            <a:extLst>
+              <a:ext uri="{FF2B5EF4-FFF2-40B4-BE49-F238E27FC236}">
+                <a16:creationId xmlns:a16="http://schemas.microsoft.com/office/drawing/2014/main" id="{5F88F31F-E66D-4204-BC6C-B0F9E702E970}"/>
+              </a:ext>
+            </a:extLst>
+          </p:cNvPr>
+          <p:cNvSpPr>
+            <a:spLocks noGrp="1"/>
+          </p:cNvSpPr>
+          <p:nvPr>
+            <p:ph idx="1"/>
+          </p:nvPr>
+        </p:nvSpPr>
+        <p:spPr>
+          <a:xfrm>
+            <a:off x="673691" y="2266616"/>
+            <a:ext cx="8825659" cy="3416300"/>
+          </a:xfrm>
+        </p:spPr>
+        <p:txBody>
+          <a:bodyPr/>
+          <a:lstStyle/>
+          <a:p>
+            <a:r>
+              <a:rPr lang="fr-BE" dirty="0"/>
+              <a:t>For </a:t>
+            </a:r>
+            <a:r>
+              <a:rPr lang="fr-BE" dirty="0" err="1"/>
+              <a:t>what</a:t>
             </a:r>
             <a:r>
               <a:rPr lang="fr-BE" dirty="0"/>
@@ -17292,26 +17303,128 @@
             </a:r>
             <a:r>
               <a:rPr lang="fr-BE" dirty="0" err="1"/>
-              <a:t>diagram</a:t>
+              <a:t>purpose</a:t>
             </a:r>
             <a:r>
               <a:rPr lang="fr-BE" dirty="0"/>
-              <a:t> : 1 / 2 of </a:t>
-            </a:r>
+              <a:t>?</a:t>
+            </a:r>
+          </a:p>
+          <a:p>
+            <a:pPr lvl="1"/>
             <a:r>
               <a:rPr lang="fr-BE" dirty="0" err="1"/>
-              <a:t>own</a:t>
-            </a:r>
+              <a:t>Models</a:t>
+            </a:r>
+            <a:r>
+              <a:rPr lang="fr-BE" dirty="0"/>
+              <a:t> </a:t>
+            </a:r>
+            <a:r>
+              <a:rPr lang="fr-BE" dirty="0" err="1"/>
+              <a:t>static</a:t>
+            </a:r>
+            <a:r>
+              <a:rPr lang="fr-BE" dirty="0"/>
+              <a:t> classes and interfaces and the </a:t>
+            </a:r>
+            <a:r>
+              <a:rPr lang="fr-BE" dirty="0" err="1"/>
+              <a:t>relationships</a:t>
+            </a:r>
+            <a:r>
+              <a:rPr lang="fr-BE" dirty="0"/>
+              <a:t> </a:t>
+            </a:r>
+            <a:r>
+              <a:rPr lang="fr-BE" dirty="0" err="1"/>
+              <a:t>between</a:t>
+            </a:r>
+            <a:r>
+              <a:rPr lang="fr-BE" dirty="0"/>
+              <a:t> </a:t>
+            </a:r>
+            <a:r>
+              <a:rPr lang="fr-BE" dirty="0" err="1"/>
+              <a:t>them</a:t>
+            </a:r>
+            <a:r>
+              <a:rPr lang="fr-BE" dirty="0"/>
+              <a:t>.</a:t>
+            </a:r>
+          </a:p>
+          <a:p>
+            <a:r>
+              <a:rPr lang="fr-BE" dirty="0"/>
+              <a:t>How </a:t>
+            </a:r>
+            <a:r>
+              <a:rPr lang="fr-BE" dirty="0" err="1"/>
+              <a:t>does</a:t>
+            </a:r>
+            <a:r>
+              <a:rPr lang="fr-BE" dirty="0"/>
+              <a:t> </a:t>
+            </a:r>
+            <a:r>
+              <a:rPr lang="fr-BE" dirty="0" err="1"/>
+              <a:t>it</a:t>
+            </a:r>
+            <a:r>
+              <a:rPr lang="fr-BE" dirty="0"/>
+              <a:t> </a:t>
+            </a:r>
+            <a:r>
+              <a:rPr lang="fr-BE" dirty="0" err="1"/>
+              <a:t>work</a:t>
+            </a:r>
+            <a:r>
+              <a:rPr lang="fr-BE" dirty="0"/>
+              <a:t> ?</a:t>
+            </a:r>
+          </a:p>
+          <a:p>
+            <a:pPr lvl="1"/>
             <a:endParaRPr lang="fr-BE" dirty="0"/>
           </a:p>
         </p:txBody>
       </p:sp>
-      <p:sp>
-        <p:nvSpPr>
-          <p:cNvPr id="4" name="ZoneTexte 3">
+      <p:pic>
+        <p:nvPicPr>
+          <p:cNvPr id="5" name="Image 4">
             <a:extLst>
               <a:ext uri="{FF2B5EF4-FFF2-40B4-BE49-F238E27FC236}">
-                <a16:creationId xmlns:a16="http://schemas.microsoft.com/office/drawing/2014/main" id="{7A3D59C9-36E8-4C7B-A84E-B2CB6EB8DC6C}"/>
+                <a16:creationId xmlns:a16="http://schemas.microsoft.com/office/drawing/2014/main" id="{092977E6-5A49-48FB-9FA8-5D17F4CF7A1C}"/>
+              </a:ext>
+            </a:extLst>
+          </p:cNvPr>
+          <p:cNvPicPr>
+            <a:picLocks noChangeAspect="1"/>
+          </p:cNvPicPr>
+          <p:nvPr/>
+        </p:nvPicPr>
+        <p:blipFill>
+          <a:blip r:embed="rId2"/>
+          <a:stretch>
+            <a:fillRect/>
+          </a:stretch>
+        </p:blipFill>
+        <p:spPr>
+          <a:xfrm>
+            <a:off x="453238" y="4322231"/>
+            <a:ext cx="1838325" cy="1562100"/>
+          </a:xfrm>
+          <a:prstGeom prst="rect">
+            <a:avLst/>
+          </a:prstGeom>
+        </p:spPr>
+      </p:pic>
+      <p:sp>
+        <p:nvSpPr>
+          <p:cNvPr id="6" name="ZoneTexte 5">
+            <a:extLst>
+              <a:ext uri="{FF2B5EF4-FFF2-40B4-BE49-F238E27FC236}">
+                <a16:creationId xmlns:a16="http://schemas.microsoft.com/office/drawing/2014/main" id="{A71103D9-3057-4109-8C75-06C54A864856}"/>
               </a:ext>
             </a:extLst>
           </p:cNvPr>
@@ -17320,8 +17433,8 @@
         </p:nvSpPr>
         <p:spPr>
           <a:xfrm>
-            <a:off x="1899821" y="2127111"/>
-            <a:ext cx="482824" cy="369332"/>
+            <a:off x="994732" y="4137565"/>
+            <a:ext cx="755335" cy="369332"/>
           </a:xfrm>
           <a:prstGeom prst="rect">
             <a:avLst/>
@@ -17336,17 +17449,56 @@
           <a:p>
             <a:r>
               <a:rPr lang="fr-BE" dirty="0"/>
-              <a:t>(1)</a:t>
+              <a:t>Class</a:t>
             </a:r>
           </a:p>
         </p:txBody>
       </p:sp>
-      <p:sp>
-        <p:nvSpPr>
-          <p:cNvPr id="7" name="ZoneTexte 6">
+      <p:cxnSp>
+        <p:nvCxnSpPr>
+          <p:cNvPr id="8" name="Connecteur droit avec flèche 7">
             <a:extLst>
               <a:ext uri="{FF2B5EF4-FFF2-40B4-BE49-F238E27FC236}">
-                <a16:creationId xmlns:a16="http://schemas.microsoft.com/office/drawing/2014/main" id="{7D9D5C4D-6B54-42CB-A646-5AEEE94A876E}"/>
+                <a16:creationId xmlns:a16="http://schemas.microsoft.com/office/drawing/2014/main" id="{12B9F34B-7BE3-402B-8515-0AEDFD153FA8}"/>
+              </a:ext>
+            </a:extLst>
+          </p:cNvPr>
+          <p:cNvCxnSpPr/>
+          <p:nvPr/>
+        </p:nvCxnSpPr>
+        <p:spPr>
+          <a:xfrm>
+            <a:off x="1750067" y="4989250"/>
+            <a:ext cx="797400" cy="0"/>
+          </a:xfrm>
+          <a:prstGeom prst="straightConnector1">
+            <a:avLst/>
+          </a:prstGeom>
+          <a:ln>
+            <a:tailEnd type="triangle"/>
+          </a:ln>
+        </p:spPr>
+        <p:style>
+          <a:lnRef idx="1">
+            <a:schemeClr val="accent1"/>
+          </a:lnRef>
+          <a:fillRef idx="0">
+            <a:schemeClr val="accent1"/>
+          </a:fillRef>
+          <a:effectRef idx="0">
+            <a:schemeClr val="accent1"/>
+          </a:effectRef>
+          <a:fontRef idx="minor">
+            <a:schemeClr val="tx1"/>
+          </a:fontRef>
+        </p:style>
+      </p:cxnSp>
+      <p:sp>
+        <p:nvSpPr>
+          <p:cNvPr id="9" name="ZoneTexte 8">
+            <a:extLst>
+              <a:ext uri="{FF2B5EF4-FFF2-40B4-BE49-F238E27FC236}">
+                <a16:creationId xmlns:a16="http://schemas.microsoft.com/office/drawing/2014/main" id="{55C602E6-09D9-42F6-9355-7EB9514B1E5E}"/>
               </a:ext>
             </a:extLst>
           </p:cNvPr>
@@ -17355,8 +17507,8 @@
         </p:nvSpPr>
         <p:spPr>
           <a:xfrm>
-            <a:off x="10644326" y="807868"/>
-            <a:ext cx="300082" cy="369332"/>
+            <a:off x="2512016" y="4804584"/>
+            <a:ext cx="2151551" cy="369332"/>
           </a:xfrm>
           <a:prstGeom prst="rect">
             <a:avLst/>
@@ -17370,8 +17522,240 @@
           <a:lstStyle/>
           <a:p>
             <a:r>
+              <a:rPr lang="fr-BE" dirty="0" err="1"/>
+              <a:t>Privates</a:t>
+            </a:r>
+            <a:r>
               <a:rPr lang="fr-BE" dirty="0"/>
-              <a:t>S</a:t>
+              <a:t> </a:t>
+            </a:r>
+            <a:r>
+              <a:rPr lang="fr-BE" dirty="0" err="1"/>
+              <a:t>attributes</a:t>
+            </a:r>
+            <a:endParaRPr lang="fr-BE" dirty="0"/>
+          </a:p>
+        </p:txBody>
+      </p:sp>
+      <p:cxnSp>
+        <p:nvCxnSpPr>
+          <p:cNvPr id="11" name="Connecteur droit avec flèche 10">
+            <a:extLst>
+              <a:ext uri="{FF2B5EF4-FFF2-40B4-BE49-F238E27FC236}">
+                <a16:creationId xmlns:a16="http://schemas.microsoft.com/office/drawing/2014/main" id="{583DD419-7375-4005-BC38-42A6AD262C41}"/>
+              </a:ext>
+            </a:extLst>
+          </p:cNvPr>
+          <p:cNvCxnSpPr/>
+          <p:nvPr/>
+        </p:nvCxnSpPr>
+        <p:spPr>
+          <a:xfrm>
+            <a:off x="1980515" y="5530788"/>
+            <a:ext cx="727174" cy="0"/>
+          </a:xfrm>
+          <a:prstGeom prst="straightConnector1">
+            <a:avLst/>
+          </a:prstGeom>
+          <a:ln>
+            <a:tailEnd type="triangle"/>
+          </a:ln>
+        </p:spPr>
+        <p:style>
+          <a:lnRef idx="1">
+            <a:schemeClr val="accent1"/>
+          </a:lnRef>
+          <a:fillRef idx="0">
+            <a:schemeClr val="accent1"/>
+          </a:fillRef>
+          <a:effectRef idx="0">
+            <a:schemeClr val="accent1"/>
+          </a:effectRef>
+          <a:fontRef idx="minor">
+            <a:schemeClr val="tx1"/>
+          </a:fontRef>
+        </p:style>
+      </p:cxnSp>
+      <p:sp>
+        <p:nvSpPr>
+          <p:cNvPr id="12" name="ZoneTexte 11">
+            <a:extLst>
+              <a:ext uri="{FF2B5EF4-FFF2-40B4-BE49-F238E27FC236}">
+                <a16:creationId xmlns:a16="http://schemas.microsoft.com/office/drawing/2014/main" id="{18BE2D63-5111-47A2-9FD6-F8F667B5748B}"/>
+              </a:ext>
+            </a:extLst>
+          </p:cNvPr>
+          <p:cNvSpPr txBox="1"/>
+          <p:nvPr/>
+        </p:nvSpPr>
+        <p:spPr>
+          <a:xfrm>
+            <a:off x="2829787" y="5414292"/>
+            <a:ext cx="1975221" cy="369332"/>
+          </a:xfrm>
+          <a:prstGeom prst="rect">
+            <a:avLst/>
+          </a:prstGeom>
+          <a:noFill/>
+        </p:spPr>
+        <p:txBody>
+          <a:bodyPr wrap="none" rtlCol="0">
+            <a:spAutoFit/>
+          </a:bodyPr>
+          <a:lstStyle/>
+          <a:p>
+            <a:r>
+              <a:rPr lang="fr-BE" dirty="0" err="1"/>
+              <a:t>Static</a:t>
+            </a:r>
+            <a:r>
+              <a:rPr lang="fr-BE" dirty="0"/>
+              <a:t> </a:t>
+            </a:r>
+            <a:r>
+              <a:rPr lang="fr-BE" dirty="0" err="1"/>
+              <a:t>operation</a:t>
+            </a:r>
+            <a:endParaRPr lang="fr-BE" dirty="0"/>
+          </a:p>
+        </p:txBody>
+      </p:sp>
+      <p:pic>
+        <p:nvPicPr>
+          <p:cNvPr id="14" name="Image 13">
+            <a:extLst>
+              <a:ext uri="{FF2B5EF4-FFF2-40B4-BE49-F238E27FC236}">
+                <a16:creationId xmlns:a16="http://schemas.microsoft.com/office/drawing/2014/main" id="{6B94737B-3BCE-48D0-91C5-9CE499EAC451}"/>
+              </a:ext>
+            </a:extLst>
+          </p:cNvPr>
+          <p:cNvPicPr>
+            <a:picLocks noChangeAspect="1"/>
+          </p:cNvPicPr>
+          <p:nvPr/>
+        </p:nvPicPr>
+        <p:blipFill rotWithShape="1">
+          <a:blip r:embed="rId3"/>
+          <a:srcRect l="9724" t="10654" r="8680" b="5311"/>
+          <a:stretch/>
+        </p:blipFill>
+        <p:spPr>
+          <a:xfrm>
+            <a:off x="6933843" y="3858480"/>
+            <a:ext cx="2503503" cy="2998433"/>
+          </a:xfrm>
+          <a:prstGeom prst="rect">
+            <a:avLst/>
+          </a:prstGeom>
+        </p:spPr>
+      </p:pic>
+      <p:cxnSp>
+        <p:nvCxnSpPr>
+          <p:cNvPr id="16" name="Connecteur droit avec flèche 15">
+            <a:extLst>
+              <a:ext uri="{FF2B5EF4-FFF2-40B4-BE49-F238E27FC236}">
+                <a16:creationId xmlns:a16="http://schemas.microsoft.com/office/drawing/2014/main" id="{A2135924-15DD-4DDD-ABEF-8594B40CABFC}"/>
+              </a:ext>
+            </a:extLst>
+          </p:cNvPr>
+          <p:cNvCxnSpPr>
+            <a:cxnSpLocks/>
+          </p:cNvCxnSpPr>
+          <p:nvPr/>
+        </p:nvCxnSpPr>
+        <p:spPr>
+          <a:xfrm flipV="1">
+            <a:off x="8060924" y="5736383"/>
+            <a:ext cx="2064703" cy="47241"/>
+          </a:xfrm>
+          <a:prstGeom prst="straightConnector1">
+            <a:avLst/>
+          </a:prstGeom>
+          <a:ln>
+            <a:tailEnd type="triangle"/>
+          </a:ln>
+        </p:spPr>
+        <p:style>
+          <a:lnRef idx="1">
+            <a:schemeClr val="accent1"/>
+          </a:lnRef>
+          <a:fillRef idx="0">
+            <a:schemeClr val="accent1"/>
+          </a:fillRef>
+          <a:effectRef idx="0">
+            <a:schemeClr val="accent1"/>
+          </a:effectRef>
+          <a:fontRef idx="minor">
+            <a:schemeClr val="tx1"/>
+          </a:fontRef>
+        </p:style>
+      </p:cxnSp>
+      <p:sp>
+        <p:nvSpPr>
+          <p:cNvPr id="17" name="ZoneTexte 16">
+            <a:extLst>
+              <a:ext uri="{FF2B5EF4-FFF2-40B4-BE49-F238E27FC236}">
+                <a16:creationId xmlns:a16="http://schemas.microsoft.com/office/drawing/2014/main" id="{A7393479-2A68-4214-87AC-39409187C478}"/>
+              </a:ext>
+            </a:extLst>
+          </p:cNvPr>
+          <p:cNvSpPr txBox="1"/>
+          <p:nvPr/>
+        </p:nvSpPr>
+        <p:spPr>
+          <a:xfrm>
+            <a:off x="10282914" y="5514999"/>
+            <a:ext cx="1455848" cy="369332"/>
+          </a:xfrm>
+          <a:prstGeom prst="rect">
+            <a:avLst/>
+          </a:prstGeom>
+          <a:noFill/>
+        </p:spPr>
+        <p:txBody>
+          <a:bodyPr wrap="none" rtlCol="0">
+            <a:spAutoFit/>
+          </a:bodyPr>
+          <a:lstStyle/>
+          <a:p>
+            <a:r>
+              <a:rPr lang="fr-BE" dirty="0"/>
+              <a:t>Association</a:t>
+            </a:r>
+          </a:p>
+        </p:txBody>
+      </p:sp>
+      <p:sp>
+        <p:nvSpPr>
+          <p:cNvPr id="4" name="ZoneTexte 3">
+            <a:extLst>
+              <a:ext uri="{FF2B5EF4-FFF2-40B4-BE49-F238E27FC236}">
+                <a16:creationId xmlns:a16="http://schemas.microsoft.com/office/drawing/2014/main" id="{F3A363B1-A8A5-41F4-AFF8-7760AFD50934}"/>
+              </a:ext>
+            </a:extLst>
+          </p:cNvPr>
+          <p:cNvSpPr txBox="1"/>
+          <p:nvPr/>
+        </p:nvSpPr>
+        <p:spPr>
+          <a:xfrm>
+            <a:off x="10582183" y="665825"/>
+            <a:ext cx="356188" cy="369332"/>
+          </a:xfrm>
+          <a:prstGeom prst="rect">
+            <a:avLst/>
+          </a:prstGeom>
+          <a:noFill/>
+        </p:spPr>
+        <p:txBody>
+          <a:bodyPr wrap="none" rtlCol="0">
+            <a:spAutoFit/>
+          </a:bodyPr>
+          <a:lstStyle/>
+          <a:p>
+            <a:r>
+              <a:rPr lang="fr-BE" dirty="0"/>
+              <a:t>A</a:t>
             </a:r>
           </a:p>
         </p:txBody>
@@ -17379,7 +17763,7 @@
     </p:spTree>
     <p:extLst>
       <p:ext uri="{BB962C8B-B14F-4D97-AF65-F5344CB8AC3E}">
-        <p14:creationId xmlns:p14="http://schemas.microsoft.com/office/powerpoint/2010/main" val="3373644988"/>
+        <p14:creationId xmlns:p14="http://schemas.microsoft.com/office/powerpoint/2010/main" val="3113464706"/>
       </p:ext>
     </p:extLst>
   </p:cSld>

--- a/commun/Réunion 10/PPDiFalcoHuygebaert.pptx
+++ b/commun/Réunion 10/PPDiFalcoHuygebaert.pptx
@@ -828,7 +828,7 @@
           <a:p>
             <a:fld id="{2B26BA7F-0D4E-4FF5-943E-E601AE8A9A05}" type="datetimeFigureOut">
               <a:rPr lang="fr-BE" smtClean="0"/>
-              <a:t>24-05-21</a:t>
+              <a:t>25-05-21</a:t>
             </a:fld>
             <a:endParaRPr lang="fr-BE"/>
           </a:p>
@@ -1773,7 +1773,7 @@
             <a:fld id="{4EC743F4-8769-40B4-85DF-6CB8DE9F66AA}" type="datetimeFigureOut">
               <a:rPr lang="en-US" smtClean="0"/>
               <a:pPr/>
-              <a:t>5/24/2021</a:t>
+              <a:t>5/25/2021</a:t>
             </a:fld>
             <a:endParaRPr lang="en-US" dirty="0"/>
           </a:p>
@@ -2757,7 +2757,7 @@
             <a:fld id="{4EC743F4-8769-40B4-85DF-6CB8DE9F66AA}" type="datetimeFigureOut">
               <a:rPr lang="en-US" smtClean="0"/>
               <a:pPr/>
-              <a:t>5/24/2021</a:t>
+              <a:t>5/25/2021</a:t>
             </a:fld>
             <a:endParaRPr lang="en-US" dirty="0"/>
           </a:p>
@@ -3629,7 +3629,7 @@
             <a:fld id="{4EC743F4-8769-40B4-85DF-6CB8DE9F66AA}" type="datetimeFigureOut">
               <a:rPr lang="en-US" smtClean="0"/>
               <a:pPr/>
-              <a:t>5/24/2021</a:t>
+              <a:t>5/25/2021</a:t>
             </a:fld>
             <a:endParaRPr lang="en-US" dirty="0"/>
           </a:p>
@@ -4652,7 +4652,7 @@
             <a:fld id="{4EC743F4-8769-40B4-85DF-6CB8DE9F66AA}" type="datetimeFigureOut">
               <a:rPr lang="en-US" smtClean="0"/>
               <a:pPr/>
-              <a:t>5/24/2021</a:t>
+              <a:t>5/25/2021</a:t>
             </a:fld>
             <a:endParaRPr lang="en-US" dirty="0"/>
           </a:p>
@@ -5574,7 +5574,7 @@
             <a:fld id="{4EC743F4-8769-40B4-85DF-6CB8DE9F66AA}" type="datetimeFigureOut">
               <a:rPr lang="en-US" smtClean="0"/>
               <a:pPr/>
-              <a:t>5/24/2021</a:t>
+              <a:t>5/25/2021</a:t>
             </a:fld>
             <a:endParaRPr lang="en-US" dirty="0"/>
           </a:p>
@@ -6232,7 +6232,7 @@
             <a:fld id="{4EC743F4-8769-40B4-85DF-6CB8DE9F66AA}" type="datetimeFigureOut">
               <a:rPr lang="en-US" smtClean="0"/>
               <a:pPr/>
-              <a:t>5/24/2021</a:t>
+              <a:t>5/25/2021</a:t>
             </a:fld>
             <a:endParaRPr lang="en-US" dirty="0"/>
           </a:p>
@@ -7091,7 +7091,7 @@
             <a:fld id="{4EC743F4-8769-40B4-85DF-6CB8DE9F66AA}" type="datetimeFigureOut">
               <a:rPr lang="en-US" smtClean="0"/>
               <a:pPr/>
-              <a:t>5/24/2021</a:t>
+              <a:t>5/25/2021</a:t>
             </a:fld>
             <a:endParaRPr lang="en-US" dirty="0"/>
           </a:p>
@@ -7276,7 +7276,7 @@
             <a:fld id="{4EC743F4-8769-40B4-85DF-6CB8DE9F66AA}" type="datetimeFigureOut">
               <a:rPr lang="en-US" smtClean="0"/>
               <a:pPr/>
-              <a:t>5/24/2021</a:t>
+              <a:t>5/25/2021</a:t>
             </a:fld>
             <a:endParaRPr lang="en-US" dirty="0"/>
           </a:p>
@@ -8135,7 +8135,7 @@
             <a:fld id="{4EC743F4-8769-40B4-85DF-6CB8DE9F66AA}" type="datetimeFigureOut">
               <a:rPr lang="en-US" smtClean="0"/>
               <a:pPr/>
-              <a:t>5/24/2021</a:t>
+              <a:t>5/25/2021</a:t>
             </a:fld>
             <a:endParaRPr lang="en-US" dirty="0"/>
           </a:p>
@@ -8356,7 +8356,7 @@
             <a:fld id="{4EC743F4-8769-40B4-85DF-6CB8DE9F66AA}" type="datetimeFigureOut">
               <a:rPr lang="en-US" smtClean="0"/>
               <a:pPr/>
-              <a:t>5/24/2021</a:t>
+              <a:t>5/25/2021</a:t>
             </a:fld>
             <a:endParaRPr lang="en-US" dirty="0"/>
           </a:p>
@@ -9283,7 +9283,7 @@
             <a:fld id="{4EC743F4-8769-40B4-85DF-6CB8DE9F66AA}" type="datetimeFigureOut">
               <a:rPr lang="en-US" smtClean="0"/>
               <a:pPr/>
-              <a:t>5/24/2021</a:t>
+              <a:t>5/25/2021</a:t>
             </a:fld>
             <a:endParaRPr lang="en-US" dirty="0"/>
           </a:p>
@@ -9569,7 +9569,7 @@
             <a:fld id="{4EC743F4-8769-40B4-85DF-6CB8DE9F66AA}" type="datetimeFigureOut">
               <a:rPr lang="en-US" smtClean="0"/>
               <a:pPr/>
-              <a:t>5/24/2021</a:t>
+              <a:t>5/25/2021</a:t>
             </a:fld>
             <a:endParaRPr lang="en-US" dirty="0"/>
           </a:p>
@@ -9961,7 +9961,7 @@
             <a:fld id="{4EC743F4-8769-40B4-85DF-6CB8DE9F66AA}" type="datetimeFigureOut">
               <a:rPr lang="en-US" smtClean="0"/>
               <a:pPr/>
-              <a:t>5/24/2021</a:t>
+              <a:t>5/25/2021</a:t>
             </a:fld>
             <a:endParaRPr lang="en-US" dirty="0"/>
           </a:p>
@@ -10089,7 +10089,7 @@
             <a:fld id="{4EC743F4-8769-40B4-85DF-6CB8DE9F66AA}" type="datetimeFigureOut">
               <a:rPr lang="en-US" smtClean="0"/>
               <a:pPr/>
-              <a:t>5/24/2021</a:t>
+              <a:t>5/25/2021</a:t>
             </a:fld>
             <a:endParaRPr lang="en-US" dirty="0"/>
           </a:p>
@@ -10186,7 +10186,7 @@
             <a:fld id="{4EC743F4-8769-40B4-85DF-6CB8DE9F66AA}" type="datetimeFigureOut">
               <a:rPr lang="en-US" smtClean="0"/>
               <a:pPr/>
-              <a:t>5/24/2021</a:t>
+              <a:t>5/25/2021</a:t>
             </a:fld>
             <a:endParaRPr lang="en-US" dirty="0"/>
           </a:p>
@@ -11159,7 +11159,7 @@
             <a:fld id="{4EC743F4-8769-40B4-85DF-6CB8DE9F66AA}" type="datetimeFigureOut">
               <a:rPr lang="en-US" smtClean="0"/>
               <a:pPr/>
-              <a:t>5/24/2021</a:t>
+              <a:t>5/25/2021</a:t>
             </a:fld>
             <a:endParaRPr lang="en-US" dirty="0"/>
           </a:p>
@@ -12156,7 +12156,7 @@
             <a:fld id="{4EC743F4-8769-40B4-85DF-6CB8DE9F66AA}" type="datetimeFigureOut">
               <a:rPr lang="en-US" smtClean="0"/>
               <a:pPr/>
-              <a:t>5/24/2021</a:t>
+              <a:t>5/25/2021</a:t>
             </a:fld>
             <a:endParaRPr lang="en-US" dirty="0"/>
           </a:p>
@@ -13042,7 +13042,7 @@
             <a:fld id="{4EC743F4-8769-40B4-85DF-6CB8DE9F66AA}" type="datetimeFigureOut">
               <a:rPr lang="en-US" smtClean="0"/>
               <a:pPr/>
-              <a:t>5/24/2021</a:t>
+              <a:t>5/25/2021</a:t>
             </a:fld>
             <a:endParaRPr lang="en-US" dirty="0"/>
           </a:p>
@@ -13814,32 +13814,28 @@
       </p:grpSpPr>
       <p:pic>
         <p:nvPicPr>
-          <p:cNvPr id="13" name="Image 12">
+          <p:cNvPr id="5" name="Image 4">
             <a:extLst>
               <a:ext uri="{FF2B5EF4-FFF2-40B4-BE49-F238E27FC236}">
-                <a16:creationId xmlns:a16="http://schemas.microsoft.com/office/drawing/2014/main" id="{6CD1F3B7-B461-455D-8091-15B4A08F8D61}"/>
+                <a16:creationId xmlns:a16="http://schemas.microsoft.com/office/drawing/2014/main" id="{FD89AFC5-D581-4391-8DD2-9A7A03D836F1}"/>
               </a:ext>
             </a:extLst>
           </p:cNvPr>
-          <p:cNvPicPr/>
+          <p:cNvPicPr>
+            <a:picLocks noChangeAspect="1"/>
+          </p:cNvPicPr>
           <p:nvPr/>
         </p:nvPicPr>
         <p:blipFill>
-          <a:blip r:embed="rId3">
-            <a:extLst>
-              <a:ext uri="{28A0092B-C50C-407E-A947-70E740481C1C}">
-                <a14:useLocalDpi xmlns:a14="http://schemas.microsoft.com/office/drawing/2010/main" val="0"/>
-              </a:ext>
-            </a:extLst>
-          </a:blip>
+          <a:blip r:embed="rId3"/>
           <a:stretch>
             <a:fillRect/>
           </a:stretch>
         </p:blipFill>
         <p:spPr>
           <a:xfrm>
-            <a:off x="0" y="1128140"/>
-            <a:ext cx="12191999" cy="5729859"/>
+            <a:off x="159798" y="423065"/>
+            <a:ext cx="11185864" cy="6858000"/>
           </a:xfrm>
           <a:prstGeom prst="rect">
             <a:avLst/>
@@ -13859,13 +13855,13 @@
             <a:spLocks noGrp="1"/>
           </p:cNvSpPr>
           <p:nvPr>
-            <p:ph type="title"/>
+            <p:ph type="title" idx="4294967295"/>
           </p:nvPr>
         </p:nvSpPr>
         <p:spPr>
           <a:xfrm>
-            <a:off x="3366341" y="298966"/>
-            <a:ext cx="8825659" cy="706964"/>
+            <a:off x="2932082" y="-42149"/>
+            <a:ext cx="8824912" cy="708025"/>
           </a:xfrm>
         </p:spPr>
         <p:txBody>
@@ -13873,22 +13869,42 @@
           <a:lstStyle/>
           <a:p>
             <a:r>
-              <a:rPr lang="fr-BE" dirty="0"/>
+              <a:rPr lang="fr-BE" dirty="0">
+                <a:solidFill>
+                  <a:schemeClr val="accent3"/>
+                </a:solidFill>
+              </a:rPr>
               <a:t>Class </a:t>
             </a:r>
             <a:r>
-              <a:rPr lang="fr-BE" dirty="0" err="1"/>
+              <a:rPr lang="fr-BE" dirty="0" err="1">
+                <a:solidFill>
+                  <a:schemeClr val="accent3"/>
+                </a:solidFill>
+              </a:rPr>
               <a:t>diagram</a:t>
             </a:r>
             <a:r>
-              <a:rPr lang="fr-BE" dirty="0"/>
+              <a:rPr lang="fr-BE" dirty="0">
+                <a:solidFill>
+                  <a:schemeClr val="accent3"/>
+                </a:solidFill>
+              </a:rPr>
               <a:t> : </a:t>
             </a:r>
             <a:r>
-              <a:rPr lang="fr-BE" dirty="0" err="1"/>
+              <a:rPr lang="fr-BE" dirty="0" err="1">
+                <a:solidFill>
+                  <a:schemeClr val="accent3"/>
+                </a:solidFill>
+              </a:rPr>
               <a:t>our</a:t>
             </a:r>
-            <a:endParaRPr lang="fr-BE" dirty="0"/>
+            <a:endParaRPr lang="fr-BE" dirty="0">
+              <a:solidFill>
+                <a:schemeClr val="accent3"/>
+              </a:solidFill>
+            </a:endParaRPr>
           </a:p>
         </p:txBody>
       </p:sp>
@@ -13906,7 +13922,7 @@
         </p:nvSpPr>
         <p:spPr>
           <a:xfrm>
-            <a:off x="7160025" y="1128141"/>
+            <a:off x="7160025" y="704458"/>
             <a:ext cx="3640740" cy="553998"/>
           </a:xfrm>
           <a:prstGeom prst="rect">
@@ -14004,7 +14020,7 @@
         </p:nvSpPr>
         <p:spPr>
           <a:xfrm>
-            <a:off x="7583567" y="3770382"/>
+            <a:off x="7477035" y="3450123"/>
             <a:ext cx="2000435" cy="323165"/>
           </a:xfrm>
           <a:prstGeom prst="rect">
@@ -14054,7 +14070,7 @@
         </p:nvSpPr>
         <p:spPr>
           <a:xfrm>
-            <a:off x="7543059" y="3983343"/>
+            <a:off x="7081421" y="3808095"/>
             <a:ext cx="2040943" cy="307777"/>
           </a:xfrm>
           <a:prstGeom prst="rect">
@@ -14106,7 +14122,7 @@
         </p:nvSpPr>
         <p:spPr>
           <a:xfrm>
-            <a:off x="2798462" y="2945070"/>
+            <a:off x="3712862" y="4214277"/>
             <a:ext cx="6595075" cy="553998"/>
           </a:xfrm>
           <a:prstGeom prst="rect">

--- a/commun/Réunion 10/PPDiFalcoHuygebaert.pptx
+++ b/commun/Réunion 10/PPDiFalcoHuygebaert.pptx
@@ -14646,13 +14646,8 @@
             </a:r>
             <a:r>
               <a:rPr lang="fr-BE" dirty="0"/>
-              <a:t> : 1 / 2 of </a:t>
-            </a:r>
-            <a:r>
-              <a:rPr lang="fr-BE" dirty="0" err="1"/>
-              <a:t>own</a:t>
-            </a:r>
-            <a:endParaRPr lang="fr-BE" dirty="0"/>
+              <a:t> : 1 / 2</a:t>
+            </a:r>
           </a:p>
         </p:txBody>
       </p:sp>
@@ -14819,13 +14814,8 @@
             </a:r>
             <a:r>
               <a:rPr lang="fr-BE" dirty="0"/>
-              <a:t> : 2 / 2 of </a:t>
-            </a:r>
-            <a:r>
-              <a:rPr lang="fr-BE" dirty="0" err="1"/>
-              <a:t>own</a:t>
-            </a:r>
-            <a:endParaRPr lang="fr-BE" dirty="0"/>
+              <a:t> : 2 / 2</a:t>
+            </a:r>
           </a:p>
         </p:txBody>
       </p:sp>

--- a/commun/Réunion 10/PPDiFalcoHuygebaert.pptx
+++ b/commun/Réunion 10/PPDiFalcoHuygebaert.pptx
@@ -14646,8 +14646,13 @@
             </a:r>
             <a:r>
               <a:rPr lang="fr-BE" dirty="0"/>
-              <a:t> : 1 / 2</a:t>
-            </a:r>
+              <a:t> : 1 / 2 of </a:t>
+            </a:r>
+            <a:r>
+              <a:rPr lang="fr-BE" dirty="0" err="1"/>
+              <a:t>own</a:t>
+            </a:r>
+            <a:endParaRPr lang="fr-BE" dirty="0"/>
           </a:p>
         </p:txBody>
       </p:sp>
@@ -14814,8 +14819,13 @@
             </a:r>
             <a:r>
               <a:rPr lang="fr-BE" dirty="0"/>
-              <a:t> : 2 / 2</a:t>
-            </a:r>
+              <a:t> : 2 / 2 of </a:t>
+            </a:r>
+            <a:r>
+              <a:rPr lang="fr-BE" dirty="0" err="1"/>
+              <a:t>own</a:t>
+            </a:r>
+            <a:endParaRPr lang="fr-BE" dirty="0"/>
           </a:p>
         </p:txBody>
       </p:sp>
